--- a/Presentation.pptx
+++ b/Presentation.pptx
@@ -9,17 +9,21 @@
     <p:sldId id="257" r:id="rId7"/>
     <p:sldId id="258" r:id="rId8"/>
     <p:sldId id="261" r:id="rId9"/>
-    <p:sldId id="260" r:id="rId10"/>
-    <p:sldId id="262" r:id="rId11"/>
-    <p:sldId id="265" r:id="rId12"/>
-    <p:sldId id="264" r:id="rId13"/>
-    <p:sldId id="267" r:id="rId14"/>
-    <p:sldId id="268" r:id="rId15"/>
-    <p:sldId id="269" r:id="rId16"/>
-    <p:sldId id="271" r:id="rId17"/>
-    <p:sldId id="272" r:id="rId18"/>
-    <p:sldId id="270" r:id="rId19"/>
-    <p:sldId id="273" r:id="rId20"/>
+    <p:sldId id="275" r:id="rId10"/>
+    <p:sldId id="260" r:id="rId11"/>
+    <p:sldId id="262" r:id="rId12"/>
+    <p:sldId id="265" r:id="rId13"/>
+    <p:sldId id="264" r:id="rId14"/>
+    <p:sldId id="267" r:id="rId15"/>
+    <p:sldId id="276" r:id="rId16"/>
+    <p:sldId id="268" r:id="rId17"/>
+    <p:sldId id="269" r:id="rId18"/>
+    <p:sldId id="271" r:id="rId19"/>
+    <p:sldId id="272" r:id="rId20"/>
+    <p:sldId id="270" r:id="rId21"/>
+    <p:sldId id="278" r:id="rId22"/>
+    <p:sldId id="277" r:id="rId23"/>
+    <p:sldId id="274" r:id="rId24"/>
   </p:sldIdLst>
   <p:sldSz cx="12192000" cy="6858000"/>
   <p:notesSz cx="6858000" cy="9144000"/>
@@ -118,6 +122,11 @@
       </a:defRPr>
     </a:lvl9pPr>
   </p:defaultTextStyle>
+  <p:extLst>
+    <p:ext uri="{EFAFB233-063F-42B5-8137-9DF3F51BA10A}">
+      <p15:sldGuideLst xmlns:p15="http://schemas.microsoft.com/office/powerpoint/2012/main"/>
+    </p:ext>
+  </p:extLst>
 </p:presentation>
 </file>
 
@@ -315,7 +324,7 @@
           <a:p>
             <a:fld id="{3650F1B1-2D82-452D-9DF9-41A02FC5E46C}" type="datetimeFigureOut">
               <a:rPr lang="en-ZA" smtClean="0"/>
-              <a:t>2021/03/08</a:t>
+              <a:t>2021/03/10</a:t>
             </a:fld>
             <a:endParaRPr lang="en-ZA"/>
           </a:p>
@@ -590,7 +599,7 @@
           <a:p>
             <a:fld id="{3650F1B1-2D82-452D-9DF9-41A02FC5E46C}" type="datetimeFigureOut">
               <a:rPr lang="en-ZA" smtClean="0"/>
-              <a:t>2021/03/08</a:t>
+              <a:t>2021/03/10</a:t>
             </a:fld>
             <a:endParaRPr lang="en-ZA"/>
           </a:p>
@@ -784,7 +793,7 @@
           <a:p>
             <a:fld id="{3650F1B1-2D82-452D-9DF9-41A02FC5E46C}" type="datetimeFigureOut">
               <a:rPr lang="en-ZA" smtClean="0"/>
-              <a:t>2021/03/08</a:t>
+              <a:t>2021/03/10</a:t>
             </a:fld>
             <a:endParaRPr lang="en-ZA"/>
           </a:p>
@@ -1057,7 +1066,7 @@
           <a:p>
             <a:fld id="{3650F1B1-2D82-452D-9DF9-41A02FC5E46C}" type="datetimeFigureOut">
               <a:rPr lang="en-ZA" smtClean="0"/>
-              <a:t>2021/03/08</a:t>
+              <a:t>2021/03/10</a:t>
             </a:fld>
             <a:endParaRPr lang="en-ZA"/>
           </a:p>
@@ -1398,7 +1407,7 @@
           <a:p>
             <a:fld id="{3650F1B1-2D82-452D-9DF9-41A02FC5E46C}" type="datetimeFigureOut">
               <a:rPr lang="en-ZA" smtClean="0"/>
-              <a:t>2021/03/08</a:t>
+              <a:t>2021/03/10</a:t>
             </a:fld>
             <a:endParaRPr lang="en-ZA"/>
           </a:p>
@@ -2021,7 +2030,7 @@
           <a:p>
             <a:fld id="{3650F1B1-2D82-452D-9DF9-41A02FC5E46C}" type="datetimeFigureOut">
               <a:rPr lang="en-ZA" smtClean="0"/>
-              <a:t>2021/03/08</a:t>
+              <a:t>2021/03/10</a:t>
             </a:fld>
             <a:endParaRPr lang="en-ZA"/>
           </a:p>
@@ -2881,7 +2890,7 @@
           <a:p>
             <a:fld id="{3650F1B1-2D82-452D-9DF9-41A02FC5E46C}" type="datetimeFigureOut">
               <a:rPr lang="en-ZA" smtClean="0"/>
-              <a:t>2021/03/08</a:t>
+              <a:t>2021/03/10</a:t>
             </a:fld>
             <a:endParaRPr lang="en-ZA"/>
           </a:p>
@@ -3051,7 +3060,7 @@
           <a:p>
             <a:fld id="{3650F1B1-2D82-452D-9DF9-41A02FC5E46C}" type="datetimeFigureOut">
               <a:rPr lang="en-ZA" smtClean="0"/>
-              <a:t>2021/03/08</a:t>
+              <a:t>2021/03/10</a:t>
             </a:fld>
             <a:endParaRPr lang="en-ZA"/>
           </a:p>
@@ -3231,7 +3240,7 @@
           <a:p>
             <a:fld id="{3650F1B1-2D82-452D-9DF9-41A02FC5E46C}" type="datetimeFigureOut">
               <a:rPr lang="en-ZA" smtClean="0"/>
-              <a:t>2021/03/08</a:t>
+              <a:t>2021/03/10</a:t>
             </a:fld>
             <a:endParaRPr lang="en-ZA"/>
           </a:p>
@@ -3401,7 +3410,7 @@
           <a:p>
             <a:fld id="{3650F1B1-2D82-452D-9DF9-41A02FC5E46C}" type="datetimeFigureOut">
               <a:rPr lang="en-ZA" smtClean="0"/>
-              <a:t>2021/03/08</a:t>
+              <a:t>2021/03/10</a:t>
             </a:fld>
             <a:endParaRPr lang="en-ZA"/>
           </a:p>
@@ -3648,7 +3657,7 @@
           <a:p>
             <a:fld id="{3650F1B1-2D82-452D-9DF9-41A02FC5E46C}" type="datetimeFigureOut">
               <a:rPr lang="en-ZA" smtClean="0"/>
-              <a:t>2021/03/08</a:t>
+              <a:t>2021/03/10</a:t>
             </a:fld>
             <a:endParaRPr lang="en-ZA"/>
           </a:p>
@@ -3940,7 +3949,7 @@
           <a:p>
             <a:fld id="{3650F1B1-2D82-452D-9DF9-41A02FC5E46C}" type="datetimeFigureOut">
               <a:rPr lang="en-ZA" smtClean="0"/>
-              <a:t>2021/03/08</a:t>
+              <a:t>2021/03/10</a:t>
             </a:fld>
             <a:endParaRPr lang="en-ZA"/>
           </a:p>
@@ -4384,7 +4393,7 @@
           <a:p>
             <a:fld id="{3650F1B1-2D82-452D-9DF9-41A02FC5E46C}" type="datetimeFigureOut">
               <a:rPr lang="en-ZA" smtClean="0"/>
-              <a:t>2021/03/08</a:t>
+              <a:t>2021/03/10</a:t>
             </a:fld>
             <a:endParaRPr lang="en-ZA"/>
           </a:p>
@@ -4502,7 +4511,7 @@
           <a:p>
             <a:fld id="{3650F1B1-2D82-452D-9DF9-41A02FC5E46C}" type="datetimeFigureOut">
               <a:rPr lang="en-ZA" smtClean="0"/>
-              <a:t>2021/03/08</a:t>
+              <a:t>2021/03/10</a:t>
             </a:fld>
             <a:endParaRPr lang="en-ZA"/>
           </a:p>
@@ -4597,7 +4606,7 @@
           <a:p>
             <a:fld id="{3650F1B1-2D82-452D-9DF9-41A02FC5E46C}" type="datetimeFigureOut">
               <a:rPr lang="en-ZA" smtClean="0"/>
-              <a:t>2021/03/08</a:t>
+              <a:t>2021/03/10</a:t>
             </a:fld>
             <a:endParaRPr lang="en-ZA"/>
           </a:p>
@@ -4876,7 +4885,7 @@
           <a:p>
             <a:fld id="{3650F1B1-2D82-452D-9DF9-41A02FC5E46C}" type="datetimeFigureOut">
               <a:rPr lang="en-ZA" smtClean="0"/>
-              <a:t>2021/03/08</a:t>
+              <a:t>2021/03/10</a:t>
             </a:fld>
             <a:endParaRPr lang="en-ZA"/>
           </a:p>
@@ -5151,7 +5160,7 @@
           <a:p>
             <a:fld id="{3650F1B1-2D82-452D-9DF9-41A02FC5E46C}" type="datetimeFigureOut">
               <a:rPr lang="en-ZA" smtClean="0"/>
-              <a:t>2021/03/08</a:t>
+              <a:t>2021/03/10</a:t>
             </a:fld>
             <a:endParaRPr lang="en-ZA"/>
           </a:p>
@@ -5580,7 +5589,7 @@
           <a:p>
             <a:fld id="{3650F1B1-2D82-452D-9DF9-41A02FC5E46C}" type="datetimeFigureOut">
               <a:rPr lang="en-ZA" smtClean="0"/>
-              <a:t>2021/03/08</a:t>
+              <a:t>2021/03/10</a:t>
             </a:fld>
             <a:endParaRPr lang="en-ZA"/>
           </a:p>
@@ -6389,7 +6398,7 @@
           <a:p>
             <a:r>
               <a:rPr lang="en-US" sz="2400" dirty="0"/>
-              <a:t>Feature importance</a:t>
+              <a:t>Feature correlation</a:t>
             </a:r>
             <a:br>
               <a:rPr lang="en-US" sz="4400" dirty="0"/>
@@ -6400,10 +6409,10 @@
       </p:sp>
       <p:pic>
         <p:nvPicPr>
-          <p:cNvPr id="7" name="Content Placeholder 6" descr="Chart, bar chart&#10;&#10;Description automatically generated">
+          <p:cNvPr id="7" name="Content Placeholder 6" descr="A picture containing chart&#10;&#10;Description automatically generated">
             <a:extLst>
               <a:ext uri="{FF2B5EF4-FFF2-40B4-BE49-F238E27FC236}">
-                <a16:creationId xmlns:a16="http://schemas.microsoft.com/office/drawing/2014/main" id="{5816FFE9-55D2-4C55-8BDC-D28125428099}"/>
+                <a16:creationId xmlns:a16="http://schemas.microsoft.com/office/drawing/2014/main" id="{D1D9157C-FC9C-446B-A047-1D4F54662278}"/>
               </a:ext>
             </a:extLst>
           </p:cNvPr>
@@ -6428,15 +6437,15 @@
         </p:blipFill>
         <p:spPr>
           <a:xfrm>
-            <a:off x="721360" y="2321302"/>
-            <a:ext cx="6410961" cy="4160778"/>
+            <a:off x="646113" y="2052638"/>
+            <a:ext cx="10747376" cy="4805362"/>
           </a:xfrm>
         </p:spPr>
       </p:pic>
     </p:spTree>
     <p:extLst>
       <p:ext uri="{BB962C8B-B14F-4D97-AF65-F5344CB8AC3E}">
-        <p14:creationId xmlns:p14="http://schemas.microsoft.com/office/powerpoint/2010/main" val="4263933389"/>
+        <p14:creationId xmlns:p14="http://schemas.microsoft.com/office/powerpoint/2010/main" val="3082913842"/>
       </p:ext>
     </p:extLst>
   </p:cSld>
@@ -6465,10 +6474,10 @@
       </p:grpSpPr>
       <p:sp>
         <p:nvSpPr>
-          <p:cNvPr id="4" name="Title 1">
+          <p:cNvPr id="2" name="Title 1">
             <a:extLst>
               <a:ext uri="{FF2B5EF4-FFF2-40B4-BE49-F238E27FC236}">
-                <a16:creationId xmlns:a16="http://schemas.microsoft.com/office/drawing/2014/main" id="{7FF5BD98-F94E-4E14-8BB6-CA9825419188}"/>
+                <a16:creationId xmlns:a16="http://schemas.microsoft.com/office/drawing/2014/main" id="{953C3C68-A4C9-44E2-AAE3-A52419D546BE}"/>
               </a:ext>
             </a:extLst>
           </p:cNvPr>
@@ -6479,327 +6488,94 @@
             <p:ph type="title"/>
           </p:nvPr>
         </p:nvSpPr>
-        <p:spPr>
-          <a:xfrm>
-            <a:off x="646113" y="452438"/>
-            <a:ext cx="9404350" cy="1400175"/>
-          </a:xfrm>
-        </p:spPr>
+        <p:spPr/>
         <p:txBody>
           <a:bodyPr/>
           <a:lstStyle/>
           <a:p>
             <a:r>
-              <a:rPr lang="en-US" sz="4000" dirty="0"/>
-              <a:t>Modeling</a:t>
-            </a:r>
-          </a:p>
-        </p:txBody>
-      </p:sp>
-      <p:sp>
-        <p:nvSpPr>
-          <p:cNvPr id="5" name="Title 1">
+              <a:rPr lang="en-US" sz="4400" dirty="0"/>
+              <a:t>Exploratory Data Analysis</a:t>
+            </a:r>
+            <a:br>
+              <a:rPr lang="en-US" dirty="0"/>
+            </a:br>
+            <a:r>
+              <a:rPr lang="en-US" dirty="0"/>
+              <a:t>Pre processing</a:t>
+            </a:r>
+            <a:endParaRPr lang="en-ZA" dirty="0"/>
+          </a:p>
+        </p:txBody>
+      </p:sp>
+      <p:sp>
+        <p:nvSpPr>
+          <p:cNvPr id="3" name="Content Placeholder 2">
             <a:extLst>
               <a:ext uri="{FF2B5EF4-FFF2-40B4-BE49-F238E27FC236}">
-                <a16:creationId xmlns:a16="http://schemas.microsoft.com/office/drawing/2014/main" id="{543ECB04-8506-41C8-87FC-6FA78A242129}"/>
+                <a16:creationId xmlns:a16="http://schemas.microsoft.com/office/drawing/2014/main" id="{D9043EDB-E989-45E0-9862-1850496C2C6A}"/>
               </a:ext>
             </a:extLst>
           </p:cNvPr>
-          <p:cNvSpPr txBox="1">
-            <a:spLocks/>
-          </p:cNvSpPr>
-          <p:nvPr/>
-        </p:nvSpPr>
-        <p:spPr>
-          <a:xfrm>
-            <a:off x="798511" y="1489038"/>
-            <a:ext cx="9404723" cy="979842"/>
-          </a:xfrm>
-          <a:prstGeom prst="rect">
-            <a:avLst/>
-          </a:prstGeom>
-        </p:spPr>
-        <p:txBody>
-          <a:bodyPr vert="horz" lIns="91440" tIns="45720" rIns="91440" bIns="45720" rtlCol="0" anchor="t">
-            <a:noAutofit/>
-          </a:bodyPr>
-          <a:lstStyle>
-            <a:lvl1pPr algn="l" defTabSz="457200" rtl="0" eaLnBrk="1" latinLnBrk="0" hangingPunct="1">
-              <a:spcBef>
-                <a:spcPct val="0"/>
-              </a:spcBef>
-              <a:buNone/>
-              <a:defRPr sz="4200" b="0" i="0" kern="1200">
-                <a:solidFill>
-                  <a:schemeClr val="tx2"/>
-                </a:solidFill>
-                <a:latin typeface="+mj-lt"/>
-                <a:ea typeface="+mj-ea"/>
-                <a:cs typeface="+mj-cs"/>
-              </a:defRPr>
-            </a:lvl1pPr>
-            <a:lvl2pPr eaLnBrk="1" hangingPunct="1">
-              <a:defRPr>
-                <a:solidFill>
-                  <a:schemeClr val="tx2"/>
-                </a:solidFill>
-              </a:defRPr>
-            </a:lvl2pPr>
-            <a:lvl3pPr eaLnBrk="1" hangingPunct="1">
-              <a:defRPr>
-                <a:solidFill>
-                  <a:schemeClr val="tx2"/>
-                </a:solidFill>
-              </a:defRPr>
-            </a:lvl3pPr>
-            <a:lvl4pPr eaLnBrk="1" hangingPunct="1">
-              <a:defRPr>
-                <a:solidFill>
-                  <a:schemeClr val="tx2"/>
-                </a:solidFill>
-              </a:defRPr>
-            </a:lvl4pPr>
-            <a:lvl5pPr eaLnBrk="1" hangingPunct="1">
-              <a:defRPr>
-                <a:solidFill>
-                  <a:schemeClr val="tx2"/>
-                </a:solidFill>
-              </a:defRPr>
-            </a:lvl5pPr>
-            <a:lvl6pPr eaLnBrk="1" hangingPunct="1">
-              <a:defRPr>
-                <a:solidFill>
-                  <a:schemeClr val="tx2"/>
-                </a:solidFill>
-              </a:defRPr>
-            </a:lvl6pPr>
-            <a:lvl7pPr eaLnBrk="1" hangingPunct="1">
-              <a:defRPr>
-                <a:solidFill>
-                  <a:schemeClr val="tx2"/>
-                </a:solidFill>
-              </a:defRPr>
-            </a:lvl7pPr>
-            <a:lvl8pPr eaLnBrk="1" hangingPunct="1">
-              <a:defRPr>
-                <a:solidFill>
-                  <a:schemeClr val="tx2"/>
-                </a:solidFill>
-              </a:defRPr>
-            </a:lvl8pPr>
-            <a:lvl9pPr eaLnBrk="1" hangingPunct="1">
-              <a:defRPr>
-                <a:solidFill>
-                  <a:schemeClr val="tx2"/>
-                </a:solidFill>
-              </a:defRPr>
-            </a:lvl9pPr>
-          </a:lstStyle>
-          <a:p>
-            <a:endParaRPr lang="en-ZA" dirty="0"/>
-          </a:p>
-        </p:txBody>
-      </p:sp>
-      <p:sp>
-        <p:nvSpPr>
-          <p:cNvPr id="9" name="Title 1">
-            <a:extLst>
-              <a:ext uri="{FF2B5EF4-FFF2-40B4-BE49-F238E27FC236}">
-                <a16:creationId xmlns:a16="http://schemas.microsoft.com/office/drawing/2014/main" id="{733ECC51-7D3B-494F-981B-F6AE2BF450B6}"/>
-              </a:ext>
-            </a:extLst>
-          </p:cNvPr>
-          <p:cNvSpPr txBox="1">
-            <a:spLocks/>
-          </p:cNvSpPr>
-          <p:nvPr/>
-        </p:nvSpPr>
-        <p:spPr>
-          <a:xfrm>
-            <a:off x="493342" y="1489038"/>
-            <a:ext cx="9404723" cy="979842"/>
-          </a:xfrm>
-          <a:prstGeom prst="rect">
-            <a:avLst/>
-          </a:prstGeom>
-        </p:spPr>
-        <p:txBody>
-          <a:bodyPr vert="horz" lIns="91440" tIns="45720" rIns="91440" bIns="45720" rtlCol="0" anchor="t">
-            <a:noAutofit/>
-          </a:bodyPr>
-          <a:lstStyle>
-            <a:lvl1pPr algn="l" defTabSz="457200" rtl="0" eaLnBrk="1" latinLnBrk="0" hangingPunct="1">
-              <a:spcBef>
-                <a:spcPct val="0"/>
-              </a:spcBef>
-              <a:buNone/>
-              <a:defRPr sz="4200" b="0" i="0" kern="1200">
-                <a:solidFill>
-                  <a:schemeClr val="tx2"/>
-                </a:solidFill>
-                <a:latin typeface="+mj-lt"/>
-                <a:ea typeface="+mj-ea"/>
-                <a:cs typeface="+mj-cs"/>
-              </a:defRPr>
-            </a:lvl1pPr>
-            <a:lvl2pPr eaLnBrk="1" hangingPunct="1">
-              <a:defRPr>
-                <a:solidFill>
-                  <a:schemeClr val="tx2"/>
-                </a:solidFill>
-              </a:defRPr>
-            </a:lvl2pPr>
-            <a:lvl3pPr eaLnBrk="1" hangingPunct="1">
-              <a:defRPr>
-                <a:solidFill>
-                  <a:schemeClr val="tx2"/>
-                </a:solidFill>
-              </a:defRPr>
-            </a:lvl3pPr>
-            <a:lvl4pPr eaLnBrk="1" hangingPunct="1">
-              <a:defRPr>
-                <a:solidFill>
-                  <a:schemeClr val="tx2"/>
-                </a:solidFill>
-              </a:defRPr>
-            </a:lvl4pPr>
-            <a:lvl5pPr eaLnBrk="1" hangingPunct="1">
-              <a:defRPr>
-                <a:solidFill>
-                  <a:schemeClr val="tx2"/>
-                </a:solidFill>
-              </a:defRPr>
-            </a:lvl5pPr>
-            <a:lvl6pPr eaLnBrk="1" hangingPunct="1">
-              <a:defRPr>
-                <a:solidFill>
-                  <a:schemeClr val="tx2"/>
-                </a:solidFill>
-              </a:defRPr>
-            </a:lvl6pPr>
-            <a:lvl7pPr eaLnBrk="1" hangingPunct="1">
-              <a:defRPr>
-                <a:solidFill>
-                  <a:schemeClr val="tx2"/>
-                </a:solidFill>
-              </a:defRPr>
-            </a:lvl7pPr>
-            <a:lvl8pPr eaLnBrk="1" hangingPunct="1">
-              <a:defRPr>
-                <a:solidFill>
-                  <a:schemeClr val="tx2"/>
-                </a:solidFill>
-              </a:defRPr>
-            </a:lvl8pPr>
-            <a:lvl9pPr eaLnBrk="1" hangingPunct="1">
-              <a:defRPr>
-                <a:solidFill>
-                  <a:schemeClr val="tx2"/>
-                </a:solidFill>
-              </a:defRPr>
-            </a:lvl9pPr>
-          </a:lstStyle>
-          <a:p>
-            <a:r>
-              <a:rPr lang="en-US" sz="2400" dirty="0"/>
-              <a:t>Baseline Classifier </a:t>
-            </a:r>
-            <a:br>
-              <a:rPr lang="en-US" sz="4400" dirty="0"/>
-            </a:br>
-            <a:endParaRPr lang="en-ZA" dirty="0"/>
-          </a:p>
-        </p:txBody>
-      </p:sp>
-      <p:pic>
-        <p:nvPicPr>
-          <p:cNvPr id="13" name="Content Placeholder 12" descr="A picture containing text, receipt, screenshot&#10;&#10;Description automatically generated">
-            <a:extLst>
-              <a:ext uri="{FF2B5EF4-FFF2-40B4-BE49-F238E27FC236}">
-                <a16:creationId xmlns:a16="http://schemas.microsoft.com/office/drawing/2014/main" id="{770C142C-F6E7-4617-B657-9859BA5BD14C}"/>
-              </a:ext>
-            </a:extLst>
-          </p:cNvPr>
-          <p:cNvPicPr>
-            <a:picLocks noGrp="1" noChangeAspect="1"/>
-          </p:cNvPicPr>
+          <p:cNvSpPr>
+            <a:spLocks noGrp="1"/>
+          </p:cNvSpPr>
           <p:nvPr>
             <p:ph idx="1"/>
           </p:nvPr>
-        </p:nvPicPr>
-        <p:blipFill>
-          <a:blip r:embed="rId2">
-            <a:extLst>
-              <a:ext uri="{28A0092B-C50C-407E-A947-70E740481C1C}">
-                <a14:useLocalDpi xmlns:a14="http://schemas.microsoft.com/office/drawing/2010/main" val="0"/>
-              </a:ext>
-            </a:extLst>
-          </a:blip>
-          <a:stretch>
-            <a:fillRect/>
-          </a:stretch>
-        </p:blipFill>
-        <p:spPr>
-          <a:xfrm>
-            <a:off x="188173" y="2214880"/>
-            <a:ext cx="7452571" cy="4190681"/>
-          </a:xfrm>
-        </p:spPr>
-      </p:pic>
-      <p:sp>
-        <p:nvSpPr>
-          <p:cNvPr id="14" name="Rectangle: Rounded Corners 13">
-            <a:extLst>
-              <a:ext uri="{FF2B5EF4-FFF2-40B4-BE49-F238E27FC236}">
-                <a16:creationId xmlns:a16="http://schemas.microsoft.com/office/drawing/2014/main" id="{9D2EB3CA-D4CA-419C-BC3D-64AA18AF75EF}"/>
-              </a:ext>
-            </a:extLst>
-          </p:cNvPr>
-          <p:cNvSpPr/>
-          <p:nvPr/>
-        </p:nvSpPr>
-        <p:spPr>
-          <a:xfrm>
-            <a:off x="8335478" y="2011680"/>
-            <a:ext cx="3363180" cy="3099335"/>
-          </a:xfrm>
-          <a:prstGeom prst="roundRect">
-            <a:avLst/>
-          </a:prstGeom>
-        </p:spPr>
-        <p:style>
-          <a:lnRef idx="2">
-            <a:schemeClr val="accent1">
-              <a:shade val="50000"/>
-            </a:schemeClr>
-          </a:lnRef>
-          <a:fillRef idx="1">
-            <a:schemeClr val="accent1"/>
-          </a:fillRef>
-          <a:effectRef idx="0">
-            <a:schemeClr val="accent1"/>
-          </a:effectRef>
-          <a:fontRef idx="minor">
-            <a:schemeClr val="lt1"/>
-          </a:fontRef>
-        </p:style>
-        <p:txBody>
-          <a:bodyPr rtlCol="0" anchor="ctr"/>
+        </p:nvSpPr>
+        <p:spPr/>
+        <p:txBody>
+          <a:bodyPr/>
           <a:lstStyle/>
           <a:p>
-            <a:pPr algn="ctr"/>
-            <a:r>
-              <a:rPr lang="en-US" dirty="0"/>
-              <a:t>The baseline model accuracy is 60%. Which will act as a baseline to all models</a:t>
-            </a:r>
-            <a:endParaRPr lang="en-ZA" dirty="0"/>
+            <a:pPr>
+              <a:buFont typeface="Wingdings" panose="05000000000000000000" pitchFamily="2" charset="2"/>
+              <a:buChar char="q"/>
+            </a:pPr>
+            <a:r>
+              <a:rPr lang="en-US" b="1" dirty="0"/>
+              <a:t>One hot encoder to convert categorical variables so I can model with full variables for my baseline model</a:t>
+            </a:r>
+          </a:p>
+          <a:p>
+            <a:pPr marL="0" indent="0">
+              <a:buNone/>
+            </a:pPr>
+            <a:r>
+              <a:rPr lang="en-US" b="1" dirty="0"/>
+              <a:t>	</a:t>
+            </a:r>
+            <a:r>
+              <a:rPr lang="en-ZA" dirty="0"/>
+              <a:t>Data is not that large</a:t>
+            </a:r>
+          </a:p>
+          <a:p>
+            <a:pPr marL="0" indent="0">
+              <a:buNone/>
+            </a:pPr>
+            <a:r>
+              <a:rPr lang="en-ZA" dirty="0"/>
+              <a:t>	Only two categorical variables</a:t>
+            </a:r>
+          </a:p>
+          <a:p>
+            <a:pPr>
+              <a:buFont typeface="Wingdings" panose="05000000000000000000" pitchFamily="2" charset="2"/>
+              <a:buChar char="q"/>
+            </a:pPr>
+            <a:r>
+              <a:rPr lang="en-ZA" b="1" dirty="0"/>
+              <a:t>Scaling</a:t>
+            </a:r>
           </a:p>
         </p:txBody>
       </p:sp>
     </p:spTree>
     <p:extLst>
       <p:ext uri="{BB962C8B-B14F-4D97-AF65-F5344CB8AC3E}">
-        <p14:creationId xmlns:p14="http://schemas.microsoft.com/office/powerpoint/2010/main" val="543410780"/>
+        <p14:creationId xmlns:p14="http://schemas.microsoft.com/office/powerpoint/2010/main" val="674954951"/>
       </p:ext>
     </p:extLst>
   </p:cSld>
@@ -6856,6 +6632,7 @@
               <a:rPr lang="en-US" sz="4000" dirty="0"/>
               <a:t>Modeling</a:t>
             </a:r>
+            <a:endParaRPr lang="en-ZA" dirty="0"/>
           </a:p>
         </p:txBody>
       </p:sp>
@@ -6959,16 +6736,23 @@
             </a:lvl9pPr>
           </a:lstStyle>
           <a:p>
+            <a:r>
+              <a:rPr lang="en-US" sz="2400" dirty="0"/>
+              <a:t>Feature importance</a:t>
+            </a:r>
+            <a:br>
+              <a:rPr lang="en-US" sz="4400" dirty="0"/>
+            </a:br>
             <a:endParaRPr lang="en-ZA" dirty="0"/>
           </a:p>
         </p:txBody>
       </p:sp>
       <p:pic>
         <p:nvPicPr>
-          <p:cNvPr id="7" name="Content Placeholder 6" descr="Table&#10;&#10;Description automatically generated">
+          <p:cNvPr id="7" name="Content Placeholder 6" descr="Chart, bar chart&#10;&#10;Description automatically generated">
             <a:extLst>
               <a:ext uri="{FF2B5EF4-FFF2-40B4-BE49-F238E27FC236}">
-                <a16:creationId xmlns:a16="http://schemas.microsoft.com/office/drawing/2014/main" id="{42E4B424-EAAC-498F-B3FA-0EABBA664AB6}"/>
+                <a16:creationId xmlns:a16="http://schemas.microsoft.com/office/drawing/2014/main" id="{5816FFE9-55D2-4C55-8BDC-D28125428099}"/>
               </a:ext>
             </a:extLst>
           </p:cNvPr>
@@ -6993,128 +6777,17 @@
         </p:blipFill>
         <p:spPr>
           <a:xfrm>
-            <a:off x="436880" y="1981201"/>
-            <a:ext cx="8310880" cy="4511040"/>
+            <a:off x="721360" y="2321302"/>
+            <a:ext cx="6410961" cy="4160778"/>
           </a:xfrm>
         </p:spPr>
       </p:pic>
       <p:sp>
         <p:nvSpPr>
-          <p:cNvPr id="9" name="Title 1">
-            <a:extLst>
-              <a:ext uri="{FF2B5EF4-FFF2-40B4-BE49-F238E27FC236}">
-                <a16:creationId xmlns:a16="http://schemas.microsoft.com/office/drawing/2014/main" id="{733ECC51-7D3B-494F-981B-F6AE2BF450B6}"/>
-              </a:ext>
-            </a:extLst>
-          </p:cNvPr>
-          <p:cNvSpPr txBox="1">
-            <a:spLocks/>
-          </p:cNvSpPr>
-          <p:nvPr/>
-        </p:nvSpPr>
-        <p:spPr>
-          <a:xfrm>
-            <a:off x="493342" y="1489038"/>
-            <a:ext cx="9404723" cy="979842"/>
-          </a:xfrm>
-          <a:prstGeom prst="rect">
-            <a:avLst/>
-          </a:prstGeom>
-        </p:spPr>
-        <p:txBody>
-          <a:bodyPr vert="horz" lIns="91440" tIns="45720" rIns="91440" bIns="45720" rtlCol="0" anchor="t">
-            <a:noAutofit/>
-          </a:bodyPr>
-          <a:lstStyle>
-            <a:lvl1pPr algn="l" defTabSz="457200" rtl="0" eaLnBrk="1" latinLnBrk="0" hangingPunct="1">
-              <a:spcBef>
-                <a:spcPct val="0"/>
-              </a:spcBef>
-              <a:buNone/>
-              <a:defRPr sz="4200" b="0" i="0" kern="1200">
-                <a:solidFill>
-                  <a:schemeClr val="tx2"/>
-                </a:solidFill>
-                <a:latin typeface="+mj-lt"/>
-                <a:ea typeface="+mj-ea"/>
-                <a:cs typeface="+mj-cs"/>
-              </a:defRPr>
-            </a:lvl1pPr>
-            <a:lvl2pPr eaLnBrk="1" hangingPunct="1">
-              <a:defRPr>
-                <a:solidFill>
-                  <a:schemeClr val="tx2"/>
-                </a:solidFill>
-              </a:defRPr>
-            </a:lvl2pPr>
-            <a:lvl3pPr eaLnBrk="1" hangingPunct="1">
-              <a:defRPr>
-                <a:solidFill>
-                  <a:schemeClr val="tx2"/>
-                </a:solidFill>
-              </a:defRPr>
-            </a:lvl3pPr>
-            <a:lvl4pPr eaLnBrk="1" hangingPunct="1">
-              <a:defRPr>
-                <a:solidFill>
-                  <a:schemeClr val="tx2"/>
-                </a:solidFill>
-              </a:defRPr>
-            </a:lvl4pPr>
-            <a:lvl5pPr eaLnBrk="1" hangingPunct="1">
-              <a:defRPr>
-                <a:solidFill>
-                  <a:schemeClr val="tx2"/>
-                </a:solidFill>
-              </a:defRPr>
-            </a:lvl5pPr>
-            <a:lvl6pPr eaLnBrk="1" hangingPunct="1">
-              <a:defRPr>
-                <a:solidFill>
-                  <a:schemeClr val="tx2"/>
-                </a:solidFill>
-              </a:defRPr>
-            </a:lvl6pPr>
-            <a:lvl7pPr eaLnBrk="1" hangingPunct="1">
-              <a:defRPr>
-                <a:solidFill>
-                  <a:schemeClr val="tx2"/>
-                </a:solidFill>
-              </a:defRPr>
-            </a:lvl7pPr>
-            <a:lvl8pPr eaLnBrk="1" hangingPunct="1">
-              <a:defRPr>
-                <a:solidFill>
-                  <a:schemeClr val="tx2"/>
-                </a:solidFill>
-              </a:defRPr>
-            </a:lvl8pPr>
-            <a:lvl9pPr eaLnBrk="1" hangingPunct="1">
-              <a:defRPr>
-                <a:solidFill>
-                  <a:schemeClr val="tx2"/>
-                </a:solidFill>
-              </a:defRPr>
-            </a:lvl9pPr>
-          </a:lstStyle>
-          <a:p>
-            <a:r>
-              <a:rPr lang="en-US" sz="2400" dirty="0"/>
-              <a:t>Classifiers </a:t>
-            </a:r>
-            <a:br>
-              <a:rPr lang="en-US" sz="4400" dirty="0"/>
-            </a:br>
-            <a:endParaRPr lang="en-ZA" dirty="0"/>
-          </a:p>
-        </p:txBody>
-      </p:sp>
-      <p:sp>
-        <p:nvSpPr>
           <p:cNvPr id="2" name="Rectangle: Rounded Corners 1">
             <a:extLst>
               <a:ext uri="{FF2B5EF4-FFF2-40B4-BE49-F238E27FC236}">
-                <a16:creationId xmlns:a16="http://schemas.microsoft.com/office/drawing/2014/main" id="{404E6332-CB27-4BE8-8A49-8E604B5C5362}"/>
+                <a16:creationId xmlns:a16="http://schemas.microsoft.com/office/drawing/2014/main" id="{B265AE88-4FA9-4397-9648-0537A4A9848A}"/>
               </a:ext>
             </a:extLst>
           </p:cNvPr>
@@ -7123,8 +6796,8 @@
         </p:nvSpPr>
         <p:spPr>
           <a:xfrm>
-            <a:off x="9153625" y="1981201"/>
-            <a:ext cx="2601495" cy="4159717"/>
+            <a:off x="7985760" y="2072640"/>
+            <a:ext cx="3484880" cy="3698240"/>
           </a:xfrm>
           <a:prstGeom prst="roundRect">
             <a:avLst/>
@@ -7152,21 +6825,16 @@
           <a:p>
             <a:pPr algn="ctr"/>
             <a:r>
-              <a:rPr lang="en-US" dirty="0"/>
-              <a:t>Performance of all the classifier models before parameter </a:t>
-            </a:r>
-            <a:r>
-              <a:rPr lang="en-US" dirty="0" err="1"/>
-              <a:t>tunning</a:t>
-            </a:r>
-            <a:endParaRPr lang="en-ZA" dirty="0"/>
+              <a:rPr lang="en-ZA" dirty="0"/>
+              <a:t>Mass, Width and Height were the relevant features to be selected to use in the model to obtain more accurate results.</a:t>
+            </a:r>
           </a:p>
         </p:txBody>
       </p:sp>
     </p:spTree>
     <p:extLst>
       <p:ext uri="{BB962C8B-B14F-4D97-AF65-F5344CB8AC3E}">
-        <p14:creationId xmlns:p14="http://schemas.microsoft.com/office/powerpoint/2010/main" val="2656329611"/>
+        <p14:creationId xmlns:p14="http://schemas.microsoft.com/office/powerpoint/2010/main" val="4263933389"/>
       </p:ext>
     </p:extLst>
   </p:cSld>
@@ -7432,7 +7100,7 @@
           <a:p>
             <a:r>
               <a:rPr lang="en-US" sz="2400" dirty="0"/>
-              <a:t>Best performing Classifier </a:t>
+              <a:t>Baseline Classifier </a:t>
             </a:r>
             <a:br>
               <a:rPr lang="en-US" sz="4400" dirty="0"/>
@@ -7443,10 +7111,10 @@
       </p:sp>
       <p:pic>
         <p:nvPicPr>
-          <p:cNvPr id="8" name="Content Placeholder 7" descr="A picture containing text, receipt, screenshot&#10;&#10;Description automatically generated">
+          <p:cNvPr id="13" name="Content Placeholder 12" descr="A picture containing text, receipt, screenshot&#10;&#10;Description automatically generated">
             <a:extLst>
               <a:ext uri="{FF2B5EF4-FFF2-40B4-BE49-F238E27FC236}">
-                <a16:creationId xmlns:a16="http://schemas.microsoft.com/office/drawing/2014/main" id="{467D50B0-04A2-40BE-8BE5-52FB136EDE16}"/>
+                <a16:creationId xmlns:a16="http://schemas.microsoft.com/office/drawing/2014/main" id="{770C142C-F6E7-4617-B657-9859BA5BD14C}"/>
               </a:ext>
             </a:extLst>
           </p:cNvPr>
@@ -7471,17 +7139,17 @@
         </p:blipFill>
         <p:spPr>
           <a:xfrm>
-            <a:off x="493342" y="2331336"/>
-            <a:ext cx="6991456" cy="3835066"/>
+            <a:off x="188173" y="2214880"/>
+            <a:ext cx="7452571" cy="4190681"/>
           </a:xfrm>
         </p:spPr>
       </p:pic>
       <p:sp>
         <p:nvSpPr>
-          <p:cNvPr id="10" name="Rectangle: Rounded Corners 9">
+          <p:cNvPr id="14" name="Rectangle: Rounded Corners 13">
             <a:extLst>
               <a:ext uri="{FF2B5EF4-FFF2-40B4-BE49-F238E27FC236}">
-                <a16:creationId xmlns:a16="http://schemas.microsoft.com/office/drawing/2014/main" id="{76462F92-C525-42CF-938E-14BD42B7B1BA}"/>
+                <a16:creationId xmlns:a16="http://schemas.microsoft.com/office/drawing/2014/main" id="{9D2EB3CA-D4CA-419C-BC3D-64AA18AF75EF}"/>
               </a:ext>
             </a:extLst>
           </p:cNvPr>
@@ -7490,8 +7158,8 @@
         </p:nvSpPr>
         <p:spPr>
           <a:xfrm>
-            <a:off x="8518358" y="1852613"/>
-            <a:ext cx="3027529" cy="4182427"/>
+            <a:off x="8335478" y="2011680"/>
+            <a:ext cx="3363180" cy="3099335"/>
           </a:xfrm>
           <a:prstGeom prst="roundRect">
             <a:avLst/>
@@ -7520,21 +7188,7 @@
             <a:pPr algn="ctr"/>
             <a:r>
               <a:rPr lang="en-US" dirty="0"/>
-              <a:t>The best performing model after parameter tuning. The accuracy is 80%</a:t>
-            </a:r>
-          </a:p>
-          <a:p>
-            <a:pPr algn="ctr"/>
-            <a:r>
-              <a:rPr lang="en-US" dirty="0"/>
-              <a:t>And can still be improved.</a:t>
-            </a:r>
-          </a:p>
-          <a:p>
-            <a:pPr algn="ctr"/>
-            <a:r>
-              <a:rPr lang="en-US" dirty="0"/>
-              <a:t>It was obtained through grid search </a:t>
+              <a:t>The baseline model accuracy is 60%. Which will act as a baseline to all models</a:t>
             </a:r>
             <a:endParaRPr lang="en-ZA" dirty="0"/>
           </a:p>
@@ -7543,7 +7197,7 @@
     </p:spTree>
     <p:extLst>
       <p:ext uri="{BB962C8B-B14F-4D97-AF65-F5344CB8AC3E}">
-        <p14:creationId xmlns:p14="http://schemas.microsoft.com/office/powerpoint/2010/main" val="142362038"/>
+        <p14:creationId xmlns:p14="http://schemas.microsoft.com/office/powerpoint/2010/main" val="543410780"/>
       </p:ext>
     </p:extLst>
   </p:cSld>
@@ -7707,12 +7361,47 @@
           </a:p>
         </p:txBody>
       </p:sp>
-      <p:sp>
-        <p:nvSpPr>
-          <p:cNvPr id="6" name="Title 1">
+      <p:pic>
+        <p:nvPicPr>
+          <p:cNvPr id="7" name="Content Placeholder 6" descr="Table&#10;&#10;Description automatically generated">
             <a:extLst>
               <a:ext uri="{FF2B5EF4-FFF2-40B4-BE49-F238E27FC236}">
-                <a16:creationId xmlns:a16="http://schemas.microsoft.com/office/drawing/2014/main" id="{3A25772D-EA1C-4A83-830F-8CA0AC08BB90}"/>
+                <a16:creationId xmlns:a16="http://schemas.microsoft.com/office/drawing/2014/main" id="{42E4B424-EAAC-498F-B3FA-0EABBA664AB6}"/>
+              </a:ext>
+            </a:extLst>
+          </p:cNvPr>
+          <p:cNvPicPr>
+            <a:picLocks noGrp="1" noChangeAspect="1"/>
+          </p:cNvPicPr>
+          <p:nvPr>
+            <p:ph idx="1"/>
+          </p:nvPr>
+        </p:nvPicPr>
+        <p:blipFill>
+          <a:blip r:embed="rId2">
+            <a:extLst>
+              <a:ext uri="{28A0092B-C50C-407E-A947-70E740481C1C}">
+                <a14:useLocalDpi xmlns:a14="http://schemas.microsoft.com/office/drawing/2010/main" val="0"/>
+              </a:ext>
+            </a:extLst>
+          </a:blip>
+          <a:stretch>
+            <a:fillRect/>
+          </a:stretch>
+        </p:blipFill>
+        <p:spPr>
+          <a:xfrm>
+            <a:off x="436880" y="1981201"/>
+            <a:ext cx="8310880" cy="4511040"/>
+          </a:xfrm>
+        </p:spPr>
+      </p:pic>
+      <p:sp>
+        <p:nvSpPr>
+          <p:cNvPr id="9" name="Title 1">
+            <a:extLst>
+              <a:ext uri="{FF2B5EF4-FFF2-40B4-BE49-F238E27FC236}">
+                <a16:creationId xmlns:a16="http://schemas.microsoft.com/office/drawing/2014/main" id="{733ECC51-7D3B-494F-981B-F6AE2BF450B6}"/>
               </a:ext>
             </a:extLst>
           </p:cNvPr>
@@ -7723,7 +7412,7 @@
         </p:nvSpPr>
         <p:spPr>
           <a:xfrm>
-            <a:off x="950911" y="1641438"/>
+            <a:off x="493342" y="1489038"/>
             <a:ext cx="9404723" cy="979842"/>
           </a:xfrm>
           <a:prstGeom prst="rect">
@@ -7807,6 +7496,10 @@
             </a:lvl9pPr>
           </a:lstStyle>
           <a:p>
+            <a:r>
+              <a:rPr lang="en-US" sz="2400" dirty="0"/>
+              <a:t>Classifiers </a:t>
+            </a:r>
             <a:br>
               <a:rPr lang="en-US" sz="4400" dirty="0"/>
             </a:br>
@@ -7816,39 +7509,10 @@
       </p:sp>
       <p:sp>
         <p:nvSpPr>
-          <p:cNvPr id="3" name="Content Placeholder 2">
+          <p:cNvPr id="2" name="Rectangle: Rounded Corners 1">
             <a:extLst>
               <a:ext uri="{FF2B5EF4-FFF2-40B4-BE49-F238E27FC236}">
-                <a16:creationId xmlns:a16="http://schemas.microsoft.com/office/drawing/2014/main" id="{B1ADBF34-023B-4C7F-821C-0B10953FDF1D}"/>
-              </a:ext>
-            </a:extLst>
-          </p:cNvPr>
-          <p:cNvSpPr>
-            <a:spLocks noGrp="1"/>
-          </p:cNvSpPr>
-          <p:nvPr>
-            <p:ph idx="1"/>
-          </p:nvPr>
-        </p:nvSpPr>
-        <p:spPr/>
-        <p:txBody>
-          <a:bodyPr/>
-          <a:lstStyle/>
-          <a:p>
-            <a:r>
-              <a:rPr lang="en-US" dirty="0"/>
-              <a:t>Parameter tuning</a:t>
-            </a:r>
-            <a:endParaRPr lang="en-ZA" dirty="0"/>
-          </a:p>
-        </p:txBody>
-      </p:sp>
-      <p:sp>
-        <p:nvSpPr>
-          <p:cNvPr id="8" name="Rectangle: Rounded Corners 7">
-            <a:extLst>
-              <a:ext uri="{FF2B5EF4-FFF2-40B4-BE49-F238E27FC236}">
-                <a16:creationId xmlns:a16="http://schemas.microsoft.com/office/drawing/2014/main" id="{883939B6-DB5D-40DF-98CA-F2B9A0E96A75}"/>
+                <a16:creationId xmlns:a16="http://schemas.microsoft.com/office/drawing/2014/main" id="{404E6332-CB27-4BE8-8A49-8E604B5C5362}"/>
               </a:ext>
             </a:extLst>
           </p:cNvPr>
@@ -7857,8 +7521,8 @@
         </p:nvSpPr>
         <p:spPr>
           <a:xfrm>
-            <a:off x="2926080" y="2621280"/>
-            <a:ext cx="4841507" cy="3019124"/>
+            <a:off x="9153625" y="1981201"/>
+            <a:ext cx="2601495" cy="4159717"/>
           </a:xfrm>
           <a:prstGeom prst="roundRect">
             <a:avLst/>
@@ -7884,19 +7548,15 @@
           <a:bodyPr rtlCol="0" anchor="ctr"/>
           <a:lstStyle/>
           <a:p>
+            <a:pPr algn="ctr"/>
             <a:r>
               <a:rPr lang="en-US" dirty="0"/>
-              <a:t>Used grid search</a:t>
-            </a:r>
-          </a:p>
-          <a:p>
-            <a:r>
-              <a:rPr lang="en-US" dirty="0"/>
-              <a:t>For Random Forest Classifier</a:t>
-            </a:r>
-          </a:p>
-          <a:p>
-            <a:pPr algn="ctr"/>
+              <a:t>Performance report indicates that Random Forest out perform all the selected classifier models by scoring 80% before parameter </a:t>
+            </a:r>
+            <a:r>
+              <a:rPr lang="en-US" dirty="0" err="1"/>
+              <a:t>tunning</a:t>
+            </a:r>
             <a:endParaRPr lang="en-ZA" dirty="0"/>
           </a:p>
         </p:txBody>
@@ -7904,7 +7564,7 @@
     </p:spTree>
     <p:extLst>
       <p:ext uri="{BB962C8B-B14F-4D97-AF65-F5344CB8AC3E}">
-        <p14:creationId xmlns:p14="http://schemas.microsoft.com/office/powerpoint/2010/main" val="902324939"/>
+        <p14:creationId xmlns:p14="http://schemas.microsoft.com/office/powerpoint/2010/main" val="2656329611"/>
       </p:ext>
     </p:extLst>
   </p:cSld>
@@ -7959,9 +7619,8 @@
           <a:p>
             <a:r>
               <a:rPr lang="en-US" sz="4000" dirty="0"/>
-              <a:t>Solution &amp; Production architecture</a:t>
-            </a:r>
-            <a:endParaRPr lang="en-ZA" sz="4000" dirty="0"/>
+              <a:t>Modeling</a:t>
+            </a:r>
           </a:p>
         </p:txBody>
       </p:sp>
@@ -8169,50 +7828,58 @@
             </a:lvl9pPr>
           </a:lstStyle>
           <a:p>
+            <a:r>
+              <a:rPr lang="en-US" sz="2400" dirty="0"/>
+              <a:t>Best performing Classifier </a:t>
+            </a:r>
+            <a:br>
+              <a:rPr lang="en-US" sz="4400" dirty="0"/>
+            </a:br>
             <a:endParaRPr lang="en-ZA" dirty="0"/>
           </a:p>
         </p:txBody>
       </p:sp>
-      <p:sp>
-        <p:nvSpPr>
-          <p:cNvPr id="3" name="Content Placeholder 2">
+      <p:pic>
+        <p:nvPicPr>
+          <p:cNvPr id="8" name="Content Placeholder 7" descr="A picture containing text, receipt, screenshot&#10;&#10;Description automatically generated">
             <a:extLst>
               <a:ext uri="{FF2B5EF4-FFF2-40B4-BE49-F238E27FC236}">
-                <a16:creationId xmlns:a16="http://schemas.microsoft.com/office/drawing/2014/main" id="{72A08FB6-7A1E-4B76-B051-758AA669EDB3}"/>
+                <a16:creationId xmlns:a16="http://schemas.microsoft.com/office/drawing/2014/main" id="{467D50B0-04A2-40BE-8BE5-52FB136EDE16}"/>
               </a:ext>
             </a:extLst>
           </p:cNvPr>
-          <p:cNvSpPr>
-            <a:spLocks noGrp="1"/>
-          </p:cNvSpPr>
+          <p:cNvPicPr>
+            <a:picLocks noGrp="1" noChangeAspect="1"/>
+          </p:cNvPicPr>
           <p:nvPr>
             <p:ph idx="1"/>
           </p:nvPr>
-        </p:nvSpPr>
+        </p:nvPicPr>
+        <p:blipFill>
+          <a:blip r:embed="rId2">
+            <a:extLst>
+              <a:ext uri="{28A0092B-C50C-407E-A947-70E740481C1C}">
+                <a14:useLocalDpi xmlns:a14="http://schemas.microsoft.com/office/drawing/2010/main" val="0"/>
+              </a:ext>
+            </a:extLst>
+          </a:blip>
+          <a:stretch>
+            <a:fillRect/>
+          </a:stretch>
+        </p:blipFill>
         <p:spPr>
           <a:xfrm>
-            <a:off x="105878" y="972152"/>
-            <a:ext cx="11713945" cy="5582652"/>
+            <a:off x="493342" y="2331336"/>
+            <a:ext cx="6991456" cy="3835066"/>
           </a:xfrm>
         </p:spPr>
-        <p:txBody>
-          <a:bodyPr/>
-          <a:lstStyle/>
-          <a:p>
-            <a:r>
-              <a:rPr lang="en-US" dirty="0"/>
-              <a:t>End to end pipeline for fruits classification model</a:t>
-            </a:r>
-            <a:endParaRPr lang="en-ZA" dirty="0"/>
-          </a:p>
-        </p:txBody>
-      </p:sp>
+      </p:pic>
       <p:sp>
         <p:nvSpPr>
           <p:cNvPr id="10" name="Rectangle: Rounded Corners 9">
             <a:extLst>
               <a:ext uri="{FF2B5EF4-FFF2-40B4-BE49-F238E27FC236}">
-                <a16:creationId xmlns:a16="http://schemas.microsoft.com/office/drawing/2014/main" id="{BD0B5250-532C-48E6-833F-8DDCBAA59C5F}"/>
+                <a16:creationId xmlns:a16="http://schemas.microsoft.com/office/drawing/2014/main" id="{76462F92-C525-42CF-938E-14BD42B7B1BA}"/>
               </a:ext>
             </a:extLst>
           </p:cNvPr>
@@ -8221,8 +7888,939 @@
         </p:nvSpPr>
         <p:spPr>
           <a:xfrm>
-            <a:off x="567890" y="5614826"/>
-            <a:ext cx="1684422" cy="535715"/>
+            <a:off x="8518358" y="1852613"/>
+            <a:ext cx="3027529" cy="4182427"/>
+          </a:xfrm>
+          <a:prstGeom prst="roundRect">
+            <a:avLst/>
+          </a:prstGeom>
+        </p:spPr>
+        <p:style>
+          <a:lnRef idx="2">
+            <a:schemeClr val="accent1">
+              <a:shade val="50000"/>
+            </a:schemeClr>
+          </a:lnRef>
+          <a:fillRef idx="1">
+            <a:schemeClr val="accent1"/>
+          </a:fillRef>
+          <a:effectRef idx="0">
+            <a:schemeClr val="accent1"/>
+          </a:effectRef>
+          <a:fontRef idx="minor">
+            <a:schemeClr val="lt1"/>
+          </a:fontRef>
+        </p:style>
+        <p:txBody>
+          <a:bodyPr rtlCol="0" anchor="ctr"/>
+          <a:lstStyle/>
+          <a:p>
+            <a:pPr algn="ctr"/>
+            <a:r>
+              <a:rPr lang="en-US" dirty="0"/>
+              <a:t>The best performing model after parameter tuning. The accuracy is still 80%</a:t>
+            </a:r>
+          </a:p>
+          <a:p>
+            <a:pPr algn="ctr"/>
+            <a:r>
+              <a:rPr lang="en-US" dirty="0"/>
+              <a:t>And can still be improved.</a:t>
+            </a:r>
+          </a:p>
+          <a:p>
+            <a:pPr algn="ctr"/>
+            <a:r>
+              <a:rPr lang="en-US" dirty="0"/>
+              <a:t>It was obtained through grid search </a:t>
+            </a:r>
+            <a:endParaRPr lang="en-ZA" dirty="0"/>
+          </a:p>
+        </p:txBody>
+      </p:sp>
+    </p:spTree>
+    <p:extLst>
+      <p:ext uri="{BB962C8B-B14F-4D97-AF65-F5344CB8AC3E}">
+        <p14:creationId xmlns:p14="http://schemas.microsoft.com/office/powerpoint/2010/main" val="142362038"/>
+      </p:ext>
+    </p:extLst>
+  </p:cSld>
+  <p:clrMapOvr>
+    <a:masterClrMapping/>
+  </p:clrMapOvr>
+</p:sld>
+</file>
+
+<file path=ppt/slides/slide16.xml><?xml version="1.0" encoding="utf-8"?>
+<p:sld xmlns:a="http://schemas.openxmlformats.org/drawingml/2006/main" xmlns:r="http://schemas.openxmlformats.org/officeDocument/2006/relationships" xmlns:p="http://schemas.openxmlformats.org/presentationml/2006/main">
+  <p:cSld>
+    <p:spTree>
+      <p:nvGrpSpPr>
+        <p:cNvPr id="1" name=""/>
+        <p:cNvGrpSpPr/>
+        <p:nvPr/>
+      </p:nvGrpSpPr>
+      <p:grpSpPr>
+        <a:xfrm>
+          <a:off x="0" y="0"/>
+          <a:ext cx="0" cy="0"/>
+          <a:chOff x="0" y="0"/>
+          <a:chExt cx="0" cy="0"/>
+        </a:xfrm>
+      </p:grpSpPr>
+      <p:sp>
+        <p:nvSpPr>
+          <p:cNvPr id="4" name="Title 1">
+            <a:extLst>
+              <a:ext uri="{FF2B5EF4-FFF2-40B4-BE49-F238E27FC236}">
+                <a16:creationId xmlns:a16="http://schemas.microsoft.com/office/drawing/2014/main" id="{7FF5BD98-F94E-4E14-8BB6-CA9825419188}"/>
+              </a:ext>
+            </a:extLst>
+          </p:cNvPr>
+          <p:cNvSpPr>
+            <a:spLocks noGrp="1"/>
+          </p:cNvSpPr>
+          <p:nvPr>
+            <p:ph type="title"/>
+          </p:nvPr>
+        </p:nvSpPr>
+        <p:spPr>
+          <a:xfrm>
+            <a:off x="646113" y="452438"/>
+            <a:ext cx="9404350" cy="1400175"/>
+          </a:xfrm>
+        </p:spPr>
+        <p:txBody>
+          <a:bodyPr/>
+          <a:lstStyle/>
+          <a:p>
+            <a:r>
+              <a:rPr lang="en-US" sz="4000" dirty="0"/>
+              <a:t>More Exploration to consider </a:t>
+            </a:r>
+          </a:p>
+        </p:txBody>
+      </p:sp>
+      <p:sp>
+        <p:nvSpPr>
+          <p:cNvPr id="5" name="Title 1">
+            <a:extLst>
+              <a:ext uri="{FF2B5EF4-FFF2-40B4-BE49-F238E27FC236}">
+                <a16:creationId xmlns:a16="http://schemas.microsoft.com/office/drawing/2014/main" id="{543ECB04-8506-41C8-87FC-6FA78A242129}"/>
+              </a:ext>
+            </a:extLst>
+          </p:cNvPr>
+          <p:cNvSpPr txBox="1">
+            <a:spLocks/>
+          </p:cNvSpPr>
+          <p:nvPr/>
+        </p:nvSpPr>
+        <p:spPr>
+          <a:xfrm>
+            <a:off x="798511" y="1489038"/>
+            <a:ext cx="9404723" cy="979842"/>
+          </a:xfrm>
+          <a:prstGeom prst="rect">
+            <a:avLst/>
+          </a:prstGeom>
+        </p:spPr>
+        <p:txBody>
+          <a:bodyPr vert="horz" lIns="91440" tIns="45720" rIns="91440" bIns="45720" rtlCol="0" anchor="t">
+            <a:noAutofit/>
+          </a:bodyPr>
+          <a:lstStyle>
+            <a:lvl1pPr algn="l" defTabSz="457200" rtl="0" eaLnBrk="1" latinLnBrk="0" hangingPunct="1">
+              <a:spcBef>
+                <a:spcPct val="0"/>
+              </a:spcBef>
+              <a:buNone/>
+              <a:defRPr sz="4200" b="0" i="0" kern="1200">
+                <a:solidFill>
+                  <a:schemeClr val="tx2"/>
+                </a:solidFill>
+                <a:latin typeface="+mj-lt"/>
+                <a:ea typeface="+mj-ea"/>
+                <a:cs typeface="+mj-cs"/>
+              </a:defRPr>
+            </a:lvl1pPr>
+            <a:lvl2pPr eaLnBrk="1" hangingPunct="1">
+              <a:defRPr>
+                <a:solidFill>
+                  <a:schemeClr val="tx2"/>
+                </a:solidFill>
+              </a:defRPr>
+            </a:lvl2pPr>
+            <a:lvl3pPr eaLnBrk="1" hangingPunct="1">
+              <a:defRPr>
+                <a:solidFill>
+                  <a:schemeClr val="tx2"/>
+                </a:solidFill>
+              </a:defRPr>
+            </a:lvl3pPr>
+            <a:lvl4pPr eaLnBrk="1" hangingPunct="1">
+              <a:defRPr>
+                <a:solidFill>
+                  <a:schemeClr val="tx2"/>
+                </a:solidFill>
+              </a:defRPr>
+            </a:lvl4pPr>
+            <a:lvl5pPr eaLnBrk="1" hangingPunct="1">
+              <a:defRPr>
+                <a:solidFill>
+                  <a:schemeClr val="tx2"/>
+                </a:solidFill>
+              </a:defRPr>
+            </a:lvl5pPr>
+            <a:lvl6pPr eaLnBrk="1" hangingPunct="1">
+              <a:defRPr>
+                <a:solidFill>
+                  <a:schemeClr val="tx2"/>
+                </a:solidFill>
+              </a:defRPr>
+            </a:lvl6pPr>
+            <a:lvl7pPr eaLnBrk="1" hangingPunct="1">
+              <a:defRPr>
+                <a:solidFill>
+                  <a:schemeClr val="tx2"/>
+                </a:solidFill>
+              </a:defRPr>
+            </a:lvl7pPr>
+            <a:lvl8pPr eaLnBrk="1" hangingPunct="1">
+              <a:defRPr>
+                <a:solidFill>
+                  <a:schemeClr val="tx2"/>
+                </a:solidFill>
+              </a:defRPr>
+            </a:lvl8pPr>
+            <a:lvl9pPr eaLnBrk="1" hangingPunct="1">
+              <a:defRPr>
+                <a:solidFill>
+                  <a:schemeClr val="tx2"/>
+                </a:solidFill>
+              </a:defRPr>
+            </a:lvl9pPr>
+          </a:lstStyle>
+          <a:p>
+            <a:endParaRPr lang="en-ZA" dirty="0"/>
+          </a:p>
+        </p:txBody>
+      </p:sp>
+      <p:sp>
+        <p:nvSpPr>
+          <p:cNvPr id="6" name="Title 1">
+            <a:extLst>
+              <a:ext uri="{FF2B5EF4-FFF2-40B4-BE49-F238E27FC236}">
+                <a16:creationId xmlns:a16="http://schemas.microsoft.com/office/drawing/2014/main" id="{3A25772D-EA1C-4A83-830F-8CA0AC08BB90}"/>
+              </a:ext>
+            </a:extLst>
+          </p:cNvPr>
+          <p:cNvSpPr txBox="1">
+            <a:spLocks/>
+          </p:cNvSpPr>
+          <p:nvPr/>
+        </p:nvSpPr>
+        <p:spPr>
+          <a:xfrm>
+            <a:off x="950911" y="1641438"/>
+            <a:ext cx="9404723" cy="979842"/>
+          </a:xfrm>
+          <a:prstGeom prst="rect">
+            <a:avLst/>
+          </a:prstGeom>
+        </p:spPr>
+        <p:txBody>
+          <a:bodyPr vert="horz" lIns="91440" tIns="45720" rIns="91440" bIns="45720" rtlCol="0" anchor="t">
+            <a:noAutofit/>
+          </a:bodyPr>
+          <a:lstStyle>
+            <a:lvl1pPr algn="l" defTabSz="457200" rtl="0" eaLnBrk="1" latinLnBrk="0" hangingPunct="1">
+              <a:spcBef>
+                <a:spcPct val="0"/>
+              </a:spcBef>
+              <a:buNone/>
+              <a:defRPr sz="4200" b="0" i="0" kern="1200">
+                <a:solidFill>
+                  <a:schemeClr val="tx2"/>
+                </a:solidFill>
+                <a:latin typeface="+mj-lt"/>
+                <a:ea typeface="+mj-ea"/>
+                <a:cs typeface="+mj-cs"/>
+              </a:defRPr>
+            </a:lvl1pPr>
+            <a:lvl2pPr eaLnBrk="1" hangingPunct="1">
+              <a:defRPr>
+                <a:solidFill>
+                  <a:schemeClr val="tx2"/>
+                </a:solidFill>
+              </a:defRPr>
+            </a:lvl2pPr>
+            <a:lvl3pPr eaLnBrk="1" hangingPunct="1">
+              <a:defRPr>
+                <a:solidFill>
+                  <a:schemeClr val="tx2"/>
+                </a:solidFill>
+              </a:defRPr>
+            </a:lvl3pPr>
+            <a:lvl4pPr eaLnBrk="1" hangingPunct="1">
+              <a:defRPr>
+                <a:solidFill>
+                  <a:schemeClr val="tx2"/>
+                </a:solidFill>
+              </a:defRPr>
+            </a:lvl4pPr>
+            <a:lvl5pPr eaLnBrk="1" hangingPunct="1">
+              <a:defRPr>
+                <a:solidFill>
+                  <a:schemeClr val="tx2"/>
+                </a:solidFill>
+              </a:defRPr>
+            </a:lvl5pPr>
+            <a:lvl6pPr eaLnBrk="1" hangingPunct="1">
+              <a:defRPr>
+                <a:solidFill>
+                  <a:schemeClr val="tx2"/>
+                </a:solidFill>
+              </a:defRPr>
+            </a:lvl6pPr>
+            <a:lvl7pPr eaLnBrk="1" hangingPunct="1">
+              <a:defRPr>
+                <a:solidFill>
+                  <a:schemeClr val="tx2"/>
+                </a:solidFill>
+              </a:defRPr>
+            </a:lvl7pPr>
+            <a:lvl8pPr eaLnBrk="1" hangingPunct="1">
+              <a:defRPr>
+                <a:solidFill>
+                  <a:schemeClr val="tx2"/>
+                </a:solidFill>
+              </a:defRPr>
+            </a:lvl8pPr>
+            <a:lvl9pPr eaLnBrk="1" hangingPunct="1">
+              <a:defRPr>
+                <a:solidFill>
+                  <a:schemeClr val="tx2"/>
+                </a:solidFill>
+              </a:defRPr>
+            </a:lvl9pPr>
+          </a:lstStyle>
+          <a:p>
+            <a:br>
+              <a:rPr lang="en-US" sz="4400" dirty="0"/>
+            </a:br>
+            <a:endParaRPr lang="en-ZA" dirty="0"/>
+          </a:p>
+        </p:txBody>
+      </p:sp>
+      <p:sp>
+        <p:nvSpPr>
+          <p:cNvPr id="3" name="Content Placeholder 2">
+            <a:extLst>
+              <a:ext uri="{FF2B5EF4-FFF2-40B4-BE49-F238E27FC236}">
+                <a16:creationId xmlns:a16="http://schemas.microsoft.com/office/drawing/2014/main" id="{B1ADBF34-023B-4C7F-821C-0B10953FDF1D}"/>
+              </a:ext>
+            </a:extLst>
+          </p:cNvPr>
+          <p:cNvSpPr>
+            <a:spLocks noGrp="1"/>
+          </p:cNvSpPr>
+          <p:nvPr>
+            <p:ph idx="1"/>
+          </p:nvPr>
+        </p:nvSpPr>
+        <p:spPr/>
+        <p:txBody>
+          <a:bodyPr/>
+          <a:lstStyle/>
+          <a:p>
+            <a:pPr marL="0" indent="0">
+              <a:buNone/>
+            </a:pPr>
+            <a:r>
+              <a:rPr lang="en-US" dirty="0"/>
+              <a:t>IMPROVE THE MODEL</a:t>
+            </a:r>
+          </a:p>
+          <a:p>
+            <a:pPr>
+              <a:buFont typeface="Wingdings" panose="05000000000000000000" pitchFamily="2" charset="2"/>
+              <a:buChar char="q"/>
+            </a:pPr>
+            <a:r>
+              <a:rPr lang="en-US" dirty="0"/>
+              <a:t>Should I include all variables in the main model</a:t>
+            </a:r>
+          </a:p>
+          <a:p>
+            <a:pPr>
+              <a:buFont typeface="Wingdings" panose="05000000000000000000" pitchFamily="2" charset="2"/>
+              <a:buChar char="q"/>
+            </a:pPr>
+            <a:r>
+              <a:rPr lang="en-US" dirty="0"/>
+              <a:t>How can I balance the dataset?</a:t>
+            </a:r>
+          </a:p>
+          <a:p>
+            <a:pPr marL="0" indent="0">
+              <a:buNone/>
+            </a:pPr>
+            <a:r>
+              <a:rPr lang="en-US" dirty="0"/>
+              <a:t>	Over and Under sampling? SMOTE or Generate the synthetic 	minority class(Mandarin)?</a:t>
+            </a:r>
+          </a:p>
+          <a:p>
+            <a:pPr>
+              <a:buFont typeface="Wingdings" panose="05000000000000000000" pitchFamily="2" charset="2"/>
+              <a:buChar char="q"/>
+            </a:pPr>
+            <a:r>
+              <a:rPr lang="en-US" dirty="0"/>
+              <a:t>More classifiers to consider and deep learning if necessary</a:t>
+            </a:r>
+          </a:p>
+          <a:p>
+            <a:pPr>
+              <a:buFont typeface="Wingdings" panose="05000000000000000000" pitchFamily="2" charset="2"/>
+              <a:buChar char="q"/>
+            </a:pPr>
+            <a:r>
+              <a:rPr lang="en-US" dirty="0"/>
+              <a:t>Correlated features(Multicollinearity). Delete width or mass(Based on which feature is less correlated to the target)</a:t>
+            </a:r>
+          </a:p>
+          <a:p>
+            <a:pPr>
+              <a:buFont typeface="Wingdings" panose="05000000000000000000" pitchFamily="2" charset="2"/>
+              <a:buChar char="q"/>
+            </a:pPr>
+            <a:endParaRPr lang="en-US" dirty="0"/>
+          </a:p>
+          <a:p>
+            <a:endParaRPr lang="en-ZA" dirty="0"/>
+          </a:p>
+        </p:txBody>
+      </p:sp>
+    </p:spTree>
+    <p:extLst>
+      <p:ext uri="{BB962C8B-B14F-4D97-AF65-F5344CB8AC3E}">
+        <p14:creationId xmlns:p14="http://schemas.microsoft.com/office/powerpoint/2010/main" val="902324939"/>
+      </p:ext>
+    </p:extLst>
+  </p:cSld>
+  <p:clrMapOvr>
+    <a:masterClrMapping/>
+  </p:clrMapOvr>
+</p:sld>
+</file>
+
+<file path=ppt/slides/slide17.xml><?xml version="1.0" encoding="utf-8"?>
+<p:sld xmlns:a="http://schemas.openxmlformats.org/drawingml/2006/main" xmlns:r="http://schemas.openxmlformats.org/officeDocument/2006/relationships" xmlns:p="http://schemas.openxmlformats.org/presentationml/2006/main">
+  <p:cSld>
+    <p:spTree>
+      <p:nvGrpSpPr>
+        <p:cNvPr id="1" name=""/>
+        <p:cNvGrpSpPr/>
+        <p:nvPr/>
+      </p:nvGrpSpPr>
+      <p:grpSpPr>
+        <a:xfrm>
+          <a:off x="0" y="0"/>
+          <a:ext cx="0" cy="0"/>
+          <a:chOff x="0" y="0"/>
+          <a:chExt cx="0" cy="0"/>
+        </a:xfrm>
+      </p:grpSpPr>
+      <p:sp>
+        <p:nvSpPr>
+          <p:cNvPr id="4" name="Title 1">
+            <a:extLst>
+              <a:ext uri="{FF2B5EF4-FFF2-40B4-BE49-F238E27FC236}">
+                <a16:creationId xmlns:a16="http://schemas.microsoft.com/office/drawing/2014/main" id="{7FF5BD98-F94E-4E14-8BB6-CA9825419188}"/>
+              </a:ext>
+            </a:extLst>
+          </p:cNvPr>
+          <p:cNvSpPr>
+            <a:spLocks noGrp="1"/>
+          </p:cNvSpPr>
+          <p:nvPr>
+            <p:ph type="title"/>
+          </p:nvPr>
+        </p:nvSpPr>
+        <p:spPr>
+          <a:xfrm>
+            <a:off x="646113" y="452438"/>
+            <a:ext cx="9404350" cy="1400175"/>
+          </a:xfrm>
+        </p:spPr>
+        <p:txBody>
+          <a:bodyPr/>
+          <a:lstStyle/>
+          <a:p>
+            <a:r>
+              <a:rPr lang="en-US" sz="4000" b="1" dirty="0"/>
+              <a:t>Solution &amp; Production architecture</a:t>
+            </a:r>
+            <a:endParaRPr lang="en-ZA" sz="4000" b="1" dirty="0"/>
+          </a:p>
+        </p:txBody>
+      </p:sp>
+      <p:sp>
+        <p:nvSpPr>
+          <p:cNvPr id="17" name="Rectangle: Rounded Corners 16">
+            <a:extLst>
+              <a:ext uri="{FF2B5EF4-FFF2-40B4-BE49-F238E27FC236}">
+                <a16:creationId xmlns:a16="http://schemas.microsoft.com/office/drawing/2014/main" id="{17F37C0C-E33F-49CC-BF5F-FB16E3658906}"/>
+              </a:ext>
+            </a:extLst>
+          </p:cNvPr>
+          <p:cNvSpPr/>
+          <p:nvPr/>
+        </p:nvSpPr>
+        <p:spPr>
+          <a:xfrm>
+            <a:off x="2134070" y="1184867"/>
+            <a:ext cx="3810000" cy="2257425"/>
+          </a:xfrm>
+          <a:prstGeom prst="roundRect">
+            <a:avLst/>
+          </a:prstGeom>
+          <a:solidFill>
+            <a:schemeClr val="tx2"/>
+          </a:solidFill>
+        </p:spPr>
+        <p:style>
+          <a:lnRef idx="2">
+            <a:schemeClr val="accent1">
+              <a:shade val="50000"/>
+            </a:schemeClr>
+          </a:lnRef>
+          <a:fillRef idx="1">
+            <a:schemeClr val="accent1"/>
+          </a:fillRef>
+          <a:effectRef idx="0">
+            <a:schemeClr val="accent1"/>
+          </a:effectRef>
+          <a:fontRef idx="minor">
+            <a:schemeClr val="lt1"/>
+          </a:fontRef>
+        </p:style>
+        <p:txBody>
+          <a:bodyPr rtlCol="0" anchor="ctr"/>
+          <a:lstStyle/>
+          <a:p>
+            <a:r>
+              <a:rPr lang="en-US" u="sng" dirty="0">
+                <a:solidFill>
+                  <a:schemeClr val="bg1"/>
+                </a:solidFill>
+              </a:rPr>
+              <a:t>Data Scientist</a:t>
+            </a:r>
+          </a:p>
+          <a:p>
+            <a:endParaRPr lang="en-US" dirty="0">
+              <a:solidFill>
+                <a:schemeClr val="bg1"/>
+              </a:solidFill>
+            </a:endParaRPr>
+          </a:p>
+          <a:p>
+            <a:endParaRPr lang="en-US" dirty="0">
+              <a:solidFill>
+                <a:schemeClr val="bg1"/>
+              </a:solidFill>
+            </a:endParaRPr>
+          </a:p>
+          <a:p>
+            <a:endParaRPr lang="en-US" dirty="0">
+              <a:solidFill>
+                <a:schemeClr val="bg1"/>
+              </a:solidFill>
+            </a:endParaRPr>
+          </a:p>
+          <a:p>
+            <a:endParaRPr lang="en-US" dirty="0">
+              <a:solidFill>
+                <a:schemeClr val="bg1"/>
+              </a:solidFill>
+            </a:endParaRPr>
+          </a:p>
+          <a:p>
+            <a:endParaRPr lang="en-US" dirty="0">
+              <a:solidFill>
+                <a:schemeClr val="bg1"/>
+              </a:solidFill>
+            </a:endParaRPr>
+          </a:p>
+          <a:p>
+            <a:endParaRPr lang="en-US" dirty="0">
+              <a:solidFill>
+                <a:schemeClr val="bg1"/>
+              </a:solidFill>
+            </a:endParaRPr>
+          </a:p>
+          <a:p>
+            <a:endParaRPr lang="en-ZA" dirty="0">
+              <a:solidFill>
+                <a:schemeClr val="bg1"/>
+              </a:solidFill>
+            </a:endParaRPr>
+          </a:p>
+        </p:txBody>
+      </p:sp>
+      <p:sp>
+        <p:nvSpPr>
+          <p:cNvPr id="19" name="Flowchart: Magnetic Disk 18">
+            <a:extLst>
+              <a:ext uri="{FF2B5EF4-FFF2-40B4-BE49-F238E27FC236}">
+                <a16:creationId xmlns:a16="http://schemas.microsoft.com/office/drawing/2014/main" id="{071F35D1-88E4-4EB6-BF17-6792673272D2}"/>
+              </a:ext>
+            </a:extLst>
+          </p:cNvPr>
+          <p:cNvSpPr/>
+          <p:nvPr/>
+        </p:nvSpPr>
+        <p:spPr>
+          <a:xfrm>
+            <a:off x="2341881" y="1787129"/>
+            <a:ext cx="863600" cy="1320800"/>
+          </a:xfrm>
+          <a:prstGeom prst="flowChartMagneticDisk">
+            <a:avLst/>
+          </a:prstGeom>
+        </p:spPr>
+        <p:style>
+          <a:lnRef idx="2">
+            <a:schemeClr val="accent1">
+              <a:shade val="50000"/>
+            </a:schemeClr>
+          </a:lnRef>
+          <a:fillRef idx="1">
+            <a:schemeClr val="accent1"/>
+          </a:fillRef>
+          <a:effectRef idx="0">
+            <a:schemeClr val="accent1"/>
+          </a:effectRef>
+          <a:fontRef idx="minor">
+            <a:schemeClr val="lt1"/>
+          </a:fontRef>
+        </p:style>
+        <p:txBody>
+          <a:bodyPr rtlCol="0" anchor="ctr"/>
+          <a:lstStyle/>
+          <a:p>
+            <a:pPr algn="ctr"/>
+            <a:r>
+              <a:rPr lang="en-US" dirty="0"/>
+              <a:t>Data</a:t>
+            </a:r>
+            <a:endParaRPr lang="en-ZA" dirty="0"/>
+          </a:p>
+        </p:txBody>
+      </p:sp>
+      <p:sp>
+        <p:nvSpPr>
+          <p:cNvPr id="23" name="Rectangle 22">
+            <a:extLst>
+              <a:ext uri="{FF2B5EF4-FFF2-40B4-BE49-F238E27FC236}">
+                <a16:creationId xmlns:a16="http://schemas.microsoft.com/office/drawing/2014/main" id="{D7C34ED2-6FD0-46C0-BC2D-C188915E4DF8}"/>
+              </a:ext>
+            </a:extLst>
+          </p:cNvPr>
+          <p:cNvSpPr/>
+          <p:nvPr/>
+        </p:nvSpPr>
+        <p:spPr>
+          <a:xfrm>
+            <a:off x="6033" y="1152525"/>
+            <a:ext cx="1280160" cy="1400175"/>
+          </a:xfrm>
+          <a:prstGeom prst="rect">
+            <a:avLst/>
+          </a:prstGeom>
+        </p:spPr>
+        <p:style>
+          <a:lnRef idx="2">
+            <a:schemeClr val="accent1">
+              <a:shade val="50000"/>
+            </a:schemeClr>
+          </a:lnRef>
+          <a:fillRef idx="1">
+            <a:schemeClr val="accent1"/>
+          </a:fillRef>
+          <a:effectRef idx="0">
+            <a:schemeClr val="accent1"/>
+          </a:effectRef>
+          <a:fontRef idx="minor">
+            <a:schemeClr val="lt1"/>
+          </a:fontRef>
+        </p:style>
+        <p:txBody>
+          <a:bodyPr rtlCol="0" anchor="ctr"/>
+          <a:lstStyle/>
+          <a:p>
+            <a:pPr algn="ctr"/>
+            <a:r>
+              <a:rPr lang="en-US" dirty="0"/>
+              <a:t>Business inputs</a:t>
+            </a:r>
+            <a:endParaRPr lang="en-ZA" dirty="0"/>
+          </a:p>
+        </p:txBody>
+      </p:sp>
+      <p:sp>
+        <p:nvSpPr>
+          <p:cNvPr id="24" name="Rectangle 23">
+            <a:extLst>
+              <a:ext uri="{FF2B5EF4-FFF2-40B4-BE49-F238E27FC236}">
+                <a16:creationId xmlns:a16="http://schemas.microsoft.com/office/drawing/2014/main" id="{E4D161EA-1920-4210-B5C9-5858A8C608C3}"/>
+              </a:ext>
+            </a:extLst>
+          </p:cNvPr>
+          <p:cNvSpPr/>
+          <p:nvPr/>
+        </p:nvSpPr>
+        <p:spPr>
+          <a:xfrm>
+            <a:off x="0" y="3042444"/>
+            <a:ext cx="1574800" cy="1544320"/>
+          </a:xfrm>
+          <a:prstGeom prst="rect">
+            <a:avLst/>
+          </a:prstGeom>
+        </p:spPr>
+        <p:style>
+          <a:lnRef idx="2">
+            <a:schemeClr val="accent1">
+              <a:shade val="50000"/>
+            </a:schemeClr>
+          </a:lnRef>
+          <a:fillRef idx="1">
+            <a:schemeClr val="accent1"/>
+          </a:fillRef>
+          <a:effectRef idx="0">
+            <a:schemeClr val="accent1"/>
+          </a:effectRef>
+          <a:fontRef idx="minor">
+            <a:schemeClr val="lt1"/>
+          </a:fontRef>
+        </p:style>
+        <p:txBody>
+          <a:bodyPr rtlCol="0" anchor="ctr"/>
+          <a:lstStyle/>
+          <a:p>
+            <a:pPr algn="ctr"/>
+            <a:r>
+              <a:rPr lang="en-US" dirty="0"/>
+              <a:t>Data Engineering</a:t>
+            </a:r>
+            <a:endParaRPr lang="en-ZA" dirty="0"/>
+          </a:p>
+        </p:txBody>
+      </p:sp>
+      <p:cxnSp>
+        <p:nvCxnSpPr>
+          <p:cNvPr id="27" name="Straight Arrow Connector 26">
+            <a:extLst>
+              <a:ext uri="{FF2B5EF4-FFF2-40B4-BE49-F238E27FC236}">
+                <a16:creationId xmlns:a16="http://schemas.microsoft.com/office/drawing/2014/main" id="{4E23B3A5-4F9B-41B2-9A5C-26080504C8B3}"/>
+              </a:ext>
+            </a:extLst>
+          </p:cNvPr>
+          <p:cNvCxnSpPr>
+            <a:cxnSpLocks/>
+            <a:endCxn id="17" idx="1"/>
+          </p:cNvCxnSpPr>
+          <p:nvPr/>
+        </p:nvCxnSpPr>
+        <p:spPr>
+          <a:xfrm>
+            <a:off x="1278726" y="1724540"/>
+            <a:ext cx="855344" cy="589040"/>
+          </a:xfrm>
+          <a:prstGeom prst="straightConnector1">
+            <a:avLst/>
+          </a:prstGeom>
+          <a:ln>
+            <a:solidFill>
+              <a:schemeClr val="tx2"/>
+            </a:solidFill>
+            <a:tailEnd type="triangle"/>
+          </a:ln>
+        </p:spPr>
+        <p:style>
+          <a:lnRef idx="1">
+            <a:schemeClr val="accent1"/>
+          </a:lnRef>
+          <a:fillRef idx="0">
+            <a:schemeClr val="accent1"/>
+          </a:fillRef>
+          <a:effectRef idx="0">
+            <a:schemeClr val="accent1"/>
+          </a:effectRef>
+          <a:fontRef idx="minor">
+            <a:schemeClr val="tx1"/>
+          </a:fontRef>
+        </p:style>
+      </p:cxnSp>
+      <p:cxnSp>
+        <p:nvCxnSpPr>
+          <p:cNvPr id="29" name="Straight Arrow Connector 28">
+            <a:extLst>
+              <a:ext uri="{FF2B5EF4-FFF2-40B4-BE49-F238E27FC236}">
+                <a16:creationId xmlns:a16="http://schemas.microsoft.com/office/drawing/2014/main" id="{04D061F2-9445-4755-8685-B4284D34A212}"/>
+              </a:ext>
+            </a:extLst>
+          </p:cNvPr>
+          <p:cNvCxnSpPr>
+            <a:cxnSpLocks/>
+            <a:endCxn id="17" idx="1"/>
+          </p:cNvCxnSpPr>
+          <p:nvPr/>
+        </p:nvCxnSpPr>
+        <p:spPr>
+          <a:xfrm flipV="1">
+            <a:off x="1575429" y="2313580"/>
+            <a:ext cx="558641" cy="1575912"/>
+          </a:xfrm>
+          <a:prstGeom prst="straightConnector1">
+            <a:avLst/>
+          </a:prstGeom>
+          <a:ln>
+            <a:solidFill>
+              <a:schemeClr val="tx2"/>
+            </a:solidFill>
+            <a:tailEnd type="triangle"/>
+          </a:ln>
+        </p:spPr>
+        <p:style>
+          <a:lnRef idx="1">
+            <a:schemeClr val="accent1"/>
+          </a:lnRef>
+          <a:fillRef idx="0">
+            <a:schemeClr val="accent1"/>
+          </a:fillRef>
+          <a:effectRef idx="0">
+            <a:schemeClr val="accent1"/>
+          </a:effectRef>
+          <a:fontRef idx="minor">
+            <a:schemeClr val="tx1"/>
+          </a:fontRef>
+        </p:style>
+      </p:cxnSp>
+      <p:sp>
+        <p:nvSpPr>
+          <p:cNvPr id="50" name="Rectangle: Rounded Corners 49">
+            <a:extLst>
+              <a:ext uri="{FF2B5EF4-FFF2-40B4-BE49-F238E27FC236}">
+                <a16:creationId xmlns:a16="http://schemas.microsoft.com/office/drawing/2014/main" id="{5CE4D423-0DC9-4BA4-A2C1-C4A54B2D9AA4}"/>
+              </a:ext>
+            </a:extLst>
+          </p:cNvPr>
+          <p:cNvSpPr/>
+          <p:nvPr/>
+        </p:nvSpPr>
+        <p:spPr>
+          <a:xfrm>
+            <a:off x="4205288" y="1986082"/>
+            <a:ext cx="1300480" cy="988378"/>
+          </a:xfrm>
+          <a:prstGeom prst="roundRect">
+            <a:avLst/>
+          </a:prstGeom>
+        </p:spPr>
+        <p:style>
+          <a:lnRef idx="2">
+            <a:schemeClr val="accent1">
+              <a:shade val="50000"/>
+            </a:schemeClr>
+          </a:lnRef>
+          <a:fillRef idx="1">
+            <a:schemeClr val="accent1"/>
+          </a:fillRef>
+          <a:effectRef idx="0">
+            <a:schemeClr val="accent1"/>
+          </a:effectRef>
+          <a:fontRef idx="minor">
+            <a:schemeClr val="lt1"/>
+          </a:fontRef>
+        </p:style>
+        <p:txBody>
+          <a:bodyPr rtlCol="0" anchor="ctr"/>
+          <a:lstStyle/>
+          <a:p>
+            <a:pPr algn="ctr"/>
+            <a:r>
+              <a:rPr lang="en-US" dirty="0"/>
+              <a:t>Machine Learning Model</a:t>
+            </a:r>
+            <a:endParaRPr lang="en-ZA" dirty="0"/>
+          </a:p>
+        </p:txBody>
+      </p:sp>
+      <p:cxnSp>
+        <p:nvCxnSpPr>
+          <p:cNvPr id="52" name="Straight Arrow Connector 51">
+            <a:extLst>
+              <a:ext uri="{FF2B5EF4-FFF2-40B4-BE49-F238E27FC236}">
+                <a16:creationId xmlns:a16="http://schemas.microsoft.com/office/drawing/2014/main" id="{D18F7C64-52ED-4ECC-9AEE-9BC958CBF2E1}"/>
+              </a:ext>
+            </a:extLst>
+          </p:cNvPr>
+          <p:cNvCxnSpPr>
+            <a:stCxn id="19" idx="4"/>
+            <a:endCxn id="50" idx="1"/>
+          </p:cNvCxnSpPr>
+          <p:nvPr/>
+        </p:nvCxnSpPr>
+        <p:spPr>
+          <a:xfrm>
+            <a:off x="3205481" y="2447529"/>
+            <a:ext cx="999807" cy="32742"/>
+          </a:xfrm>
+          <a:prstGeom prst="straightConnector1">
+            <a:avLst/>
+          </a:prstGeom>
+          <a:ln>
+            <a:solidFill>
+              <a:schemeClr val="bg1"/>
+            </a:solidFill>
+            <a:tailEnd type="triangle"/>
+          </a:ln>
+        </p:spPr>
+        <p:style>
+          <a:lnRef idx="1">
+            <a:schemeClr val="accent1"/>
+          </a:lnRef>
+          <a:fillRef idx="0">
+            <a:schemeClr val="accent1"/>
+          </a:fillRef>
+          <a:effectRef idx="0">
+            <a:schemeClr val="accent1"/>
+          </a:effectRef>
+          <a:fontRef idx="minor">
+            <a:schemeClr val="tx1"/>
+          </a:fontRef>
+        </p:style>
+      </p:cxnSp>
+      <p:sp>
+        <p:nvSpPr>
+          <p:cNvPr id="57" name="Rectangle: Rounded Corners 56">
+            <a:extLst>
+              <a:ext uri="{FF2B5EF4-FFF2-40B4-BE49-F238E27FC236}">
+                <a16:creationId xmlns:a16="http://schemas.microsoft.com/office/drawing/2014/main" id="{C02CBD3E-3E9F-442B-B3B3-0F5A472A44E4}"/>
+              </a:ext>
+            </a:extLst>
+          </p:cNvPr>
+          <p:cNvSpPr/>
+          <p:nvPr/>
+        </p:nvSpPr>
+        <p:spPr>
+          <a:xfrm>
+            <a:off x="3525520" y="3946443"/>
+            <a:ext cx="8747760" cy="2776458"/>
           </a:xfrm>
           <a:prstGeom prst="roundRect">
             <a:avLst/>
@@ -8253,27 +8851,58 @@
           <a:p>
             <a:pPr algn="ctr"/>
             <a:r>
-              <a:rPr lang="en-US" sz="1600" dirty="0">
+              <a:rPr lang="en-US" u="sng" dirty="0">
                 <a:solidFill>
                   <a:schemeClr val="bg1"/>
                 </a:solidFill>
               </a:rPr>
-              <a:t>Problem definition</a:t>
-            </a:r>
-            <a:endParaRPr lang="en-ZA" sz="1600" dirty="0">
-              <a:solidFill>
-                <a:schemeClr val="bg1"/>
-              </a:solidFill>
-            </a:endParaRPr>
-          </a:p>
-        </p:txBody>
-      </p:sp>
-      <p:sp>
-        <p:nvSpPr>
-          <p:cNvPr id="13" name="Rectangle: Rounded Corners 12">
+              <a:t>Machine Learning Engineer</a:t>
+            </a:r>
+          </a:p>
+          <a:p>
+            <a:pPr algn="ctr"/>
+            <a:endParaRPr lang="en-US" dirty="0"/>
+          </a:p>
+          <a:p>
+            <a:pPr algn="ctr"/>
+            <a:endParaRPr lang="en-US" dirty="0"/>
+          </a:p>
+          <a:p>
+            <a:pPr algn="ctr"/>
+            <a:endParaRPr lang="en-US" dirty="0"/>
+          </a:p>
+          <a:p>
+            <a:pPr algn="ctr"/>
+            <a:endParaRPr lang="en-US" dirty="0"/>
+          </a:p>
+          <a:p>
+            <a:pPr algn="ctr"/>
+            <a:endParaRPr lang="en-US" dirty="0"/>
+          </a:p>
+          <a:p>
+            <a:pPr algn="ctr"/>
+            <a:endParaRPr lang="en-US" dirty="0"/>
+          </a:p>
+          <a:p>
+            <a:pPr algn="ctr"/>
+            <a:endParaRPr lang="en-US" dirty="0"/>
+          </a:p>
+          <a:p>
+            <a:pPr algn="ctr"/>
+            <a:endParaRPr lang="en-US" dirty="0"/>
+          </a:p>
+          <a:p>
+            <a:pPr algn="ctr"/>
+            <a:endParaRPr lang="en-ZA" dirty="0"/>
+          </a:p>
+        </p:txBody>
+      </p:sp>
+      <p:sp>
+        <p:nvSpPr>
+          <p:cNvPr id="59" name="Arrow: Curved Left 58">
             <a:extLst>
               <a:ext uri="{FF2B5EF4-FFF2-40B4-BE49-F238E27FC236}">
-                <a16:creationId xmlns:a16="http://schemas.microsoft.com/office/drawing/2014/main" id="{8B0544E6-55B2-41E0-8688-07A46B3B7015}"/>
+                <a16:creationId xmlns:a16="http://schemas.microsoft.com/office/drawing/2014/main" id="{744B8F20-AE2F-4CCF-85F5-EAFDC922227B}"/>
               </a:ext>
             </a:extLst>
           </p:cNvPr>
@@ -8281,770 +8910,11 @@
           <p:nvPr/>
         </p:nvSpPr>
         <p:spPr>
-          <a:xfrm>
-            <a:off x="597817" y="4673300"/>
-            <a:ext cx="1684424" cy="598750"/>
+          <a:xfrm rot="18509704">
+            <a:off x="7279171" y="494206"/>
+            <a:ext cx="1023798" cy="3869057"/>
           </a:xfrm>
-          <a:prstGeom prst="roundRect">
-            <a:avLst/>
-          </a:prstGeom>
-          <a:solidFill>
-            <a:schemeClr val="tx1"/>
-          </a:solidFill>
-        </p:spPr>
-        <p:style>
-          <a:lnRef idx="2">
-            <a:schemeClr val="accent1">
-              <a:shade val="50000"/>
-            </a:schemeClr>
-          </a:lnRef>
-          <a:fillRef idx="1">
-            <a:schemeClr val="accent1"/>
-          </a:fillRef>
-          <a:effectRef idx="0">
-            <a:schemeClr val="accent1"/>
-          </a:effectRef>
-          <a:fontRef idx="minor">
-            <a:schemeClr val="lt1"/>
-          </a:fontRef>
-        </p:style>
-        <p:txBody>
-          <a:bodyPr rtlCol="0" anchor="ctr"/>
-          <a:lstStyle/>
-          <a:p>
-            <a:pPr algn="ctr"/>
-            <a:r>
-              <a:rPr lang="en-US" sz="1600" dirty="0">
-                <a:solidFill>
-                  <a:schemeClr val="bg1"/>
-                </a:solidFill>
-              </a:rPr>
-              <a:t>Business understanding</a:t>
-            </a:r>
-            <a:endParaRPr lang="en-ZA" sz="1600" dirty="0">
-              <a:solidFill>
-                <a:schemeClr val="bg1"/>
-              </a:solidFill>
-            </a:endParaRPr>
-          </a:p>
-        </p:txBody>
-      </p:sp>
-      <p:sp>
-        <p:nvSpPr>
-          <p:cNvPr id="14" name="Rectangle: Rounded Corners 13">
-            <a:extLst>
-              <a:ext uri="{FF2B5EF4-FFF2-40B4-BE49-F238E27FC236}">
-                <a16:creationId xmlns:a16="http://schemas.microsoft.com/office/drawing/2014/main" id="{5FA82783-84A0-48D5-8F27-4BB1A35F2712}"/>
-              </a:ext>
-            </a:extLst>
-          </p:cNvPr>
-          <p:cNvSpPr/>
-          <p:nvPr/>
-        </p:nvSpPr>
-        <p:spPr>
-          <a:xfrm>
-            <a:off x="567887" y="3885939"/>
-            <a:ext cx="1684422" cy="462533"/>
-          </a:xfrm>
-          <a:prstGeom prst="roundRect">
-            <a:avLst/>
-          </a:prstGeom>
-          <a:solidFill>
-            <a:schemeClr val="tx1"/>
-          </a:solidFill>
-        </p:spPr>
-        <p:style>
-          <a:lnRef idx="2">
-            <a:schemeClr val="accent1">
-              <a:shade val="50000"/>
-            </a:schemeClr>
-          </a:lnRef>
-          <a:fillRef idx="1">
-            <a:schemeClr val="accent1"/>
-          </a:fillRef>
-          <a:effectRef idx="0">
-            <a:schemeClr val="accent1"/>
-          </a:effectRef>
-          <a:fontRef idx="minor">
-            <a:schemeClr val="lt1"/>
-          </a:fontRef>
-        </p:style>
-        <p:txBody>
-          <a:bodyPr rtlCol="0" anchor="ctr"/>
-          <a:lstStyle/>
-          <a:p>
-            <a:pPr algn="ctr"/>
-            <a:r>
-              <a:rPr lang="en-US" sz="1600" dirty="0">
-                <a:solidFill>
-                  <a:schemeClr val="bg1"/>
-                </a:solidFill>
-              </a:rPr>
-              <a:t>Data</a:t>
-            </a:r>
-            <a:r>
-              <a:rPr lang="en-US" dirty="0">
-                <a:solidFill>
-                  <a:schemeClr val="bg1"/>
-                </a:solidFill>
-              </a:rPr>
-              <a:t> </a:t>
-            </a:r>
-            <a:r>
-              <a:rPr lang="en-US" sz="1600" dirty="0">
-                <a:solidFill>
-                  <a:schemeClr val="bg1"/>
-                </a:solidFill>
-              </a:rPr>
-              <a:t>Understanding</a:t>
-            </a:r>
-            <a:endParaRPr lang="en-ZA" sz="1600" dirty="0">
-              <a:solidFill>
-                <a:schemeClr val="bg1"/>
-              </a:solidFill>
-            </a:endParaRPr>
-          </a:p>
-        </p:txBody>
-      </p:sp>
-      <p:sp>
-        <p:nvSpPr>
-          <p:cNvPr id="15" name="Rectangle: Rounded Corners 14">
-            <a:extLst>
-              <a:ext uri="{FF2B5EF4-FFF2-40B4-BE49-F238E27FC236}">
-                <a16:creationId xmlns:a16="http://schemas.microsoft.com/office/drawing/2014/main" id="{69CC7BD5-62BF-4B74-8C73-9EAE74C19F2F}"/>
-              </a:ext>
-            </a:extLst>
-          </p:cNvPr>
-          <p:cNvSpPr/>
-          <p:nvPr/>
-        </p:nvSpPr>
-        <p:spPr>
-          <a:xfrm>
-            <a:off x="567888" y="2938612"/>
-            <a:ext cx="1684421" cy="628300"/>
-          </a:xfrm>
-          <a:prstGeom prst="roundRect">
-            <a:avLst/>
-          </a:prstGeom>
-          <a:solidFill>
-            <a:schemeClr val="tx1"/>
-          </a:solidFill>
-        </p:spPr>
-        <p:style>
-          <a:lnRef idx="2">
-            <a:schemeClr val="accent1">
-              <a:shade val="50000"/>
-            </a:schemeClr>
-          </a:lnRef>
-          <a:fillRef idx="1">
-            <a:schemeClr val="accent1"/>
-          </a:fillRef>
-          <a:effectRef idx="0">
-            <a:schemeClr val="accent1"/>
-          </a:effectRef>
-          <a:fontRef idx="minor">
-            <a:schemeClr val="lt1"/>
-          </a:fontRef>
-        </p:style>
-        <p:txBody>
-          <a:bodyPr rtlCol="0" anchor="ctr"/>
-          <a:lstStyle/>
-          <a:p>
-            <a:pPr algn="ctr"/>
-            <a:r>
-              <a:rPr lang="en-US" sz="1600" dirty="0">
-                <a:solidFill>
-                  <a:schemeClr val="bg1"/>
-                </a:solidFill>
-              </a:rPr>
-              <a:t>SLA understanding</a:t>
-            </a:r>
-            <a:endParaRPr lang="en-ZA" sz="1600" dirty="0">
-              <a:solidFill>
-                <a:schemeClr val="bg1"/>
-              </a:solidFill>
-            </a:endParaRPr>
-          </a:p>
-        </p:txBody>
-      </p:sp>
-      <p:sp>
-        <p:nvSpPr>
-          <p:cNvPr id="16" name="Rectangle: Rounded Corners 15">
-            <a:extLst>
-              <a:ext uri="{FF2B5EF4-FFF2-40B4-BE49-F238E27FC236}">
-                <a16:creationId xmlns:a16="http://schemas.microsoft.com/office/drawing/2014/main" id="{9956FA7D-C6BB-43F3-8C8D-253773DC8898}"/>
-              </a:ext>
-            </a:extLst>
-          </p:cNvPr>
-          <p:cNvSpPr/>
-          <p:nvPr/>
-        </p:nvSpPr>
-        <p:spPr>
-          <a:xfrm>
-            <a:off x="540547" y="1985039"/>
-            <a:ext cx="1684422" cy="721595"/>
-          </a:xfrm>
-          <a:prstGeom prst="roundRect">
-            <a:avLst/>
-          </a:prstGeom>
-          <a:solidFill>
-            <a:schemeClr val="tx1"/>
-          </a:solidFill>
-        </p:spPr>
-        <p:style>
-          <a:lnRef idx="2">
-            <a:schemeClr val="accent1">
-              <a:shade val="50000"/>
-            </a:schemeClr>
-          </a:lnRef>
-          <a:fillRef idx="1">
-            <a:schemeClr val="accent1"/>
-          </a:fillRef>
-          <a:effectRef idx="0">
-            <a:schemeClr val="accent1"/>
-          </a:effectRef>
-          <a:fontRef idx="minor">
-            <a:schemeClr val="lt1"/>
-          </a:fontRef>
-        </p:style>
-        <p:txBody>
-          <a:bodyPr rtlCol="0" anchor="ctr"/>
-          <a:lstStyle/>
-          <a:p>
-            <a:pPr algn="ctr"/>
-            <a:r>
-              <a:rPr lang="en-US" sz="1600" dirty="0">
-                <a:solidFill>
-                  <a:schemeClr val="bg1"/>
-                </a:solidFill>
-              </a:rPr>
-              <a:t>Data Collection</a:t>
-            </a:r>
-            <a:endParaRPr lang="en-ZA" sz="1600" dirty="0">
-              <a:solidFill>
-                <a:schemeClr val="bg1"/>
-              </a:solidFill>
-            </a:endParaRPr>
-          </a:p>
-        </p:txBody>
-      </p:sp>
-      <p:sp>
-        <p:nvSpPr>
-          <p:cNvPr id="18" name="Oval 17">
-            <a:extLst>
-              <a:ext uri="{FF2B5EF4-FFF2-40B4-BE49-F238E27FC236}">
-                <a16:creationId xmlns:a16="http://schemas.microsoft.com/office/drawing/2014/main" id="{082A5954-E070-484C-8184-2DA175A9D0BD}"/>
-              </a:ext>
-            </a:extLst>
-          </p:cNvPr>
-          <p:cNvSpPr/>
-          <p:nvPr/>
-        </p:nvSpPr>
-        <p:spPr>
-          <a:xfrm>
-            <a:off x="2728330" y="1489038"/>
-            <a:ext cx="1083694" cy="1228245"/>
-          </a:xfrm>
-          <a:prstGeom prst="ellipse">
-            <a:avLst/>
-          </a:prstGeom>
-          <a:solidFill>
-            <a:schemeClr val="tx1"/>
-          </a:solidFill>
-        </p:spPr>
-        <p:style>
-          <a:lnRef idx="2">
-            <a:schemeClr val="accent1">
-              <a:shade val="50000"/>
-            </a:schemeClr>
-          </a:lnRef>
-          <a:fillRef idx="1">
-            <a:schemeClr val="accent1"/>
-          </a:fillRef>
-          <a:effectRef idx="0">
-            <a:schemeClr val="accent1"/>
-          </a:effectRef>
-          <a:fontRef idx="minor">
-            <a:schemeClr val="lt1"/>
-          </a:fontRef>
-        </p:style>
-        <p:txBody>
-          <a:bodyPr rtlCol="0" anchor="ctr"/>
-          <a:lstStyle/>
-          <a:p>
-            <a:pPr algn="ctr"/>
-            <a:r>
-              <a:rPr lang="en-US" dirty="0">
-                <a:solidFill>
-                  <a:schemeClr val="bg1"/>
-                </a:solidFill>
-              </a:rPr>
-              <a:t>Data Analysis</a:t>
-            </a:r>
-            <a:endParaRPr lang="en-ZA" dirty="0">
-              <a:solidFill>
-                <a:schemeClr val="bg1"/>
-              </a:solidFill>
-            </a:endParaRPr>
-          </a:p>
-        </p:txBody>
-      </p:sp>
-      <p:sp>
-        <p:nvSpPr>
-          <p:cNvPr id="19" name="Oval 18">
-            <a:extLst>
-              <a:ext uri="{FF2B5EF4-FFF2-40B4-BE49-F238E27FC236}">
-                <a16:creationId xmlns:a16="http://schemas.microsoft.com/office/drawing/2014/main" id="{1BC037BF-3C66-4877-90B8-0E3C3A87D71C}"/>
-              </a:ext>
-            </a:extLst>
-          </p:cNvPr>
-          <p:cNvSpPr/>
-          <p:nvPr/>
-        </p:nvSpPr>
-        <p:spPr>
-          <a:xfrm>
-            <a:off x="4166300" y="1489038"/>
-            <a:ext cx="1105681" cy="1228245"/>
-          </a:xfrm>
-          <a:prstGeom prst="ellipse">
-            <a:avLst/>
-          </a:prstGeom>
-          <a:solidFill>
-            <a:schemeClr val="tx1"/>
-          </a:solidFill>
-        </p:spPr>
-        <p:style>
-          <a:lnRef idx="2">
-            <a:schemeClr val="accent1">
-              <a:shade val="50000"/>
-            </a:schemeClr>
-          </a:lnRef>
-          <a:fillRef idx="1">
-            <a:schemeClr val="accent1"/>
-          </a:fillRef>
-          <a:effectRef idx="0">
-            <a:schemeClr val="accent1"/>
-          </a:effectRef>
-          <a:fontRef idx="minor">
-            <a:schemeClr val="lt1"/>
-          </a:fontRef>
-        </p:style>
-        <p:txBody>
-          <a:bodyPr rtlCol="0" anchor="ctr"/>
-          <a:lstStyle/>
-          <a:p>
-            <a:pPr algn="ctr"/>
-            <a:r>
-              <a:rPr lang="en-US" dirty="0">
-                <a:solidFill>
-                  <a:schemeClr val="bg1"/>
-                </a:solidFill>
-              </a:rPr>
-              <a:t>Data Transformation</a:t>
-            </a:r>
-            <a:endParaRPr lang="en-ZA" dirty="0">
-              <a:solidFill>
-                <a:schemeClr val="bg1"/>
-              </a:solidFill>
-            </a:endParaRPr>
-          </a:p>
-        </p:txBody>
-      </p:sp>
-      <p:sp>
-        <p:nvSpPr>
-          <p:cNvPr id="20" name="Rectangle 19">
-            <a:extLst>
-              <a:ext uri="{FF2B5EF4-FFF2-40B4-BE49-F238E27FC236}">
-                <a16:creationId xmlns:a16="http://schemas.microsoft.com/office/drawing/2014/main" id="{82B1BF95-B0B6-4C63-9631-A5618CD6B543}"/>
-              </a:ext>
-            </a:extLst>
-          </p:cNvPr>
-          <p:cNvSpPr/>
-          <p:nvPr/>
-        </p:nvSpPr>
-        <p:spPr>
-          <a:xfrm>
-            <a:off x="5581384" y="1618558"/>
-            <a:ext cx="1044342" cy="937842"/>
-          </a:xfrm>
-          <a:prstGeom prst="rect">
-            <a:avLst/>
-          </a:prstGeom>
-          <a:solidFill>
-            <a:schemeClr val="tx1"/>
-          </a:solidFill>
-        </p:spPr>
-        <p:style>
-          <a:lnRef idx="2">
-            <a:schemeClr val="accent1">
-              <a:shade val="50000"/>
-            </a:schemeClr>
-          </a:lnRef>
-          <a:fillRef idx="1">
-            <a:schemeClr val="accent1"/>
-          </a:fillRef>
-          <a:effectRef idx="0">
-            <a:schemeClr val="accent1"/>
-          </a:effectRef>
-          <a:fontRef idx="minor">
-            <a:schemeClr val="lt1"/>
-          </a:fontRef>
-        </p:style>
-        <p:txBody>
-          <a:bodyPr rtlCol="0" anchor="ctr"/>
-          <a:lstStyle/>
-          <a:p>
-            <a:pPr algn="ctr"/>
-            <a:r>
-              <a:rPr lang="en-US" dirty="0">
-                <a:solidFill>
-                  <a:schemeClr val="bg1"/>
-                </a:solidFill>
-              </a:rPr>
-              <a:t>Feature engineering</a:t>
-            </a:r>
-            <a:endParaRPr lang="en-ZA" dirty="0">
-              <a:solidFill>
-                <a:schemeClr val="bg1"/>
-              </a:solidFill>
-            </a:endParaRPr>
-          </a:p>
-        </p:txBody>
-      </p:sp>
-      <p:sp>
-        <p:nvSpPr>
-          <p:cNvPr id="21" name="Rectangle 20">
-            <a:extLst>
-              <a:ext uri="{FF2B5EF4-FFF2-40B4-BE49-F238E27FC236}">
-                <a16:creationId xmlns:a16="http://schemas.microsoft.com/office/drawing/2014/main" id="{C6F2076F-78D4-4934-9B85-50AA287F9D58}"/>
-              </a:ext>
-            </a:extLst>
-          </p:cNvPr>
-          <p:cNvSpPr/>
-          <p:nvPr/>
-        </p:nvSpPr>
-        <p:spPr>
-          <a:xfrm>
-            <a:off x="6859999" y="1612196"/>
-            <a:ext cx="1044342" cy="916842"/>
-          </a:xfrm>
-          <a:prstGeom prst="rect">
-            <a:avLst/>
-          </a:prstGeom>
-          <a:solidFill>
-            <a:schemeClr val="tx1"/>
-          </a:solidFill>
-        </p:spPr>
-        <p:style>
-          <a:lnRef idx="2">
-            <a:schemeClr val="accent1">
-              <a:shade val="50000"/>
-            </a:schemeClr>
-          </a:lnRef>
-          <a:fillRef idx="1">
-            <a:schemeClr val="accent1"/>
-          </a:fillRef>
-          <a:effectRef idx="0">
-            <a:schemeClr val="accent1"/>
-          </a:effectRef>
-          <a:fontRef idx="minor">
-            <a:schemeClr val="lt1"/>
-          </a:fontRef>
-        </p:style>
-        <p:txBody>
-          <a:bodyPr rtlCol="0" anchor="ctr"/>
-          <a:lstStyle/>
-          <a:p>
-            <a:pPr algn="ctr"/>
-            <a:r>
-              <a:rPr lang="en-US" dirty="0">
-                <a:solidFill>
-                  <a:schemeClr val="bg1"/>
-                </a:solidFill>
-              </a:rPr>
-              <a:t>Model training </a:t>
-            </a:r>
-            <a:endParaRPr lang="en-ZA" dirty="0">
-              <a:solidFill>
-                <a:schemeClr val="bg1"/>
-              </a:solidFill>
-            </a:endParaRPr>
-          </a:p>
-        </p:txBody>
-      </p:sp>
-      <p:sp>
-        <p:nvSpPr>
-          <p:cNvPr id="22" name="Rectangle 21">
-            <a:extLst>
-              <a:ext uri="{FF2B5EF4-FFF2-40B4-BE49-F238E27FC236}">
-                <a16:creationId xmlns:a16="http://schemas.microsoft.com/office/drawing/2014/main" id="{CDC2D7E6-12E7-47A2-959A-1D3B972EF9B5}"/>
-              </a:ext>
-            </a:extLst>
-          </p:cNvPr>
-          <p:cNvSpPr/>
-          <p:nvPr/>
-        </p:nvSpPr>
-        <p:spPr>
-          <a:xfrm>
-            <a:off x="8171636" y="1018763"/>
-            <a:ext cx="926787" cy="1722922"/>
-          </a:xfrm>
-          <a:prstGeom prst="rect">
-            <a:avLst/>
-          </a:prstGeom>
-          <a:solidFill>
-            <a:schemeClr val="tx1"/>
-          </a:solidFill>
-        </p:spPr>
-        <p:style>
-          <a:lnRef idx="2">
-            <a:schemeClr val="accent1">
-              <a:shade val="50000"/>
-            </a:schemeClr>
-          </a:lnRef>
-          <a:fillRef idx="1">
-            <a:schemeClr val="accent1"/>
-          </a:fillRef>
-          <a:effectRef idx="0">
-            <a:schemeClr val="accent1"/>
-          </a:effectRef>
-          <a:fontRef idx="minor">
-            <a:schemeClr val="lt1"/>
-          </a:fontRef>
-        </p:style>
-        <p:txBody>
-          <a:bodyPr rtlCol="0" anchor="ctr"/>
-          <a:lstStyle/>
-          <a:p>
-            <a:pPr algn="ctr"/>
-            <a:r>
-              <a:rPr lang="en-US" dirty="0">
-                <a:solidFill>
-                  <a:schemeClr val="bg1"/>
-                </a:solidFill>
-              </a:rPr>
-              <a:t>Model evaluation</a:t>
-            </a:r>
-          </a:p>
-          <a:p>
-            <a:pPr algn="ctr"/>
-            <a:r>
-              <a:rPr lang="en-US" dirty="0">
-                <a:solidFill>
-                  <a:schemeClr val="bg1"/>
-                </a:solidFill>
-              </a:rPr>
-              <a:t>&amp; validation</a:t>
-            </a:r>
-            <a:endParaRPr lang="en-ZA" dirty="0">
-              <a:solidFill>
-                <a:schemeClr val="bg1"/>
-              </a:solidFill>
-            </a:endParaRPr>
-          </a:p>
-        </p:txBody>
-      </p:sp>
-      <p:sp>
-        <p:nvSpPr>
-          <p:cNvPr id="24" name="Callout: Down Arrow 23">
-            <a:extLst>
-              <a:ext uri="{FF2B5EF4-FFF2-40B4-BE49-F238E27FC236}">
-                <a16:creationId xmlns:a16="http://schemas.microsoft.com/office/drawing/2014/main" id="{3567F8F4-F497-4F7A-8C95-441C11B94319}"/>
-              </a:ext>
-            </a:extLst>
-          </p:cNvPr>
-          <p:cNvSpPr/>
-          <p:nvPr/>
-        </p:nvSpPr>
-        <p:spPr>
-          <a:xfrm>
-            <a:off x="10151543" y="1228344"/>
-            <a:ext cx="1573468" cy="1961368"/>
-          </a:xfrm>
-          <a:prstGeom prst="downArrowCallout">
-            <a:avLst/>
-          </a:prstGeom>
-          <a:solidFill>
-            <a:schemeClr val="tx1"/>
-          </a:solidFill>
-        </p:spPr>
-        <p:style>
-          <a:lnRef idx="2">
-            <a:schemeClr val="accent1">
-              <a:shade val="50000"/>
-            </a:schemeClr>
-          </a:lnRef>
-          <a:fillRef idx="1">
-            <a:schemeClr val="accent1"/>
-          </a:fillRef>
-          <a:effectRef idx="0">
-            <a:schemeClr val="accent1"/>
-          </a:effectRef>
-          <a:fontRef idx="minor">
-            <a:schemeClr val="lt1"/>
-          </a:fontRef>
-        </p:style>
-        <p:txBody>
-          <a:bodyPr rtlCol="0" anchor="ctr"/>
-          <a:lstStyle/>
-          <a:p>
-            <a:pPr algn="ctr"/>
-            <a:r>
-              <a:rPr lang="en-US" dirty="0">
-                <a:solidFill>
-                  <a:schemeClr val="bg1"/>
-                </a:solidFill>
-              </a:rPr>
-              <a:t>Model deployment</a:t>
-            </a:r>
-            <a:endParaRPr lang="en-ZA" dirty="0">
-              <a:solidFill>
-                <a:schemeClr val="bg1"/>
-              </a:solidFill>
-            </a:endParaRPr>
-          </a:p>
-        </p:txBody>
-      </p:sp>
-      <p:sp>
-        <p:nvSpPr>
-          <p:cNvPr id="25" name="Callout: Down Arrow 24">
-            <a:extLst>
-              <a:ext uri="{FF2B5EF4-FFF2-40B4-BE49-F238E27FC236}">
-                <a16:creationId xmlns:a16="http://schemas.microsoft.com/office/drawing/2014/main" id="{2B8E9273-774C-477D-8EC9-3567A2A2E030}"/>
-              </a:ext>
-            </a:extLst>
-          </p:cNvPr>
-          <p:cNvSpPr/>
-          <p:nvPr/>
-        </p:nvSpPr>
-        <p:spPr>
-          <a:xfrm>
-            <a:off x="10203234" y="3189713"/>
-            <a:ext cx="1559227" cy="2179249"/>
-          </a:xfrm>
-          <a:prstGeom prst="downArrowCallout">
-            <a:avLst/>
-          </a:prstGeom>
-          <a:solidFill>
-            <a:schemeClr val="tx1"/>
-          </a:solidFill>
-        </p:spPr>
-        <p:style>
-          <a:lnRef idx="2">
-            <a:schemeClr val="accent1">
-              <a:shade val="50000"/>
-            </a:schemeClr>
-          </a:lnRef>
-          <a:fillRef idx="1">
-            <a:schemeClr val="accent1"/>
-          </a:fillRef>
-          <a:effectRef idx="0">
-            <a:schemeClr val="accent1"/>
-          </a:effectRef>
-          <a:fontRef idx="minor">
-            <a:schemeClr val="lt1"/>
-          </a:fontRef>
-        </p:style>
-        <p:txBody>
-          <a:bodyPr rtlCol="0" anchor="ctr"/>
-          <a:lstStyle/>
-          <a:p>
-            <a:pPr algn="ctr"/>
-            <a:r>
-              <a:rPr lang="en-US" dirty="0">
-                <a:solidFill>
-                  <a:schemeClr val="bg1"/>
-                </a:solidFill>
-              </a:rPr>
-              <a:t>Model monitoring</a:t>
-            </a:r>
-            <a:endParaRPr lang="en-ZA" dirty="0">
-              <a:solidFill>
-                <a:schemeClr val="bg1"/>
-              </a:solidFill>
-            </a:endParaRPr>
-          </a:p>
-        </p:txBody>
-      </p:sp>
-      <p:sp>
-        <p:nvSpPr>
-          <p:cNvPr id="26" name="Rectangle: Rounded Corners 25">
-            <a:extLst>
-              <a:ext uri="{FF2B5EF4-FFF2-40B4-BE49-F238E27FC236}">
-                <a16:creationId xmlns:a16="http://schemas.microsoft.com/office/drawing/2014/main" id="{51FC54B7-F4B5-4B13-B092-A958E900F41E}"/>
-              </a:ext>
-            </a:extLst>
-          </p:cNvPr>
-          <p:cNvSpPr/>
-          <p:nvPr/>
-        </p:nvSpPr>
-        <p:spPr>
-          <a:xfrm>
-            <a:off x="5325543" y="5289998"/>
-            <a:ext cx="6298567" cy="998216"/>
-          </a:xfrm>
-          <a:prstGeom prst="roundRect">
-            <a:avLst/>
-          </a:prstGeom>
-          <a:solidFill>
-            <a:schemeClr val="tx1"/>
-          </a:solidFill>
-        </p:spPr>
-        <p:style>
-          <a:lnRef idx="2">
-            <a:schemeClr val="accent1">
-              <a:shade val="50000"/>
-            </a:schemeClr>
-          </a:lnRef>
-          <a:fillRef idx="1">
-            <a:schemeClr val="accent1"/>
-          </a:fillRef>
-          <a:effectRef idx="0">
-            <a:schemeClr val="accent1"/>
-          </a:effectRef>
-          <a:fontRef idx="minor">
-            <a:schemeClr val="lt1"/>
-          </a:fontRef>
-        </p:style>
-        <p:txBody>
-          <a:bodyPr rtlCol="0" anchor="ctr"/>
-          <a:lstStyle/>
-          <a:p>
-            <a:pPr algn="ctr"/>
-            <a:r>
-              <a:rPr lang="en-US" dirty="0">
-                <a:solidFill>
-                  <a:schemeClr val="bg1"/>
-                </a:solidFill>
-              </a:rPr>
-              <a:t>APIs or Dashboard or Report</a:t>
-            </a:r>
-            <a:endParaRPr lang="en-ZA" dirty="0">
-              <a:solidFill>
-                <a:schemeClr val="bg1"/>
-              </a:solidFill>
-            </a:endParaRPr>
-          </a:p>
-        </p:txBody>
-      </p:sp>
-      <p:sp>
-        <p:nvSpPr>
-          <p:cNvPr id="30" name="Arrow: U-Turn 29">
-            <a:extLst>
-              <a:ext uri="{FF2B5EF4-FFF2-40B4-BE49-F238E27FC236}">
-                <a16:creationId xmlns:a16="http://schemas.microsoft.com/office/drawing/2014/main" id="{15B89BF7-7FE7-4422-9BE4-F4C5FF45502A}"/>
-              </a:ext>
-            </a:extLst>
-          </p:cNvPr>
-          <p:cNvSpPr/>
-          <p:nvPr/>
-        </p:nvSpPr>
-        <p:spPr>
-          <a:xfrm rot="5400000">
-            <a:off x="1990066" y="4382875"/>
-            <a:ext cx="1088332" cy="494938"/>
-          </a:xfrm>
-          <a:prstGeom prst="uturnArrow">
+          <a:prstGeom prst="curvedLeftArrow">
             <a:avLst/>
           </a:prstGeom>
         </p:spPr>
@@ -9079,10 +8949,10 @@
       </p:sp>
       <p:sp>
         <p:nvSpPr>
-          <p:cNvPr id="31" name="Arrow: U-Turn 30">
+          <p:cNvPr id="61" name="Arrow: Curved Left 60">
             <a:extLst>
               <a:ext uri="{FF2B5EF4-FFF2-40B4-BE49-F238E27FC236}">
-                <a16:creationId xmlns:a16="http://schemas.microsoft.com/office/drawing/2014/main" id="{0AFDF995-B6CD-47AA-8EFF-630789C6175D}"/>
+                <a16:creationId xmlns:a16="http://schemas.microsoft.com/office/drawing/2014/main" id="{75ACC02B-B1E9-41EA-B23D-3E24F3D54E17}"/>
               </a:ext>
             </a:extLst>
           </p:cNvPr>
@@ -9090,67 +8960,11 @@
           <p:nvPr/>
         </p:nvSpPr>
         <p:spPr>
-          <a:xfrm rot="16200000">
-            <a:off x="-220953" y="4322271"/>
-            <a:ext cx="1088332" cy="434669"/>
+          <a:xfrm rot="9010181">
+            <a:off x="2290068" y="3458249"/>
+            <a:ext cx="839237" cy="1816581"/>
           </a:xfrm>
-          <a:prstGeom prst="uturnArrow">
-            <a:avLst>
-              <a:gd name="adj1" fmla="val 25000"/>
-              <a:gd name="adj2" fmla="val 23252"/>
-              <a:gd name="adj3" fmla="val 9121"/>
-              <a:gd name="adj4" fmla="val 43750"/>
-              <a:gd name="adj5" fmla="val 75000"/>
-            </a:avLst>
-          </a:prstGeom>
-        </p:spPr>
-        <p:style>
-          <a:lnRef idx="2">
-            <a:schemeClr val="accent1">
-              <a:shade val="50000"/>
-            </a:schemeClr>
-          </a:lnRef>
-          <a:fillRef idx="1">
-            <a:schemeClr val="accent1"/>
-          </a:fillRef>
-          <a:effectRef idx="0">
-            <a:schemeClr val="accent1"/>
-          </a:effectRef>
-          <a:fontRef idx="minor">
-            <a:schemeClr val="lt1"/>
-          </a:fontRef>
-        </p:style>
-        <p:txBody>
-          <a:bodyPr rtlCol="0" anchor="ctr"/>
-          <a:lstStyle/>
-          <a:p>
-            <a:pPr algn="ctr"/>
-            <a:endParaRPr lang="en-ZA">
-              <a:solidFill>
-                <a:schemeClr val="tx1"/>
-              </a:solidFill>
-            </a:endParaRPr>
-          </a:p>
-        </p:txBody>
-      </p:sp>
-      <p:sp>
-        <p:nvSpPr>
-          <p:cNvPr id="32" name="Arrow: Up 31">
-            <a:extLst>
-              <a:ext uri="{FF2B5EF4-FFF2-40B4-BE49-F238E27FC236}">
-                <a16:creationId xmlns:a16="http://schemas.microsoft.com/office/drawing/2014/main" id="{3C7F58D8-10E3-4DC4-B6B4-6714E971F61A}"/>
-              </a:ext>
-            </a:extLst>
-          </p:cNvPr>
-          <p:cNvSpPr/>
-          <p:nvPr/>
-        </p:nvSpPr>
-        <p:spPr>
-          <a:xfrm>
-            <a:off x="1347537" y="5187431"/>
-            <a:ext cx="57751" cy="535715"/>
-          </a:xfrm>
-          <a:prstGeom prst="upArrow">
+          <a:prstGeom prst="curvedLeftArrow">
             <a:avLst/>
           </a:prstGeom>
         </p:spPr>
@@ -9175,16 +8989,20 @@
           <a:lstStyle/>
           <a:p>
             <a:pPr algn="ctr"/>
-            <a:endParaRPr lang="en-ZA"/>
-          </a:p>
-        </p:txBody>
-      </p:sp>
-      <p:sp>
-        <p:nvSpPr>
-          <p:cNvPr id="33" name="Arrow: Up 32">
+            <a:endParaRPr lang="en-ZA">
+              <a:solidFill>
+                <a:schemeClr val="tx1"/>
+              </a:solidFill>
+            </a:endParaRPr>
+          </a:p>
+        </p:txBody>
+      </p:sp>
+      <p:sp>
+        <p:nvSpPr>
+          <p:cNvPr id="62" name="Rectangle: Rounded Corners 61">
             <a:extLst>
               <a:ext uri="{FF2B5EF4-FFF2-40B4-BE49-F238E27FC236}">
-                <a16:creationId xmlns:a16="http://schemas.microsoft.com/office/drawing/2014/main" id="{81A28C9B-AE0C-45FB-9160-B9C1674CF273}"/>
+                <a16:creationId xmlns:a16="http://schemas.microsoft.com/office/drawing/2014/main" id="{D120194B-371C-4428-84E9-BD117B7C910A}"/>
               </a:ext>
             </a:extLst>
           </p:cNvPr>
@@ -9193,10 +9011,10 @@
         </p:nvSpPr>
         <p:spPr>
           <a:xfrm>
-            <a:off x="1337038" y="4228715"/>
-            <a:ext cx="45719" cy="462533"/>
+            <a:off x="4159567" y="4458690"/>
+            <a:ext cx="1372552" cy="1219200"/>
           </a:xfrm>
-          <a:prstGeom prst="upArrow">
+          <a:prstGeom prst="roundRect">
             <a:avLst/>
           </a:prstGeom>
         </p:spPr>
@@ -9221,16 +9039,20 @@
           <a:lstStyle/>
           <a:p>
             <a:pPr algn="ctr"/>
-            <a:endParaRPr lang="en-ZA"/>
-          </a:p>
-        </p:txBody>
-      </p:sp>
-      <p:sp>
-        <p:nvSpPr>
-          <p:cNvPr id="34" name="Arrow: Up 33">
+            <a:r>
+              <a:rPr lang="en-US" dirty="0"/>
+              <a:t>Data Pipeline</a:t>
+            </a:r>
+            <a:endParaRPr lang="en-ZA" dirty="0"/>
+          </a:p>
+        </p:txBody>
+      </p:sp>
+      <p:sp>
+        <p:nvSpPr>
+          <p:cNvPr id="63" name="Rectangle: Rounded Corners 62">
             <a:extLst>
               <a:ext uri="{FF2B5EF4-FFF2-40B4-BE49-F238E27FC236}">
-                <a16:creationId xmlns:a16="http://schemas.microsoft.com/office/drawing/2014/main" id="{4CD248C8-87BC-46CD-81DA-F9BD4C79777C}"/>
+                <a16:creationId xmlns:a16="http://schemas.microsoft.com/office/drawing/2014/main" id="{E4F075A7-AFE9-478A-B3D8-0CA5F58F3533}"/>
               </a:ext>
             </a:extLst>
           </p:cNvPr>
@@ -9239,10 +9061,10 @@
         </p:nvSpPr>
         <p:spPr>
           <a:xfrm>
-            <a:off x="1337038" y="3458544"/>
-            <a:ext cx="45719" cy="536895"/>
+            <a:off x="6009640" y="4458690"/>
+            <a:ext cx="1524000" cy="1219200"/>
           </a:xfrm>
-          <a:prstGeom prst="upArrow">
+          <a:prstGeom prst="roundRect">
             <a:avLst/>
           </a:prstGeom>
         </p:spPr>
@@ -9267,16 +9089,20 @@
           <a:lstStyle/>
           <a:p>
             <a:pPr algn="ctr"/>
-            <a:endParaRPr lang="en-ZA"/>
-          </a:p>
-        </p:txBody>
-      </p:sp>
-      <p:sp>
-        <p:nvSpPr>
-          <p:cNvPr id="35" name="Arrow: Up 34">
+            <a:r>
+              <a:rPr lang="en-US" dirty="0"/>
+              <a:t>Modeling Training</a:t>
+            </a:r>
+            <a:endParaRPr lang="en-ZA" dirty="0"/>
+          </a:p>
+        </p:txBody>
+      </p:sp>
+      <p:sp>
+        <p:nvSpPr>
+          <p:cNvPr id="64" name="Rectangle: Rounded Corners 63">
             <a:extLst>
               <a:ext uri="{FF2B5EF4-FFF2-40B4-BE49-F238E27FC236}">
-                <a16:creationId xmlns:a16="http://schemas.microsoft.com/office/drawing/2014/main" id="{D58BAA8B-679A-4C54-A7B3-DB4BC6410BE4}"/>
+                <a16:creationId xmlns:a16="http://schemas.microsoft.com/office/drawing/2014/main" id="{C6C67955-0F57-4EE2-B7F5-7E24CC420E70}"/>
               </a:ext>
             </a:extLst>
           </p:cNvPr>
@@ -9285,10 +9111,10 @@
         </p:nvSpPr>
         <p:spPr>
           <a:xfrm>
-            <a:off x="1337038" y="2621133"/>
-            <a:ext cx="45719" cy="428277"/>
+            <a:off x="7899400" y="4459678"/>
+            <a:ext cx="1724382" cy="1218212"/>
           </a:xfrm>
-          <a:prstGeom prst="upArrow">
+          <a:prstGeom prst="roundRect">
             <a:avLst/>
           </a:prstGeom>
         </p:spPr>
@@ -9313,16 +9139,20 @@
           <a:lstStyle/>
           <a:p>
             <a:pPr algn="ctr"/>
-            <a:endParaRPr lang="en-ZA"/>
-          </a:p>
-        </p:txBody>
-      </p:sp>
-      <p:sp>
-        <p:nvSpPr>
-          <p:cNvPr id="36" name="Arrow: Right 35">
+            <a:r>
+              <a:rPr lang="en-US" dirty="0"/>
+              <a:t>Model Deployment</a:t>
+            </a:r>
+            <a:endParaRPr lang="en-ZA" dirty="0"/>
+          </a:p>
+        </p:txBody>
+      </p:sp>
+      <p:sp>
+        <p:nvSpPr>
+          <p:cNvPr id="65" name="Rectangle: Rounded Corners 64">
             <a:extLst>
               <a:ext uri="{FF2B5EF4-FFF2-40B4-BE49-F238E27FC236}">
-                <a16:creationId xmlns:a16="http://schemas.microsoft.com/office/drawing/2014/main" id="{1172655A-9F07-4FCB-B2A2-83100442B600}"/>
+                <a16:creationId xmlns:a16="http://schemas.microsoft.com/office/drawing/2014/main" id="{C7219E7B-8E33-4673-B7EC-D840583912AD}"/>
               </a:ext>
             </a:extLst>
           </p:cNvPr>
@@ -9331,10 +9161,10 @@
         </p:nvSpPr>
         <p:spPr>
           <a:xfrm>
-            <a:off x="2141537" y="2084591"/>
-            <a:ext cx="585651" cy="90718"/>
+            <a:off x="9900922" y="4458690"/>
+            <a:ext cx="1590040" cy="1218212"/>
           </a:xfrm>
-          <a:prstGeom prst="rightArrow">
+          <a:prstGeom prst="roundRect">
             <a:avLst/>
           </a:prstGeom>
         </p:spPr>
@@ -9359,16 +9189,156 @@
           <a:lstStyle/>
           <a:p>
             <a:pPr algn="ctr"/>
-            <a:endParaRPr lang="en-ZA"/>
-          </a:p>
-        </p:txBody>
-      </p:sp>
-      <p:sp>
-        <p:nvSpPr>
-          <p:cNvPr id="37" name="Arrow: Right 36">
+            <a:r>
+              <a:rPr lang="en-US" dirty="0"/>
+              <a:t>Model Monitoring</a:t>
+            </a:r>
+            <a:endParaRPr lang="en-ZA" dirty="0"/>
+          </a:p>
+        </p:txBody>
+      </p:sp>
+      <p:cxnSp>
+        <p:nvCxnSpPr>
+          <p:cNvPr id="69" name="Straight Arrow Connector 68">
             <a:extLst>
               <a:ext uri="{FF2B5EF4-FFF2-40B4-BE49-F238E27FC236}">
-                <a16:creationId xmlns:a16="http://schemas.microsoft.com/office/drawing/2014/main" id="{13120F4D-BE28-4BAE-B328-C367483D1A06}"/>
+                <a16:creationId xmlns:a16="http://schemas.microsoft.com/office/drawing/2014/main" id="{92BB0D81-67C0-4E10-96D2-1D1D7A17FED4}"/>
+              </a:ext>
+            </a:extLst>
+          </p:cNvPr>
+          <p:cNvCxnSpPr>
+            <a:endCxn id="63" idx="1"/>
+          </p:cNvCxnSpPr>
+          <p:nvPr/>
+        </p:nvCxnSpPr>
+        <p:spPr>
+          <a:xfrm>
+            <a:off x="5537198" y="5067796"/>
+            <a:ext cx="472442" cy="494"/>
+          </a:xfrm>
+          <a:prstGeom prst="straightConnector1">
+            <a:avLst/>
+          </a:prstGeom>
+          <a:ln>
+            <a:solidFill>
+              <a:schemeClr val="bg1"/>
+            </a:solidFill>
+            <a:tailEnd type="triangle"/>
+          </a:ln>
+        </p:spPr>
+        <p:style>
+          <a:lnRef idx="1">
+            <a:schemeClr val="accent1"/>
+          </a:lnRef>
+          <a:fillRef idx="0">
+            <a:schemeClr val="accent1"/>
+          </a:fillRef>
+          <a:effectRef idx="0">
+            <a:schemeClr val="accent1"/>
+          </a:effectRef>
+          <a:fontRef idx="minor">
+            <a:schemeClr val="tx1"/>
+          </a:fontRef>
+        </p:style>
+      </p:cxnSp>
+      <p:cxnSp>
+        <p:nvCxnSpPr>
+          <p:cNvPr id="71" name="Straight Arrow Connector 70">
+            <a:extLst>
+              <a:ext uri="{FF2B5EF4-FFF2-40B4-BE49-F238E27FC236}">
+                <a16:creationId xmlns:a16="http://schemas.microsoft.com/office/drawing/2014/main" id="{DA322536-1606-450A-828D-563620FDB3B3}"/>
+              </a:ext>
+            </a:extLst>
+          </p:cNvPr>
+          <p:cNvCxnSpPr>
+            <a:cxnSpLocks/>
+            <a:stCxn id="63" idx="3"/>
+            <a:endCxn id="64" idx="1"/>
+          </p:cNvCxnSpPr>
+          <p:nvPr/>
+        </p:nvCxnSpPr>
+        <p:spPr>
+          <a:xfrm>
+            <a:off x="7533640" y="5068290"/>
+            <a:ext cx="365760" cy="494"/>
+          </a:xfrm>
+          <a:prstGeom prst="straightConnector1">
+            <a:avLst/>
+          </a:prstGeom>
+          <a:ln>
+            <a:solidFill>
+              <a:schemeClr val="bg1"/>
+            </a:solidFill>
+            <a:tailEnd type="triangle"/>
+          </a:ln>
+        </p:spPr>
+        <p:style>
+          <a:lnRef idx="1">
+            <a:schemeClr val="accent1"/>
+          </a:lnRef>
+          <a:fillRef idx="0">
+            <a:schemeClr val="accent1"/>
+          </a:fillRef>
+          <a:effectRef idx="0">
+            <a:schemeClr val="accent1"/>
+          </a:effectRef>
+          <a:fontRef idx="minor">
+            <a:schemeClr val="tx1"/>
+          </a:fontRef>
+        </p:style>
+      </p:cxnSp>
+      <p:cxnSp>
+        <p:nvCxnSpPr>
+          <p:cNvPr id="73" name="Straight Arrow Connector 72">
+            <a:extLst>
+              <a:ext uri="{FF2B5EF4-FFF2-40B4-BE49-F238E27FC236}">
+                <a16:creationId xmlns:a16="http://schemas.microsoft.com/office/drawing/2014/main" id="{4F1D993B-5AA0-445B-AD83-9645F4BE7CE3}"/>
+              </a:ext>
+            </a:extLst>
+          </p:cNvPr>
+          <p:cNvCxnSpPr>
+            <a:cxnSpLocks/>
+            <a:stCxn id="64" idx="3"/>
+            <a:endCxn id="65" idx="1"/>
+          </p:cNvCxnSpPr>
+          <p:nvPr/>
+        </p:nvCxnSpPr>
+        <p:spPr>
+          <a:xfrm flipV="1">
+            <a:off x="9623782" y="5067796"/>
+            <a:ext cx="277140" cy="988"/>
+          </a:xfrm>
+          <a:prstGeom prst="straightConnector1">
+            <a:avLst/>
+          </a:prstGeom>
+          <a:ln>
+            <a:solidFill>
+              <a:schemeClr val="bg1"/>
+            </a:solidFill>
+            <a:tailEnd type="triangle"/>
+          </a:ln>
+        </p:spPr>
+        <p:style>
+          <a:lnRef idx="1">
+            <a:schemeClr val="accent1"/>
+          </a:lnRef>
+          <a:fillRef idx="0">
+            <a:schemeClr val="accent1"/>
+          </a:fillRef>
+          <a:effectRef idx="0">
+            <a:schemeClr val="accent1"/>
+          </a:effectRef>
+          <a:fontRef idx="minor">
+            <a:schemeClr val="tx1"/>
+          </a:fontRef>
+        </p:style>
+      </p:cxnSp>
+      <p:sp>
+        <p:nvSpPr>
+          <p:cNvPr id="76" name="Arrow: Curved Left 75">
+            <a:extLst>
+              <a:ext uri="{FF2B5EF4-FFF2-40B4-BE49-F238E27FC236}">
+                <a16:creationId xmlns:a16="http://schemas.microsoft.com/office/drawing/2014/main" id="{F3D073C2-8C6A-4AC2-B1F8-924D5A1DF6E0}"/>
               </a:ext>
             </a:extLst>
           </p:cNvPr>
@@ -9376,13 +9346,21 @@
           <p:nvPr/>
         </p:nvSpPr>
         <p:spPr>
-          <a:xfrm>
-            <a:off x="3812024" y="2024433"/>
-            <a:ext cx="387464" cy="60158"/>
+          <a:xfrm rot="5400000">
+            <a:off x="7962504" y="4374281"/>
+            <a:ext cx="987573" cy="3592815"/>
           </a:xfrm>
-          <a:prstGeom prst="rightArrow">
+          <a:prstGeom prst="curvedLeftArrow">
             <a:avLst/>
           </a:prstGeom>
+          <a:solidFill>
+            <a:schemeClr val="bg1"/>
+          </a:solidFill>
+          <a:ln>
+            <a:solidFill>
+              <a:schemeClr val="bg1"/>
+            </a:solidFill>
+          </a:ln>
         </p:spPr>
         <p:style>
           <a:lnRef idx="2">
@@ -9405,504 +9383,328 @@
           <a:lstStyle/>
           <a:p>
             <a:pPr algn="ctr"/>
-            <a:endParaRPr lang="en-ZA"/>
-          </a:p>
-        </p:txBody>
-      </p:sp>
-      <p:sp>
-        <p:nvSpPr>
-          <p:cNvPr id="38" name="Arrow: Right 37">
+            <a:endParaRPr lang="en-ZA">
+              <a:solidFill>
+                <a:schemeClr val="tx1"/>
+              </a:solidFill>
+            </a:endParaRPr>
+          </a:p>
+        </p:txBody>
+      </p:sp>
+    </p:spTree>
+    <p:extLst>
+      <p:ext uri="{BB962C8B-B14F-4D97-AF65-F5344CB8AC3E}">
+        <p14:creationId xmlns:p14="http://schemas.microsoft.com/office/powerpoint/2010/main" val="2639455895"/>
+      </p:ext>
+    </p:extLst>
+  </p:cSld>
+  <p:clrMapOvr>
+    <a:masterClrMapping/>
+  </p:clrMapOvr>
+</p:sld>
+</file>
+
+<file path=ppt/slides/slide18.xml><?xml version="1.0" encoding="utf-8"?>
+<p:sld xmlns:a="http://schemas.openxmlformats.org/drawingml/2006/main" xmlns:r="http://schemas.openxmlformats.org/officeDocument/2006/relationships" xmlns:p="http://schemas.openxmlformats.org/presentationml/2006/main">
+  <p:cSld>
+    <p:spTree>
+      <p:nvGrpSpPr>
+        <p:cNvPr id="1" name=""/>
+        <p:cNvGrpSpPr/>
+        <p:nvPr/>
+      </p:nvGrpSpPr>
+      <p:grpSpPr>
+        <a:xfrm>
+          <a:off x="0" y="0"/>
+          <a:ext cx="0" cy="0"/>
+          <a:chOff x="0" y="0"/>
+          <a:chExt cx="0" cy="0"/>
+        </a:xfrm>
+      </p:grpSpPr>
+      <p:sp>
+        <p:nvSpPr>
+          <p:cNvPr id="2" name="Title 1">
             <a:extLst>
               <a:ext uri="{FF2B5EF4-FFF2-40B4-BE49-F238E27FC236}">
-                <a16:creationId xmlns:a16="http://schemas.microsoft.com/office/drawing/2014/main" id="{C0DF6C02-BE43-44B7-9F73-8C7815EBF814}"/>
+                <a16:creationId xmlns:a16="http://schemas.microsoft.com/office/drawing/2014/main" id="{12C4DB06-9678-4EAD-A2E2-9DD46C72D3E8}"/>
               </a:ext>
             </a:extLst>
           </p:cNvPr>
-          <p:cNvSpPr/>
-          <p:nvPr/>
+          <p:cNvSpPr>
+            <a:spLocks noGrp="1"/>
+          </p:cNvSpPr>
+          <p:nvPr>
+            <p:ph type="title"/>
+          </p:nvPr>
+        </p:nvSpPr>
+        <p:spPr/>
+        <p:txBody>
+          <a:bodyPr/>
+          <a:lstStyle/>
+          <a:p>
+            <a:r>
+              <a:rPr lang="en-US" dirty="0"/>
+              <a:t>Summary</a:t>
+            </a:r>
+            <a:endParaRPr lang="en-ZA" dirty="0"/>
+          </a:p>
+        </p:txBody>
+      </p:sp>
+      <p:sp>
+        <p:nvSpPr>
+          <p:cNvPr id="3" name="Content Placeholder 2">
+            <a:extLst>
+              <a:ext uri="{FF2B5EF4-FFF2-40B4-BE49-F238E27FC236}">
+                <a16:creationId xmlns:a16="http://schemas.microsoft.com/office/drawing/2014/main" id="{0515A431-71A2-4041-A79F-F2DCE6D5CB11}"/>
+              </a:ext>
+            </a:extLst>
+          </p:cNvPr>
+          <p:cNvSpPr>
+            <a:spLocks noGrp="1"/>
+          </p:cNvSpPr>
+          <p:nvPr>
+            <p:ph idx="1"/>
+          </p:nvPr>
+        </p:nvSpPr>
+        <p:spPr/>
+        <p:txBody>
+          <a:bodyPr>
+            <a:normAutofit/>
+          </a:bodyPr>
+          <a:lstStyle/>
+          <a:p>
+            <a:r>
+              <a:rPr lang="en-US" sz="3600" dirty="0"/>
+              <a:t>Can width, mass and height alone be used to classify different types of fruits?</a:t>
+            </a:r>
+          </a:p>
+          <a:p>
+            <a:pPr marL="0" indent="0">
+              <a:buNone/>
+            </a:pPr>
+            <a:endParaRPr lang="en-US" sz="2800" dirty="0"/>
+          </a:p>
+          <a:p>
+            <a:pPr marL="0" indent="0">
+              <a:buNone/>
+            </a:pPr>
+            <a:r>
+              <a:rPr lang="en-US" sz="2800" dirty="0"/>
+              <a:t>At the moment </a:t>
+            </a:r>
+            <a:r>
+              <a:rPr lang="en-US" sz="5800" dirty="0"/>
+              <a:t>NO</a:t>
+            </a:r>
+          </a:p>
+          <a:p>
+            <a:pPr marL="0" indent="0">
+              <a:buNone/>
+            </a:pPr>
+            <a:r>
+              <a:rPr lang="en-US" sz="2400" dirty="0"/>
+              <a:t>Considering other factors mentioned above. </a:t>
+            </a:r>
+            <a:r>
+              <a:rPr lang="en-US" sz="4400" dirty="0"/>
+              <a:t>YES</a:t>
+            </a:r>
+            <a:endParaRPr lang="en-ZA" sz="4400" dirty="0"/>
+          </a:p>
+        </p:txBody>
+      </p:sp>
+    </p:spTree>
+    <p:extLst>
+      <p:ext uri="{BB962C8B-B14F-4D97-AF65-F5344CB8AC3E}">
+        <p14:creationId xmlns:p14="http://schemas.microsoft.com/office/powerpoint/2010/main" val="1407612408"/>
+      </p:ext>
+    </p:extLst>
+  </p:cSld>
+  <p:clrMapOvr>
+    <a:masterClrMapping/>
+  </p:clrMapOvr>
+</p:sld>
+</file>
+
+<file path=ppt/slides/slide19.xml><?xml version="1.0" encoding="utf-8"?>
+<p:sld xmlns:a="http://schemas.openxmlformats.org/drawingml/2006/main" xmlns:r="http://schemas.openxmlformats.org/officeDocument/2006/relationships" xmlns:p="http://schemas.openxmlformats.org/presentationml/2006/main">
+  <p:cSld>
+    <p:spTree>
+      <p:nvGrpSpPr>
+        <p:cNvPr id="1" name=""/>
+        <p:cNvGrpSpPr/>
+        <p:nvPr/>
+      </p:nvGrpSpPr>
+      <p:grpSpPr>
+        <a:xfrm>
+          <a:off x="0" y="0"/>
+          <a:ext cx="0" cy="0"/>
+          <a:chOff x="0" y="0"/>
+          <a:chExt cx="0" cy="0"/>
+        </a:xfrm>
+      </p:grpSpPr>
+      <p:sp>
+        <p:nvSpPr>
+          <p:cNvPr id="4" name="Title 1">
+            <a:extLst>
+              <a:ext uri="{FF2B5EF4-FFF2-40B4-BE49-F238E27FC236}">
+                <a16:creationId xmlns:a16="http://schemas.microsoft.com/office/drawing/2014/main" id="{7FF5BD98-F94E-4E14-8BB6-CA9825419188}"/>
+              </a:ext>
+            </a:extLst>
+          </p:cNvPr>
+          <p:cNvSpPr>
+            <a:spLocks noGrp="1"/>
+          </p:cNvSpPr>
+          <p:nvPr>
+            <p:ph type="title"/>
+          </p:nvPr>
         </p:nvSpPr>
         <p:spPr>
           <a:xfrm>
-            <a:off x="5255757" y="2008793"/>
-            <a:ext cx="392487" cy="45719"/>
+            <a:off x="646113" y="452438"/>
+            <a:ext cx="9404350" cy="1400175"/>
           </a:xfrm>
-          <a:prstGeom prst="rightArrow">
+        </p:spPr>
+        <p:txBody>
+          <a:bodyPr/>
+          <a:lstStyle/>
+          <a:p>
+            <a:pPr algn="ctr"/>
+            <a:br>
+              <a:rPr lang="en-US" sz="4000" dirty="0"/>
+            </a:br>
+            <a:br>
+              <a:rPr lang="en-US" sz="4000" dirty="0"/>
+            </a:br>
+            <a:br>
+              <a:rPr lang="en-US" sz="4000" dirty="0"/>
+            </a:br>
+            <a:br>
+              <a:rPr lang="en-US" sz="4000" dirty="0"/>
+            </a:br>
+            <a:br>
+              <a:rPr lang="en-US" sz="4000" dirty="0"/>
+            </a:br>
+            <a:r>
+              <a:rPr lang="en-US" sz="4000" dirty="0"/>
+              <a:t>          </a:t>
+            </a:r>
+            <a:r>
+              <a:rPr lang="en-US" sz="7200" dirty="0"/>
+              <a:t>THANK YOU</a:t>
+            </a:r>
+            <a:endParaRPr lang="en-ZA" sz="7200" dirty="0"/>
+          </a:p>
+        </p:txBody>
+      </p:sp>
+      <p:sp>
+        <p:nvSpPr>
+          <p:cNvPr id="5" name="Title 1">
+            <a:extLst>
+              <a:ext uri="{FF2B5EF4-FFF2-40B4-BE49-F238E27FC236}">
+                <a16:creationId xmlns:a16="http://schemas.microsoft.com/office/drawing/2014/main" id="{543ECB04-8506-41C8-87FC-6FA78A242129}"/>
+              </a:ext>
+            </a:extLst>
+          </p:cNvPr>
+          <p:cNvSpPr txBox="1">
+            <a:spLocks/>
+          </p:cNvSpPr>
+          <p:nvPr/>
+        </p:nvSpPr>
+        <p:spPr>
+          <a:xfrm>
+            <a:off x="798511" y="1489038"/>
+            <a:ext cx="9404723" cy="979842"/>
+          </a:xfrm>
+          <a:prstGeom prst="rect">
             <a:avLst/>
           </a:prstGeom>
         </p:spPr>
-        <p:style>
-          <a:lnRef idx="2">
-            <a:schemeClr val="accent1">
-              <a:shade val="50000"/>
-            </a:schemeClr>
-          </a:lnRef>
-          <a:fillRef idx="1">
-            <a:schemeClr val="accent1"/>
-          </a:fillRef>
-          <a:effectRef idx="0">
-            <a:schemeClr val="accent1"/>
-          </a:effectRef>
-          <a:fontRef idx="minor">
-            <a:schemeClr val="lt1"/>
-          </a:fontRef>
-        </p:style>
-        <p:txBody>
-          <a:bodyPr rtlCol="0" anchor="ctr"/>
-          <a:lstStyle/>
-          <a:p>
-            <a:pPr algn="ctr"/>
-            <a:endParaRPr lang="en-ZA"/>
-          </a:p>
-        </p:txBody>
-      </p:sp>
-      <p:sp>
-        <p:nvSpPr>
-          <p:cNvPr id="39" name="Arrow: Right 38">
-            <a:extLst>
-              <a:ext uri="{FF2B5EF4-FFF2-40B4-BE49-F238E27FC236}">
-                <a16:creationId xmlns:a16="http://schemas.microsoft.com/office/drawing/2014/main" id="{38B18EE1-027D-4D58-848A-8156BE5EBBFA}"/>
-              </a:ext>
-            </a:extLst>
-          </p:cNvPr>
-          <p:cNvSpPr/>
-          <p:nvPr/>
-        </p:nvSpPr>
-        <p:spPr>
-          <a:xfrm flipV="1">
-            <a:off x="6592704" y="2024433"/>
-            <a:ext cx="338191" cy="45719"/>
-          </a:xfrm>
-          <a:prstGeom prst="rightArrow">
-            <a:avLst/>
-          </a:prstGeom>
-        </p:spPr>
-        <p:style>
-          <a:lnRef idx="2">
-            <a:schemeClr val="accent1">
-              <a:shade val="50000"/>
-            </a:schemeClr>
-          </a:lnRef>
-          <a:fillRef idx="1">
-            <a:schemeClr val="accent1"/>
-          </a:fillRef>
-          <a:effectRef idx="0">
-            <a:schemeClr val="accent1"/>
-          </a:effectRef>
-          <a:fontRef idx="minor">
-            <a:schemeClr val="lt1"/>
-          </a:fontRef>
-        </p:style>
-        <p:txBody>
-          <a:bodyPr rtlCol="0" anchor="ctr"/>
-          <a:lstStyle/>
-          <a:p>
-            <a:pPr algn="ctr"/>
-            <a:endParaRPr lang="en-ZA"/>
-          </a:p>
-        </p:txBody>
-      </p:sp>
-      <p:sp>
-        <p:nvSpPr>
-          <p:cNvPr id="40" name="Arrow: Right 39">
-            <a:extLst>
-              <a:ext uri="{FF2B5EF4-FFF2-40B4-BE49-F238E27FC236}">
-                <a16:creationId xmlns:a16="http://schemas.microsoft.com/office/drawing/2014/main" id="{1380CC15-197E-409A-8409-149A3E80C736}"/>
-              </a:ext>
-            </a:extLst>
-          </p:cNvPr>
-          <p:cNvSpPr/>
-          <p:nvPr/>
-        </p:nvSpPr>
-        <p:spPr>
-          <a:xfrm>
-            <a:off x="7846009" y="1982133"/>
-            <a:ext cx="367735" cy="45719"/>
-          </a:xfrm>
-          <a:prstGeom prst="rightArrow">
-            <a:avLst/>
-          </a:prstGeom>
-        </p:spPr>
-        <p:style>
-          <a:lnRef idx="2">
-            <a:schemeClr val="accent1">
-              <a:shade val="50000"/>
-            </a:schemeClr>
-          </a:lnRef>
-          <a:fillRef idx="1">
-            <a:schemeClr val="accent1"/>
-          </a:fillRef>
-          <a:effectRef idx="0">
-            <a:schemeClr val="accent1"/>
-          </a:effectRef>
-          <a:fontRef idx="minor">
-            <a:schemeClr val="lt1"/>
-          </a:fontRef>
-        </p:style>
-        <p:txBody>
-          <a:bodyPr rtlCol="0" anchor="ctr"/>
-          <a:lstStyle/>
-          <a:p>
-            <a:pPr algn="ctr"/>
-            <a:endParaRPr lang="en-ZA"/>
-          </a:p>
-        </p:txBody>
-      </p:sp>
-      <p:sp>
-        <p:nvSpPr>
-          <p:cNvPr id="41" name="Arrow: Right 40">
-            <a:extLst>
-              <a:ext uri="{FF2B5EF4-FFF2-40B4-BE49-F238E27FC236}">
-                <a16:creationId xmlns:a16="http://schemas.microsoft.com/office/drawing/2014/main" id="{7DB6E3C9-CD7F-4ADE-9E36-9680ED192843}"/>
-              </a:ext>
-            </a:extLst>
-          </p:cNvPr>
-          <p:cNvSpPr/>
-          <p:nvPr/>
-        </p:nvSpPr>
-        <p:spPr>
-          <a:xfrm>
-            <a:off x="9098424" y="1852613"/>
-            <a:ext cx="1066936" cy="91691"/>
-          </a:xfrm>
-          <a:prstGeom prst="rightArrow">
-            <a:avLst/>
-          </a:prstGeom>
-        </p:spPr>
-        <p:style>
-          <a:lnRef idx="2">
-            <a:schemeClr val="accent1">
-              <a:shade val="50000"/>
-            </a:schemeClr>
-          </a:lnRef>
-          <a:fillRef idx="1">
-            <a:schemeClr val="accent1"/>
-          </a:fillRef>
-          <a:effectRef idx="0">
-            <a:schemeClr val="accent1"/>
-          </a:effectRef>
-          <a:fontRef idx="minor">
-            <a:schemeClr val="lt1"/>
-          </a:fontRef>
-        </p:style>
-        <p:txBody>
-          <a:bodyPr rtlCol="0" anchor="ctr"/>
-          <a:lstStyle/>
-          <a:p>
-            <a:pPr algn="ctr"/>
-            <a:endParaRPr lang="en-ZA"/>
-          </a:p>
-        </p:txBody>
-      </p:sp>
-      <p:sp>
-        <p:nvSpPr>
-          <p:cNvPr id="42" name="Arrow: Down 41">
-            <a:extLst>
-              <a:ext uri="{FF2B5EF4-FFF2-40B4-BE49-F238E27FC236}">
-                <a16:creationId xmlns:a16="http://schemas.microsoft.com/office/drawing/2014/main" id="{FD0D2E8F-BD71-4D8F-B9D9-B6D2D7272543}"/>
-              </a:ext>
-            </a:extLst>
-          </p:cNvPr>
-          <p:cNvSpPr/>
-          <p:nvPr/>
-        </p:nvSpPr>
-        <p:spPr>
-          <a:xfrm>
-            <a:off x="9295652" y="1978714"/>
-            <a:ext cx="79152" cy="1722922"/>
-          </a:xfrm>
-          <a:prstGeom prst="downArrow">
-            <a:avLst/>
-          </a:prstGeom>
-        </p:spPr>
-        <p:style>
-          <a:lnRef idx="2">
-            <a:schemeClr val="accent1">
-              <a:shade val="50000"/>
-            </a:schemeClr>
-          </a:lnRef>
-          <a:fillRef idx="1">
-            <a:schemeClr val="accent1"/>
-          </a:fillRef>
-          <a:effectRef idx="0">
-            <a:schemeClr val="accent1"/>
-          </a:effectRef>
-          <a:fontRef idx="minor">
-            <a:schemeClr val="lt1"/>
-          </a:fontRef>
-        </p:style>
-        <p:txBody>
-          <a:bodyPr rtlCol="0" anchor="ctr"/>
-          <a:lstStyle/>
-          <a:p>
-            <a:pPr algn="ctr"/>
-            <a:endParaRPr lang="en-ZA"/>
-          </a:p>
-        </p:txBody>
-      </p:sp>
-      <p:sp>
-        <p:nvSpPr>
-          <p:cNvPr id="43" name="Arrow: Down 42">
-            <a:extLst>
-              <a:ext uri="{FF2B5EF4-FFF2-40B4-BE49-F238E27FC236}">
-                <a16:creationId xmlns:a16="http://schemas.microsoft.com/office/drawing/2014/main" id="{B14C4979-CD70-4F56-9FD6-1768E90A4B09}"/>
-              </a:ext>
-            </a:extLst>
-          </p:cNvPr>
-          <p:cNvSpPr/>
-          <p:nvPr/>
-        </p:nvSpPr>
-        <p:spPr>
-          <a:xfrm>
-            <a:off x="9324312" y="4221350"/>
-            <a:ext cx="243200" cy="1147612"/>
-          </a:xfrm>
-          <a:prstGeom prst="downArrow">
-            <a:avLst/>
-          </a:prstGeom>
-        </p:spPr>
-        <p:style>
-          <a:lnRef idx="2">
-            <a:schemeClr val="accent1">
-              <a:shade val="50000"/>
-            </a:schemeClr>
-          </a:lnRef>
-          <a:fillRef idx="1">
-            <a:schemeClr val="accent1"/>
-          </a:fillRef>
-          <a:effectRef idx="0">
-            <a:schemeClr val="accent1"/>
-          </a:effectRef>
-          <a:fontRef idx="minor">
-            <a:schemeClr val="lt1"/>
-          </a:fontRef>
-        </p:style>
-        <p:txBody>
-          <a:bodyPr rtlCol="0" anchor="ctr"/>
-          <a:lstStyle/>
-          <a:p>
-            <a:pPr algn="ctr"/>
-            <a:endParaRPr lang="en-ZA"/>
-          </a:p>
-        </p:txBody>
-      </p:sp>
-      <p:sp>
-        <p:nvSpPr>
-          <p:cNvPr id="44" name="Rectangle: Rounded Corners 43">
-            <a:extLst>
-              <a:ext uri="{FF2B5EF4-FFF2-40B4-BE49-F238E27FC236}">
-                <a16:creationId xmlns:a16="http://schemas.microsoft.com/office/drawing/2014/main" id="{2F2A5D68-C28F-4DF5-A8B0-8825735229F4}"/>
-              </a:ext>
-            </a:extLst>
-          </p:cNvPr>
-          <p:cNvSpPr/>
-          <p:nvPr/>
-        </p:nvSpPr>
-        <p:spPr>
-          <a:xfrm>
-            <a:off x="8614611" y="3458544"/>
-            <a:ext cx="1290626" cy="930577"/>
-          </a:xfrm>
-          <a:prstGeom prst="roundRect">
-            <a:avLst/>
-          </a:prstGeom>
-          <a:solidFill>
-            <a:schemeClr val="tx1"/>
-          </a:solidFill>
-        </p:spPr>
-        <p:style>
-          <a:lnRef idx="2">
-            <a:schemeClr val="accent1">
-              <a:shade val="50000"/>
-            </a:schemeClr>
-          </a:lnRef>
-          <a:fillRef idx="1">
-            <a:schemeClr val="accent1"/>
-          </a:fillRef>
-          <a:effectRef idx="0">
-            <a:schemeClr val="accent1"/>
-          </a:effectRef>
-          <a:fontRef idx="minor">
-            <a:schemeClr val="lt1"/>
-          </a:fontRef>
-        </p:style>
-        <p:txBody>
-          <a:bodyPr rtlCol="0" anchor="ctr"/>
-          <a:lstStyle/>
-          <a:p>
-            <a:pPr algn="ctr"/>
-            <a:r>
-              <a:rPr lang="en-US" dirty="0">
-                <a:solidFill>
-                  <a:schemeClr val="bg1"/>
-                </a:solidFill>
-              </a:rPr>
-              <a:t>Model explanation </a:t>
-            </a:r>
-            <a:endParaRPr lang="en-ZA" dirty="0">
-              <a:solidFill>
-                <a:schemeClr val="bg1"/>
-              </a:solidFill>
-            </a:endParaRPr>
-          </a:p>
-        </p:txBody>
-      </p:sp>
-      <p:sp>
-        <p:nvSpPr>
-          <p:cNvPr id="45" name="Rectangle: Rounded Corners 44">
-            <a:extLst>
-              <a:ext uri="{FF2B5EF4-FFF2-40B4-BE49-F238E27FC236}">
-                <a16:creationId xmlns:a16="http://schemas.microsoft.com/office/drawing/2014/main" id="{04679E4D-B48D-4AD1-BA79-30D5866EC74A}"/>
-              </a:ext>
-            </a:extLst>
-          </p:cNvPr>
-          <p:cNvSpPr/>
-          <p:nvPr/>
-        </p:nvSpPr>
-        <p:spPr>
-          <a:xfrm>
-            <a:off x="4199389" y="3371024"/>
-            <a:ext cx="1290626" cy="1299487"/>
-          </a:xfrm>
-          <a:prstGeom prst="roundRect">
-            <a:avLst/>
-          </a:prstGeom>
-          <a:solidFill>
-            <a:schemeClr val="tx1"/>
-          </a:solidFill>
-        </p:spPr>
-        <p:style>
-          <a:lnRef idx="2">
-            <a:schemeClr val="accent1">
-              <a:shade val="50000"/>
-            </a:schemeClr>
-          </a:lnRef>
-          <a:fillRef idx="1">
-            <a:schemeClr val="accent1"/>
-          </a:fillRef>
-          <a:effectRef idx="0">
-            <a:schemeClr val="accent1"/>
-          </a:effectRef>
-          <a:fontRef idx="minor">
-            <a:schemeClr val="lt1"/>
-          </a:fontRef>
-        </p:style>
-        <p:txBody>
-          <a:bodyPr rtlCol="0" anchor="ctr"/>
-          <a:lstStyle/>
-          <a:p>
-            <a:pPr algn="ctr"/>
-            <a:r>
-              <a:rPr lang="en-US" dirty="0">
-                <a:solidFill>
-                  <a:schemeClr val="bg1"/>
-                </a:solidFill>
-              </a:rPr>
-              <a:t>Data Visualization</a:t>
-            </a:r>
-            <a:endParaRPr lang="en-ZA" dirty="0">
-              <a:solidFill>
-                <a:schemeClr val="bg1"/>
-              </a:solidFill>
-            </a:endParaRPr>
-          </a:p>
-        </p:txBody>
-      </p:sp>
-      <p:sp>
-        <p:nvSpPr>
-          <p:cNvPr id="46" name="Arrow: Down 45">
-            <a:extLst>
-              <a:ext uri="{FF2B5EF4-FFF2-40B4-BE49-F238E27FC236}">
-                <a16:creationId xmlns:a16="http://schemas.microsoft.com/office/drawing/2014/main" id="{456374CF-6306-4A13-8B53-EF933CAE21E5}"/>
-              </a:ext>
-            </a:extLst>
-          </p:cNvPr>
-          <p:cNvSpPr/>
-          <p:nvPr/>
-        </p:nvSpPr>
-        <p:spPr>
-          <a:xfrm>
-            <a:off x="4719140" y="2621133"/>
-            <a:ext cx="175755" cy="837411"/>
-          </a:xfrm>
-          <a:prstGeom prst="downArrow">
-            <a:avLst/>
-          </a:prstGeom>
-        </p:spPr>
-        <p:style>
-          <a:lnRef idx="2">
-            <a:schemeClr val="accent1">
-              <a:shade val="50000"/>
-            </a:schemeClr>
-          </a:lnRef>
-          <a:fillRef idx="1">
-            <a:schemeClr val="accent1"/>
-          </a:fillRef>
-          <a:effectRef idx="0">
-            <a:schemeClr val="accent1"/>
-          </a:effectRef>
-          <a:fontRef idx="minor">
-            <a:schemeClr val="lt1"/>
-          </a:fontRef>
-        </p:style>
-        <p:txBody>
-          <a:bodyPr rtlCol="0" anchor="ctr"/>
-          <a:lstStyle/>
-          <a:p>
-            <a:pPr algn="ctr"/>
-            <a:endParaRPr lang="en-ZA"/>
-          </a:p>
-        </p:txBody>
-      </p:sp>
-      <p:sp>
-        <p:nvSpPr>
-          <p:cNvPr id="49" name="Arrow: Bent-Up 48">
-            <a:extLst>
-              <a:ext uri="{FF2B5EF4-FFF2-40B4-BE49-F238E27FC236}">
-                <a16:creationId xmlns:a16="http://schemas.microsoft.com/office/drawing/2014/main" id="{CE352127-3A23-41C0-A6E2-911ED17568F6}"/>
-              </a:ext>
-            </a:extLst>
-          </p:cNvPr>
-          <p:cNvSpPr/>
-          <p:nvPr/>
-        </p:nvSpPr>
-        <p:spPr>
-          <a:xfrm rot="5400000">
-            <a:off x="4434341" y="5099533"/>
-            <a:ext cx="1299487" cy="482917"/>
-          </a:xfrm>
-          <a:prstGeom prst="bentUpArrow">
-            <a:avLst/>
-          </a:prstGeom>
-        </p:spPr>
-        <p:style>
-          <a:lnRef idx="2">
-            <a:schemeClr val="accent1">
-              <a:shade val="50000"/>
-            </a:schemeClr>
-          </a:lnRef>
-          <a:fillRef idx="1">
-            <a:schemeClr val="accent1"/>
-          </a:fillRef>
-          <a:effectRef idx="0">
-            <a:schemeClr val="accent1"/>
-          </a:effectRef>
-          <a:fontRef idx="minor">
-            <a:schemeClr val="lt1"/>
-          </a:fontRef>
-        </p:style>
-        <p:txBody>
-          <a:bodyPr rtlCol="0" anchor="ctr"/>
-          <a:lstStyle/>
-          <a:p>
-            <a:pPr algn="ctr"/>
-            <a:endParaRPr lang="en-ZA"/>
+        <p:txBody>
+          <a:bodyPr vert="horz" lIns="91440" tIns="45720" rIns="91440" bIns="45720" rtlCol="0" anchor="t">
+            <a:noAutofit/>
+          </a:bodyPr>
+          <a:lstStyle>
+            <a:lvl1pPr algn="l" defTabSz="457200" rtl="0" eaLnBrk="1" latinLnBrk="0" hangingPunct="1">
+              <a:spcBef>
+                <a:spcPct val="0"/>
+              </a:spcBef>
+              <a:buNone/>
+              <a:defRPr sz="4200" b="0" i="0" kern="1200">
+                <a:solidFill>
+                  <a:schemeClr val="tx2"/>
+                </a:solidFill>
+                <a:latin typeface="+mj-lt"/>
+                <a:ea typeface="+mj-ea"/>
+                <a:cs typeface="+mj-cs"/>
+              </a:defRPr>
+            </a:lvl1pPr>
+            <a:lvl2pPr eaLnBrk="1" hangingPunct="1">
+              <a:defRPr>
+                <a:solidFill>
+                  <a:schemeClr val="tx2"/>
+                </a:solidFill>
+              </a:defRPr>
+            </a:lvl2pPr>
+            <a:lvl3pPr eaLnBrk="1" hangingPunct="1">
+              <a:defRPr>
+                <a:solidFill>
+                  <a:schemeClr val="tx2"/>
+                </a:solidFill>
+              </a:defRPr>
+            </a:lvl3pPr>
+            <a:lvl4pPr eaLnBrk="1" hangingPunct="1">
+              <a:defRPr>
+                <a:solidFill>
+                  <a:schemeClr val="tx2"/>
+                </a:solidFill>
+              </a:defRPr>
+            </a:lvl4pPr>
+            <a:lvl5pPr eaLnBrk="1" hangingPunct="1">
+              <a:defRPr>
+                <a:solidFill>
+                  <a:schemeClr val="tx2"/>
+                </a:solidFill>
+              </a:defRPr>
+            </a:lvl5pPr>
+            <a:lvl6pPr eaLnBrk="1" hangingPunct="1">
+              <a:defRPr>
+                <a:solidFill>
+                  <a:schemeClr val="tx2"/>
+                </a:solidFill>
+              </a:defRPr>
+            </a:lvl6pPr>
+            <a:lvl7pPr eaLnBrk="1" hangingPunct="1">
+              <a:defRPr>
+                <a:solidFill>
+                  <a:schemeClr val="tx2"/>
+                </a:solidFill>
+              </a:defRPr>
+            </a:lvl7pPr>
+            <a:lvl8pPr eaLnBrk="1" hangingPunct="1">
+              <a:defRPr>
+                <a:solidFill>
+                  <a:schemeClr val="tx2"/>
+                </a:solidFill>
+              </a:defRPr>
+            </a:lvl8pPr>
+            <a:lvl9pPr eaLnBrk="1" hangingPunct="1">
+              <a:defRPr>
+                <a:solidFill>
+                  <a:schemeClr val="tx2"/>
+                </a:solidFill>
+              </a:defRPr>
+            </a:lvl9pPr>
+          </a:lstStyle>
+          <a:p>
+            <a:endParaRPr lang="en-ZA" dirty="0"/>
           </a:p>
         </p:txBody>
       </p:sp>
     </p:spTree>
     <p:extLst>
       <p:ext uri="{BB962C8B-B14F-4D97-AF65-F5344CB8AC3E}">
-        <p14:creationId xmlns:p14="http://schemas.microsoft.com/office/powerpoint/2010/main" val="2399500194"/>
+        <p14:creationId xmlns:p14="http://schemas.microsoft.com/office/powerpoint/2010/main" val="2322709966"/>
       </p:ext>
     </p:extLst>
   </p:cSld>
@@ -10001,7 +9803,19 @@
           <a:p>
             <a:r>
               <a:rPr lang="en-US" sz="3200" dirty="0"/>
+              <a:t>More Exploration to consider </a:t>
+            </a:r>
+          </a:p>
+          <a:p>
+            <a:r>
+              <a:rPr lang="en-US" sz="3200" dirty="0"/>
               <a:t>Solution &amp; Production architecture</a:t>
+            </a:r>
+          </a:p>
+          <a:p>
+            <a:r>
+              <a:rPr lang="en-US" sz="3200" dirty="0"/>
+              <a:t>Summary</a:t>
             </a:r>
             <a:endParaRPr lang="en-ZA" sz="3200" dirty="0"/>
           </a:p>
@@ -10082,19 +9896,36 @@
             <p:ph idx="1"/>
           </p:nvPr>
         </p:nvSpPr>
-        <p:spPr/>
+        <p:spPr>
+          <a:xfrm>
+            <a:off x="1103312" y="2052918"/>
+            <a:ext cx="8946541" cy="3677321"/>
+          </a:xfrm>
+        </p:spPr>
         <p:txBody>
           <a:bodyPr>
-            <a:normAutofit lnSpcReduction="10000"/>
+            <a:normAutofit fontScale="92500" lnSpcReduction="10000"/>
           </a:bodyPr>
           <a:lstStyle/>
           <a:p>
+            <a:r>
+              <a:rPr lang="en-ZA" sz="2800" u="sng" dirty="0"/>
+              <a:t>Can machine learning distinguish or classify different types of fruits ?</a:t>
+            </a:r>
+          </a:p>
+          <a:p>
+            <a:r>
+              <a:rPr lang="en-ZA" sz="2800" u="sng" dirty="0"/>
+              <a:t>What is the purpose ?</a:t>
+            </a:r>
+          </a:p>
+          <a:p>
             <a:endParaRPr lang="en-ZA" dirty="0"/>
           </a:p>
           <a:p>
             <a:r>
               <a:rPr lang="en-ZA" dirty="0"/>
-              <a:t>This is a supervised classification machine learning problem. It is supervised because there is labelled features and the target that will be used for prediction. During training the model is fed the features and target to learn how to map the data to a prediction. Moreover, this is a classification task because the target value is discrete classes (as opposed to continuous values in regression)</a:t>
+              <a:t>This is a supervised classification problem. </a:t>
             </a:r>
           </a:p>
           <a:p>
@@ -10108,11 +9939,8 @@
             </a:r>
             <a:r>
               <a:rPr lang="en-ZA" dirty="0"/>
-              <a:t> Iain Murray from University of Edinburgh. He bought a few dozen oranges, lemons and apples of different varieties, and recorded their measurements in a table. And then the professors at University of Michigan formatted the fruits data slightly and it can be downloaded at the link available in the Reference Documents section above.</a:t>
-            </a:r>
-          </a:p>
-          <a:p>
-            <a:endParaRPr lang="en-ZA" dirty="0"/>
+              <a:t> Iain Murray from University of Edinburgh. He bought a few dozen oranges, lemons and apples of different varieties, and recorded their measurements in a table. And then the professors at University of Michigan formatted the fruits data slightly.</a:t>
+            </a:r>
           </a:p>
         </p:txBody>
       </p:sp>
@@ -10174,47 +10002,12 @@
           <a:p>
             <a:r>
               <a:rPr lang="en-US" sz="4000" dirty="0"/>
-              <a:t>Exploratory Data Analysis</a:t>
+              <a:t>Background &amp; Problem statement</a:t>
             </a:r>
             <a:endParaRPr lang="en-ZA" dirty="0"/>
           </a:p>
         </p:txBody>
       </p:sp>
-      <p:pic>
-        <p:nvPicPr>
-          <p:cNvPr id="7" name="Content Placeholder 6" descr="Table&#10;&#10;Description automatically generated">
-            <a:extLst>
-              <a:ext uri="{FF2B5EF4-FFF2-40B4-BE49-F238E27FC236}">
-                <a16:creationId xmlns:a16="http://schemas.microsoft.com/office/drawing/2014/main" id="{095BA235-9017-44A6-B5C3-E8B1051B0CA5}"/>
-              </a:ext>
-            </a:extLst>
-          </p:cNvPr>
-          <p:cNvPicPr>
-            <a:picLocks noGrp="1" noChangeAspect="1"/>
-          </p:cNvPicPr>
-          <p:nvPr>
-            <p:ph idx="1"/>
-          </p:nvPr>
-        </p:nvPicPr>
-        <p:blipFill>
-          <a:blip r:embed="rId2">
-            <a:extLst>
-              <a:ext uri="{28A0092B-C50C-407E-A947-70E740481C1C}">
-                <a14:useLocalDpi xmlns:a14="http://schemas.microsoft.com/office/drawing/2010/main" val="0"/>
-              </a:ext>
-            </a:extLst>
-          </a:blip>
-          <a:stretch>
-            <a:fillRect/>
-          </a:stretch>
-        </p:blipFill>
-        <p:spPr>
-          <a:xfrm>
-            <a:off x="97470" y="2063453"/>
-            <a:ext cx="5398555" cy="4341828"/>
-          </a:xfrm>
-        </p:spPr>
-      </p:pic>
       <p:sp>
         <p:nvSpPr>
           <p:cNvPr id="5" name="Title 1">
@@ -10317,7 +10110,7 @@
           <a:p>
             <a:r>
               <a:rPr lang="en-US" sz="2400" dirty="0"/>
-              <a:t>Data view &amp; Key features overview</a:t>
+              <a:t>Data set &amp; Key features overview</a:t>
             </a:r>
             <a:br>
               <a:rPr lang="en-US" sz="4400" dirty="0"/>
@@ -10341,14 +10134,14 @@
           <p:nvPr>
             <p:extLst>
               <p:ext uri="{D42A27DB-BD31-4B8C-83A1-F6EECF244321}">
-                <p14:modId xmlns:p14="http://schemas.microsoft.com/office/powerpoint/2010/main" val="3268075444"/>
+                <p14:modId xmlns:p14="http://schemas.microsoft.com/office/powerpoint/2010/main" val="1935012033"/>
               </p:ext>
             </p:extLst>
           </p:nvPr>
         </p:nvGraphicFramePr>
         <p:xfrm>
-          <a:off x="5563402" y="2063453"/>
-          <a:ext cx="6531130" cy="4458832"/>
+          <a:off x="264160" y="3479202"/>
+          <a:ext cx="11531600" cy="2926080"/>
         </p:xfrm>
         <a:graphic>
           <a:graphicData uri="http://schemas.openxmlformats.org/drawingml/2006/table">
@@ -10357,35 +10150,35 @@
                 <a:tableStyleId>{5C22544A-7EE6-4342-B048-85BDC9FD1C3A}</a:tableStyleId>
               </a:tblPr>
               <a:tblGrid>
-                <a:gridCol w="1306226">
+                <a:gridCol w="2306320">
                   <a:extLst>
                     <a:ext uri="{9D8B030D-6E8A-4147-A177-3AD203B41FA5}">
                       <a16:colId xmlns:a16="http://schemas.microsoft.com/office/drawing/2014/main" val="2430098466"/>
                     </a:ext>
                   </a:extLst>
                 </a:gridCol>
-                <a:gridCol w="1306226">
+                <a:gridCol w="2306320">
                   <a:extLst>
                     <a:ext uri="{9D8B030D-6E8A-4147-A177-3AD203B41FA5}">
                       <a16:colId xmlns:a16="http://schemas.microsoft.com/office/drawing/2014/main" val="2133670088"/>
                     </a:ext>
                   </a:extLst>
                 </a:gridCol>
-                <a:gridCol w="1306226">
+                <a:gridCol w="2306320">
                   <a:extLst>
                     <a:ext uri="{9D8B030D-6E8A-4147-A177-3AD203B41FA5}">
                       <a16:colId xmlns:a16="http://schemas.microsoft.com/office/drawing/2014/main" val="161097341"/>
                     </a:ext>
                   </a:extLst>
                 </a:gridCol>
-                <a:gridCol w="1306226">
+                <a:gridCol w="2306320">
                   <a:extLst>
                     <a:ext uri="{9D8B030D-6E8A-4147-A177-3AD203B41FA5}">
                       <a16:colId xmlns:a16="http://schemas.microsoft.com/office/drawing/2014/main" val="3892307601"/>
                     </a:ext>
                   </a:extLst>
                 </a:gridCol>
-                <a:gridCol w="1306226">
+                <a:gridCol w="2306320">
                   <a:extLst>
                     <a:ext uri="{9D8B030D-6E8A-4147-A177-3AD203B41FA5}">
                       <a16:colId xmlns:a16="http://schemas.microsoft.com/office/drawing/2014/main" val="2516286861"/>
@@ -10393,7 +10186,7 @@
                   </a:extLst>
                 </a:gridCol>
               </a:tblGrid>
-              <a:tr h="557354">
+              <a:tr h="185399">
                 <a:tc>
                   <a:txBody>
                     <a:bodyPr/>
@@ -10470,7 +10263,7 @@
                   </a:ext>
                 </a:extLst>
               </a:tr>
-              <a:tr h="557354">
+              <a:tr h="185399">
                 <a:tc>
                   <a:txBody>
                     <a:bodyPr/>
@@ -10531,7 +10324,7 @@
                   </a:ext>
                 </a:extLst>
               </a:tr>
-              <a:tr h="557354">
+              <a:tr h="185399">
                 <a:tc>
                   <a:txBody>
                     <a:bodyPr/>
@@ -10561,7 +10354,7 @@
                     <a:bodyPr/>
                     <a:lstStyle/>
                     <a:p>
-                      <a:endParaRPr lang="en-ZA"/>
+                      <a:endParaRPr lang="en-ZA" dirty="0"/>
                     </a:p>
                   </a:txBody>
                   <a:tcPr/>
@@ -10592,7 +10385,7 @@
                   </a:ext>
                 </a:extLst>
               </a:tr>
-              <a:tr h="557354">
+              <a:tr h="185399">
                 <a:tc>
                   <a:txBody>
                     <a:bodyPr/>
@@ -10653,7 +10446,7 @@
                   </a:ext>
                 </a:extLst>
               </a:tr>
-              <a:tr h="557354">
+              <a:tr h="185399">
                 <a:tc>
                   <a:txBody>
                     <a:bodyPr/>
@@ -10714,7 +10507,7 @@
                   </a:ext>
                 </a:extLst>
               </a:tr>
-              <a:tr h="557354">
+              <a:tr h="185399">
                 <a:tc>
                   <a:txBody>
                     <a:bodyPr/>
@@ -10754,7 +10547,7 @@
                     <a:bodyPr/>
                     <a:lstStyle/>
                     <a:p>
-                      <a:endParaRPr lang="en-ZA"/>
+                      <a:endParaRPr lang="en-ZA" dirty="0"/>
                     </a:p>
                   </a:txBody>
                   <a:tcPr/>
@@ -10775,7 +10568,7 @@
                   </a:ext>
                 </a:extLst>
               </a:tr>
-              <a:tr h="557354">
+              <a:tr h="185399">
                 <a:tc>
                   <a:txBody>
                     <a:bodyPr/>
@@ -10836,7 +10629,7 @@
                   </a:ext>
                 </a:extLst>
               </a:tr>
-              <a:tr h="557354">
+              <a:tr h="185399">
                 <a:tc>
                   <a:txBody>
                     <a:bodyPr/>
@@ -10901,6 +10694,267 @@
           </a:graphicData>
         </a:graphic>
       </p:graphicFrame>
+      <p:graphicFrame>
+        <p:nvGraphicFramePr>
+          <p:cNvPr id="6" name="Table 7">
+            <a:extLst>
+              <a:ext uri="{FF2B5EF4-FFF2-40B4-BE49-F238E27FC236}">
+                <a16:creationId xmlns:a16="http://schemas.microsoft.com/office/drawing/2014/main" id="{301514BB-9615-4DEF-AE11-B1A11DA64FFF}"/>
+              </a:ext>
+            </a:extLst>
+          </p:cNvPr>
+          <p:cNvGraphicFramePr>
+            <a:graphicFrameLocks noGrp="1"/>
+          </p:cNvGraphicFramePr>
+          <p:nvPr>
+            <p:ph idx="1"/>
+            <p:extLst>
+              <p:ext uri="{D42A27DB-BD31-4B8C-83A1-F6EECF244321}">
+                <p14:modId xmlns:p14="http://schemas.microsoft.com/office/powerpoint/2010/main" val="2973952733"/>
+              </p:ext>
+            </p:extLst>
+          </p:nvPr>
+        </p:nvGraphicFramePr>
+        <p:xfrm>
+          <a:off x="264160" y="2052638"/>
+          <a:ext cx="11531600" cy="1285240"/>
+        </p:xfrm>
+        <a:graphic>
+          <a:graphicData uri="http://schemas.openxmlformats.org/drawingml/2006/table">
+            <a:tbl>
+              <a:tblPr firstRow="1" bandRow="1">
+                <a:tableStyleId>{00A15C55-8517-42AA-B614-E9B94910E393}</a:tableStyleId>
+              </a:tblPr>
+              <a:tblGrid>
+                <a:gridCol w="1750025">
+                  <a:extLst>
+                    <a:ext uri="{9D8B030D-6E8A-4147-A177-3AD203B41FA5}">
+                      <a16:colId xmlns:a16="http://schemas.microsoft.com/office/drawing/2014/main" val="3121705944"/>
+                    </a:ext>
+                  </a:extLst>
+                </a:gridCol>
+                <a:gridCol w="1956315">
+                  <a:extLst>
+                    <a:ext uri="{9D8B030D-6E8A-4147-A177-3AD203B41FA5}">
+                      <a16:colId xmlns:a16="http://schemas.microsoft.com/office/drawing/2014/main" val="2611489422"/>
+                    </a:ext>
+                  </a:extLst>
+                </a:gridCol>
+                <a:gridCol w="1956315">
+                  <a:extLst>
+                    <a:ext uri="{9D8B030D-6E8A-4147-A177-3AD203B41FA5}">
+                      <a16:colId xmlns:a16="http://schemas.microsoft.com/office/drawing/2014/main" val="3881519547"/>
+                    </a:ext>
+                  </a:extLst>
+                </a:gridCol>
+                <a:gridCol w="1956315">
+                  <a:extLst>
+                    <a:ext uri="{9D8B030D-6E8A-4147-A177-3AD203B41FA5}">
+                      <a16:colId xmlns:a16="http://schemas.microsoft.com/office/drawing/2014/main" val="1634533729"/>
+                    </a:ext>
+                  </a:extLst>
+                </a:gridCol>
+                <a:gridCol w="1956315">
+                  <a:extLst>
+                    <a:ext uri="{9D8B030D-6E8A-4147-A177-3AD203B41FA5}">
+                      <a16:colId xmlns:a16="http://schemas.microsoft.com/office/drawing/2014/main" val="2633498846"/>
+                    </a:ext>
+                  </a:extLst>
+                </a:gridCol>
+                <a:gridCol w="1956315">
+                  <a:extLst>
+                    <a:ext uri="{9D8B030D-6E8A-4147-A177-3AD203B41FA5}">
+                      <a16:colId xmlns:a16="http://schemas.microsoft.com/office/drawing/2014/main" val="196431937"/>
+                    </a:ext>
+                  </a:extLst>
+                </a:gridCol>
+              </a:tblGrid>
+              <a:tr h="370840">
+                <a:tc>
+                  <a:txBody>
+                    <a:bodyPr/>
+                    <a:lstStyle/>
+                    <a:p>
+                      <a:r>
+                        <a:rPr lang="en-US" dirty="0"/>
+                        <a:t>Dataset characteristics</a:t>
+                      </a:r>
+                      <a:endParaRPr lang="en-ZA" dirty="0"/>
+                    </a:p>
+                  </a:txBody>
+                  <a:tcPr/>
+                </a:tc>
+                <a:tc>
+                  <a:txBody>
+                    <a:bodyPr/>
+                    <a:lstStyle/>
+                    <a:p>
+                      <a:r>
+                        <a:rPr lang="en-US" dirty="0"/>
+                        <a:t>Associated task</a:t>
+                      </a:r>
+                      <a:endParaRPr lang="en-ZA" dirty="0"/>
+                    </a:p>
+                  </a:txBody>
+                  <a:tcPr/>
+                </a:tc>
+                <a:tc>
+                  <a:txBody>
+                    <a:bodyPr/>
+                    <a:lstStyle/>
+                    <a:p>
+                      <a:r>
+                        <a:rPr lang="en-US" dirty="0"/>
+                        <a:t>Number of instances </a:t>
+                      </a:r>
+                      <a:endParaRPr lang="en-ZA" dirty="0"/>
+                    </a:p>
+                  </a:txBody>
+                  <a:tcPr/>
+                </a:tc>
+                <a:tc>
+                  <a:txBody>
+                    <a:bodyPr/>
+                    <a:lstStyle/>
+                    <a:p>
+                      <a:r>
+                        <a:rPr lang="en-US" dirty="0"/>
+                        <a:t>Number of attributes</a:t>
+                      </a:r>
+                      <a:endParaRPr lang="en-ZA" dirty="0"/>
+                    </a:p>
+                  </a:txBody>
+                  <a:tcPr/>
+                </a:tc>
+                <a:tc>
+                  <a:txBody>
+                    <a:bodyPr/>
+                    <a:lstStyle/>
+                    <a:p>
+                      <a:r>
+                        <a:rPr lang="en-US" dirty="0"/>
+                        <a:t>Area</a:t>
+                      </a:r>
+                      <a:endParaRPr lang="en-ZA" dirty="0"/>
+                    </a:p>
+                  </a:txBody>
+                  <a:tcPr/>
+                </a:tc>
+                <a:tc>
+                  <a:txBody>
+                    <a:bodyPr/>
+                    <a:lstStyle/>
+                    <a:p>
+                      <a:r>
+                        <a:rPr lang="en-US" dirty="0"/>
+                        <a:t>Missing values</a:t>
+                      </a:r>
+                      <a:endParaRPr lang="en-ZA" dirty="0"/>
+                    </a:p>
+                  </a:txBody>
+                  <a:tcPr/>
+                </a:tc>
+                <a:extLst>
+                  <a:ext uri="{0D108BD9-81ED-4DB2-BD59-A6C34878D82A}">
+                    <a16:rowId xmlns:a16="http://schemas.microsoft.com/office/drawing/2014/main" val="3908333198"/>
+                  </a:ext>
+                </a:extLst>
+              </a:tr>
+              <a:tr h="370840">
+                <a:tc>
+                  <a:txBody>
+                    <a:bodyPr/>
+                    <a:lstStyle/>
+                    <a:p>
+                      <a:r>
+                        <a:rPr lang="en-US" dirty="0"/>
+                        <a:t>Multivariate</a:t>
+                      </a:r>
+                      <a:endParaRPr lang="en-ZA" dirty="0"/>
+                    </a:p>
+                  </a:txBody>
+                  <a:tcPr/>
+                </a:tc>
+                <a:tc>
+                  <a:txBody>
+                    <a:bodyPr/>
+                    <a:lstStyle/>
+                    <a:p>
+                      <a:r>
+                        <a:rPr lang="en-US" dirty="0"/>
+                        <a:t>Classification</a:t>
+                      </a:r>
+                      <a:endParaRPr lang="en-ZA" dirty="0"/>
+                    </a:p>
+                  </a:txBody>
+                  <a:tcPr/>
+                </a:tc>
+                <a:tc>
+                  <a:txBody>
+                    <a:bodyPr/>
+                    <a:lstStyle/>
+                    <a:p>
+                      <a:r>
+                        <a:rPr lang="en-US" dirty="0"/>
+                        <a:t>59</a:t>
+                      </a:r>
+                      <a:endParaRPr lang="en-ZA" dirty="0"/>
+                    </a:p>
+                  </a:txBody>
+                  <a:tcPr/>
+                </a:tc>
+                <a:tc>
+                  <a:txBody>
+                    <a:bodyPr/>
+                    <a:lstStyle/>
+                    <a:p>
+                      <a:r>
+                        <a:rPr lang="en-US" dirty="0"/>
+                        <a:t>7</a:t>
+                      </a:r>
+                      <a:endParaRPr lang="en-ZA" dirty="0"/>
+                    </a:p>
+                  </a:txBody>
+                  <a:tcPr/>
+                </a:tc>
+                <a:tc>
+                  <a:txBody>
+                    <a:bodyPr/>
+                    <a:lstStyle/>
+                    <a:p>
+                      <a:r>
+                        <a:rPr lang="en-US" dirty="0"/>
+                        <a:t>Research</a:t>
+                      </a:r>
+                      <a:endParaRPr lang="en-ZA" dirty="0"/>
+                    </a:p>
+                  </a:txBody>
+                  <a:tcPr/>
+                </a:tc>
+                <a:tc>
+                  <a:txBody>
+                    <a:bodyPr/>
+                    <a:lstStyle/>
+                    <a:p>
+                      <a:r>
+                        <a:rPr lang="en-US" dirty="0"/>
+                        <a:t>N/A</a:t>
+                      </a:r>
+                      <a:endParaRPr lang="en-ZA" dirty="0"/>
+                    </a:p>
+                  </a:txBody>
+                  <a:tcPr/>
+                </a:tc>
+                <a:extLst>
+                  <a:ext uri="{0D108BD9-81ED-4DB2-BD59-A6C34878D82A}">
+                    <a16:rowId xmlns:a16="http://schemas.microsoft.com/office/drawing/2014/main" val="3834672741"/>
+                  </a:ext>
+                </a:extLst>
+              </a:tr>
+            </a:tbl>
+          </a:graphicData>
+        </a:graphic>
+      </p:graphicFrame>
     </p:spTree>
     <p:extLst>
       <p:ext uri="{BB962C8B-B14F-4D97-AF65-F5344CB8AC3E}">
@@ -10936,6 +10990,96 @@
           <p:cNvPr id="2" name="Title 1">
             <a:extLst>
               <a:ext uri="{FF2B5EF4-FFF2-40B4-BE49-F238E27FC236}">
+                <a16:creationId xmlns:a16="http://schemas.microsoft.com/office/drawing/2014/main" id="{DE12E43E-9598-454A-B5E1-E3B77315CD91}"/>
+              </a:ext>
+            </a:extLst>
+          </p:cNvPr>
+          <p:cNvSpPr>
+            <a:spLocks noGrp="1"/>
+          </p:cNvSpPr>
+          <p:nvPr>
+            <p:ph type="title"/>
+          </p:nvPr>
+        </p:nvSpPr>
+        <p:spPr/>
+        <p:txBody>
+          <a:bodyPr/>
+          <a:lstStyle/>
+          <a:p>
+            <a:r>
+              <a:rPr lang="en-US" dirty="0"/>
+              <a:t>Background &amp; Problem statement</a:t>
+            </a:r>
+            <a:endParaRPr lang="en-ZA" dirty="0"/>
+          </a:p>
+        </p:txBody>
+      </p:sp>
+      <p:sp>
+        <p:nvSpPr>
+          <p:cNvPr id="3" name="Content Placeholder 2">
+            <a:extLst>
+              <a:ext uri="{FF2B5EF4-FFF2-40B4-BE49-F238E27FC236}">
+                <a16:creationId xmlns:a16="http://schemas.microsoft.com/office/drawing/2014/main" id="{4C78FAA1-9142-4A56-929F-743EE7BA621F}"/>
+              </a:ext>
+            </a:extLst>
+          </p:cNvPr>
+          <p:cNvSpPr>
+            <a:spLocks noGrp="1"/>
+          </p:cNvSpPr>
+          <p:nvPr>
+            <p:ph idx="1"/>
+          </p:nvPr>
+        </p:nvSpPr>
+        <p:spPr/>
+        <p:txBody>
+          <a:bodyPr/>
+          <a:lstStyle/>
+          <a:p>
+            <a:endParaRPr lang="en-US" dirty="0"/>
+          </a:p>
+          <a:p>
+            <a:r>
+              <a:rPr lang="en-US" dirty="0"/>
+              <a:t>Try to show a scatter plot for fruits classification</a:t>
+            </a:r>
+          </a:p>
+        </p:txBody>
+      </p:sp>
+    </p:spTree>
+    <p:extLst>
+      <p:ext uri="{BB962C8B-B14F-4D97-AF65-F5344CB8AC3E}">
+        <p14:creationId xmlns:p14="http://schemas.microsoft.com/office/powerpoint/2010/main" val="3773742378"/>
+      </p:ext>
+    </p:extLst>
+  </p:cSld>
+  <p:clrMapOvr>
+    <a:masterClrMapping/>
+  </p:clrMapOvr>
+</p:sld>
+</file>
+
+<file path=ppt/slides/slide6.xml><?xml version="1.0" encoding="utf-8"?>
+<p:sld xmlns:a="http://schemas.openxmlformats.org/drawingml/2006/main" xmlns:r="http://schemas.openxmlformats.org/officeDocument/2006/relationships" xmlns:p="http://schemas.openxmlformats.org/presentationml/2006/main">
+  <p:cSld>
+    <p:spTree>
+      <p:nvGrpSpPr>
+        <p:cNvPr id="1" name=""/>
+        <p:cNvGrpSpPr/>
+        <p:nvPr/>
+      </p:nvGrpSpPr>
+      <p:grpSpPr>
+        <a:xfrm>
+          <a:off x="0" y="0"/>
+          <a:ext cx="0" cy="0"/>
+          <a:chOff x="0" y="0"/>
+          <a:chExt cx="0" cy="0"/>
+        </a:xfrm>
+      </p:grpSpPr>
+      <p:sp>
+        <p:nvSpPr>
+          <p:cNvPr id="2" name="Title 1">
+            <a:extLst>
+              <a:ext uri="{FF2B5EF4-FFF2-40B4-BE49-F238E27FC236}">
                 <a16:creationId xmlns:a16="http://schemas.microsoft.com/office/drawing/2014/main" id="{CF006D6D-367D-48E2-AB87-25FABA523C12}"/>
               </a:ext>
             </a:extLst>
@@ -11107,6 +11251,12 @@
               <a:rPr lang="en-US" sz="4400" dirty="0"/>
               <a:t>Exploratory Data Analysis</a:t>
             </a:r>
+          </a:p>
+          <a:p>
+            <a:r>
+              <a:rPr lang="en-US" sz="1600" dirty="0"/>
+              <a:t>Data wrangling</a:t>
+            </a:r>
             <a:br>
               <a:rPr lang="en-US" sz="4400" dirty="0"/>
             </a:br>
@@ -11214,12 +11364,30 @@
             </a:lvl9pPr>
           </a:lstStyle>
           <a:p>
+            <a:pPr marL="342900" indent="-342900">
+              <a:buFont typeface="Arial" panose="020B0604020202020204" pitchFamily="34" charset="0"/>
+              <a:buChar char="•"/>
+            </a:pPr>
             <a:r>
               <a:rPr lang="en-US" sz="2400" dirty="0"/>
-              <a:t>No Missing values</a:t>
-            </a:r>
-          </a:p>
-          <a:p>
+              <a:t>Data was very clean, No missing values, in tidy format</a:t>
+            </a:r>
+          </a:p>
+          <a:p>
+            <a:pPr marL="342900" indent="-342900">
+              <a:buFont typeface="Arial" panose="020B0604020202020204" pitchFamily="34" charset="0"/>
+              <a:buChar char="•"/>
+            </a:pPr>
+            <a:r>
+              <a:rPr lang="en-US" sz="2400" dirty="0"/>
+              <a:t>Preprocessing preparing the data for modeling</a:t>
+            </a:r>
+          </a:p>
+          <a:p>
+            <a:pPr marL="342900" indent="-342900">
+              <a:buFont typeface="Arial" panose="020B0604020202020204" pitchFamily="34" charset="0"/>
+              <a:buChar char="•"/>
+            </a:pPr>
             <a:endParaRPr lang="en-US" sz="2400" dirty="0"/>
           </a:p>
           <a:p>
@@ -11227,38 +11395,48 @@
               <a:rPr lang="en-US" sz="2400" u="sng" dirty="0"/>
               <a:t>Approach to impute for future reference</a:t>
             </a:r>
-          </a:p>
-          <a:p>
             <a:endParaRPr lang="en-ZA" sz="2400" u="sng" dirty="0"/>
           </a:p>
           <a:p>
-            <a:r>
-              <a:rPr lang="en-ZA" sz="2400" dirty="0"/>
+            <a:pPr marL="342900" indent="-342900">
+              <a:buFont typeface="Arial" panose="020B0604020202020204" pitchFamily="34" charset="0"/>
+              <a:buChar char="•"/>
+            </a:pPr>
+            <a:r>
+              <a:rPr lang="en-ZA" sz="2000" dirty="0"/>
               <a:t>Categorical base imputer</a:t>
             </a:r>
           </a:p>
           <a:p>
-            <a:r>
-              <a:rPr lang="en-ZA" sz="2400" dirty="0"/>
+            <a:pPr marL="342900" indent="-342900">
+              <a:buFont typeface="Arial" panose="020B0604020202020204" pitchFamily="34" charset="0"/>
+              <a:buChar char="•"/>
+            </a:pPr>
+            <a:r>
+              <a:rPr lang="en-ZA" sz="2000" dirty="0"/>
               <a:t>Mean imputer</a:t>
             </a:r>
           </a:p>
           <a:p>
-            <a:r>
-              <a:rPr lang="en-ZA" sz="2400" dirty="0"/>
+            <a:pPr marL="342900" indent="-342900">
+              <a:buFont typeface="Arial" panose="020B0604020202020204" pitchFamily="34" charset="0"/>
+              <a:buChar char="•"/>
+            </a:pPr>
+            <a:r>
+              <a:rPr lang="en-ZA" sz="2000" dirty="0"/>
               <a:t>Median imputer</a:t>
             </a:r>
           </a:p>
           <a:p>
-            <a:r>
-              <a:rPr lang="en-ZA" sz="2400" dirty="0"/>
-              <a:t>Drop </a:t>
-            </a:r>
-            <a:r>
-              <a:rPr lang="en-ZA" sz="2400" dirty="0" err="1"/>
-              <a:t>na</a:t>
-            </a:r>
-            <a:endParaRPr lang="en-US" sz="2400" dirty="0"/>
+            <a:pPr marL="342900" indent="-342900">
+              <a:buFont typeface="Arial" panose="020B0604020202020204" pitchFamily="34" charset="0"/>
+              <a:buChar char="•"/>
+            </a:pPr>
+            <a:r>
+              <a:rPr lang="en-ZA" sz="2000" dirty="0"/>
+              <a:t>Drop columns or rows with NA’s</a:t>
+            </a:r>
+            <a:endParaRPr lang="en-US" sz="2000" dirty="0"/>
           </a:p>
         </p:txBody>
       </p:sp>
@@ -11275,7 +11453,7 @@
 </p:sld>
 </file>
 
-<file path=ppt/slides/slide6.xml><?xml version="1.0" encoding="utf-8"?>
+<file path=ppt/slides/slide7.xml><?xml version="1.0" encoding="utf-8"?>
 <p:sld xmlns:a="http://schemas.openxmlformats.org/drawingml/2006/main" xmlns:r="http://schemas.openxmlformats.org/officeDocument/2006/relationships" xmlns:p="http://schemas.openxmlformats.org/presentationml/2006/main">
   <p:cSld>
     <p:spTree>
@@ -11463,7 +11641,7 @@
           <a:p>
             <a:r>
               <a:rPr lang="en-US" sz="2400" dirty="0"/>
-              <a:t>Descriptive Statistics</a:t>
+              <a:t>Descriptive Statistics (Numerical)</a:t>
             </a:r>
             <a:br>
               <a:rPr lang="en-US" sz="4400" dirty="0"/>
@@ -11583,366 +11761,6 @@
     <p:extLst>
       <p:ext uri="{BB962C8B-B14F-4D97-AF65-F5344CB8AC3E}">
         <p14:creationId xmlns:p14="http://schemas.microsoft.com/office/powerpoint/2010/main" val="4138765640"/>
-      </p:ext>
-    </p:extLst>
-  </p:cSld>
-  <p:clrMapOvr>
-    <a:masterClrMapping/>
-  </p:clrMapOvr>
-</p:sld>
-</file>
-
-<file path=ppt/slides/slide7.xml><?xml version="1.0" encoding="utf-8"?>
-<p:sld xmlns:a="http://schemas.openxmlformats.org/drawingml/2006/main" xmlns:r="http://schemas.openxmlformats.org/officeDocument/2006/relationships" xmlns:p="http://schemas.openxmlformats.org/presentationml/2006/main">
-  <p:cSld>
-    <p:spTree>
-      <p:nvGrpSpPr>
-        <p:cNvPr id="1" name=""/>
-        <p:cNvGrpSpPr/>
-        <p:nvPr/>
-      </p:nvGrpSpPr>
-      <p:grpSpPr>
-        <a:xfrm>
-          <a:off x="0" y="0"/>
-          <a:ext cx="0" cy="0"/>
-          <a:chOff x="0" y="0"/>
-          <a:chExt cx="0" cy="0"/>
-        </a:xfrm>
-      </p:grpSpPr>
-      <p:sp>
-        <p:nvSpPr>
-          <p:cNvPr id="4" name="Title 1">
-            <a:extLst>
-              <a:ext uri="{FF2B5EF4-FFF2-40B4-BE49-F238E27FC236}">
-                <a16:creationId xmlns:a16="http://schemas.microsoft.com/office/drawing/2014/main" id="{7FF5BD98-F94E-4E14-8BB6-CA9825419188}"/>
-              </a:ext>
-            </a:extLst>
-          </p:cNvPr>
-          <p:cNvSpPr>
-            <a:spLocks noGrp="1"/>
-          </p:cNvSpPr>
-          <p:nvPr>
-            <p:ph type="title"/>
-          </p:nvPr>
-        </p:nvSpPr>
-        <p:spPr>
-          <a:xfrm>
-            <a:off x="646113" y="452438"/>
-            <a:ext cx="9404350" cy="1400175"/>
-          </a:xfrm>
-        </p:spPr>
-        <p:txBody>
-          <a:bodyPr/>
-          <a:lstStyle/>
-          <a:p>
-            <a:r>
-              <a:rPr lang="en-US" sz="4000" dirty="0"/>
-              <a:t>Exploratory Data Analysis</a:t>
-            </a:r>
-            <a:endParaRPr lang="en-ZA" dirty="0"/>
-          </a:p>
-        </p:txBody>
-      </p:sp>
-      <p:sp>
-        <p:nvSpPr>
-          <p:cNvPr id="5" name="Title 1">
-            <a:extLst>
-              <a:ext uri="{FF2B5EF4-FFF2-40B4-BE49-F238E27FC236}">
-                <a16:creationId xmlns:a16="http://schemas.microsoft.com/office/drawing/2014/main" id="{543ECB04-8506-41C8-87FC-6FA78A242129}"/>
-              </a:ext>
-            </a:extLst>
-          </p:cNvPr>
-          <p:cNvSpPr txBox="1">
-            <a:spLocks/>
-          </p:cNvSpPr>
-          <p:nvPr/>
-        </p:nvSpPr>
-        <p:spPr>
-          <a:xfrm>
-            <a:off x="798511" y="1489038"/>
-            <a:ext cx="9404723" cy="979842"/>
-          </a:xfrm>
-          <a:prstGeom prst="rect">
-            <a:avLst/>
-          </a:prstGeom>
-        </p:spPr>
-        <p:txBody>
-          <a:bodyPr vert="horz" lIns="91440" tIns="45720" rIns="91440" bIns="45720" rtlCol="0" anchor="t">
-            <a:noAutofit/>
-          </a:bodyPr>
-          <a:lstStyle>
-            <a:lvl1pPr algn="l" defTabSz="457200" rtl="0" eaLnBrk="1" latinLnBrk="0" hangingPunct="1">
-              <a:spcBef>
-                <a:spcPct val="0"/>
-              </a:spcBef>
-              <a:buNone/>
-              <a:defRPr sz="4200" b="0" i="0" kern="1200">
-                <a:solidFill>
-                  <a:schemeClr val="tx2"/>
-                </a:solidFill>
-                <a:latin typeface="+mj-lt"/>
-                <a:ea typeface="+mj-ea"/>
-                <a:cs typeface="+mj-cs"/>
-              </a:defRPr>
-            </a:lvl1pPr>
-            <a:lvl2pPr eaLnBrk="1" hangingPunct="1">
-              <a:defRPr>
-                <a:solidFill>
-                  <a:schemeClr val="tx2"/>
-                </a:solidFill>
-              </a:defRPr>
-            </a:lvl2pPr>
-            <a:lvl3pPr eaLnBrk="1" hangingPunct="1">
-              <a:defRPr>
-                <a:solidFill>
-                  <a:schemeClr val="tx2"/>
-                </a:solidFill>
-              </a:defRPr>
-            </a:lvl3pPr>
-            <a:lvl4pPr eaLnBrk="1" hangingPunct="1">
-              <a:defRPr>
-                <a:solidFill>
-                  <a:schemeClr val="tx2"/>
-                </a:solidFill>
-              </a:defRPr>
-            </a:lvl4pPr>
-            <a:lvl5pPr eaLnBrk="1" hangingPunct="1">
-              <a:defRPr>
-                <a:solidFill>
-                  <a:schemeClr val="tx2"/>
-                </a:solidFill>
-              </a:defRPr>
-            </a:lvl5pPr>
-            <a:lvl6pPr eaLnBrk="1" hangingPunct="1">
-              <a:defRPr>
-                <a:solidFill>
-                  <a:schemeClr val="tx2"/>
-                </a:solidFill>
-              </a:defRPr>
-            </a:lvl6pPr>
-            <a:lvl7pPr eaLnBrk="1" hangingPunct="1">
-              <a:defRPr>
-                <a:solidFill>
-                  <a:schemeClr val="tx2"/>
-                </a:solidFill>
-              </a:defRPr>
-            </a:lvl7pPr>
-            <a:lvl8pPr eaLnBrk="1" hangingPunct="1">
-              <a:defRPr>
-                <a:solidFill>
-                  <a:schemeClr val="tx2"/>
-                </a:solidFill>
-              </a:defRPr>
-            </a:lvl8pPr>
-            <a:lvl9pPr eaLnBrk="1" hangingPunct="1">
-              <a:defRPr>
-                <a:solidFill>
-                  <a:schemeClr val="tx2"/>
-                </a:solidFill>
-              </a:defRPr>
-            </a:lvl9pPr>
-          </a:lstStyle>
-          <a:p>
-            <a:r>
-              <a:rPr lang="en-US" sz="2400" dirty="0"/>
-              <a:t>Data balance</a:t>
-            </a:r>
-            <a:br>
-              <a:rPr lang="en-US" sz="4400" dirty="0"/>
-            </a:br>
-            <a:endParaRPr lang="en-ZA" dirty="0"/>
-          </a:p>
-        </p:txBody>
-      </p:sp>
-      <p:pic>
-        <p:nvPicPr>
-          <p:cNvPr id="8" name="Content Placeholder 7" descr="Chart, pie chart&#10;&#10;Description automatically generated">
-            <a:extLst>
-              <a:ext uri="{FF2B5EF4-FFF2-40B4-BE49-F238E27FC236}">
-                <a16:creationId xmlns:a16="http://schemas.microsoft.com/office/drawing/2014/main" id="{2B939374-5EBA-4323-8A04-8D351B8C5B2D}"/>
-              </a:ext>
-            </a:extLst>
-          </p:cNvPr>
-          <p:cNvPicPr>
-            <a:picLocks noGrp="1" noChangeAspect="1"/>
-          </p:cNvPicPr>
-          <p:nvPr>
-            <p:ph idx="1"/>
-          </p:nvPr>
-        </p:nvPicPr>
-        <p:blipFill>
-          <a:blip r:embed="rId2">
-            <a:extLst>
-              <a:ext uri="{28A0092B-C50C-407E-A947-70E740481C1C}">
-                <a14:useLocalDpi xmlns:a14="http://schemas.microsoft.com/office/drawing/2010/main" val="0"/>
-              </a:ext>
-            </a:extLst>
-          </a:blip>
-          <a:stretch>
-            <a:fillRect/>
-          </a:stretch>
-        </p:blipFill>
-        <p:spPr>
-          <a:xfrm>
-            <a:off x="288758" y="2052638"/>
-            <a:ext cx="7806089" cy="4195762"/>
-          </a:xfrm>
-        </p:spPr>
-      </p:pic>
-      <p:sp>
-        <p:nvSpPr>
-          <p:cNvPr id="9" name="Title 1">
-            <a:extLst>
-              <a:ext uri="{FF2B5EF4-FFF2-40B4-BE49-F238E27FC236}">
-                <a16:creationId xmlns:a16="http://schemas.microsoft.com/office/drawing/2014/main" id="{F05F1C7F-30A2-4F8A-90FD-D4C317E29A56}"/>
-              </a:ext>
-            </a:extLst>
-          </p:cNvPr>
-          <p:cNvSpPr txBox="1">
-            <a:spLocks/>
-          </p:cNvSpPr>
-          <p:nvPr/>
-        </p:nvSpPr>
-        <p:spPr>
-          <a:xfrm>
-            <a:off x="8296976" y="2941816"/>
-            <a:ext cx="3166711" cy="979842"/>
-          </a:xfrm>
-          <a:prstGeom prst="rect">
-            <a:avLst/>
-          </a:prstGeom>
-        </p:spPr>
-        <p:txBody>
-          <a:bodyPr vert="horz" lIns="91440" tIns="45720" rIns="91440" bIns="45720" rtlCol="0" anchor="t">
-            <a:noAutofit/>
-          </a:bodyPr>
-          <a:lstStyle>
-            <a:lvl1pPr algn="l" defTabSz="457200" rtl="0" eaLnBrk="1" latinLnBrk="0" hangingPunct="1">
-              <a:spcBef>
-                <a:spcPct val="0"/>
-              </a:spcBef>
-              <a:buNone/>
-              <a:defRPr sz="4200" b="0" i="0" kern="1200">
-                <a:solidFill>
-                  <a:schemeClr val="tx2"/>
-                </a:solidFill>
-                <a:latin typeface="+mj-lt"/>
-                <a:ea typeface="+mj-ea"/>
-                <a:cs typeface="+mj-cs"/>
-              </a:defRPr>
-            </a:lvl1pPr>
-            <a:lvl2pPr eaLnBrk="1" hangingPunct="1">
-              <a:defRPr>
-                <a:solidFill>
-                  <a:schemeClr val="tx2"/>
-                </a:solidFill>
-              </a:defRPr>
-            </a:lvl2pPr>
-            <a:lvl3pPr eaLnBrk="1" hangingPunct="1">
-              <a:defRPr>
-                <a:solidFill>
-                  <a:schemeClr val="tx2"/>
-                </a:solidFill>
-              </a:defRPr>
-            </a:lvl3pPr>
-            <a:lvl4pPr eaLnBrk="1" hangingPunct="1">
-              <a:defRPr>
-                <a:solidFill>
-                  <a:schemeClr val="tx2"/>
-                </a:solidFill>
-              </a:defRPr>
-            </a:lvl4pPr>
-            <a:lvl5pPr eaLnBrk="1" hangingPunct="1">
-              <a:defRPr>
-                <a:solidFill>
-                  <a:schemeClr val="tx2"/>
-                </a:solidFill>
-              </a:defRPr>
-            </a:lvl5pPr>
-            <a:lvl6pPr eaLnBrk="1" hangingPunct="1">
-              <a:defRPr>
-                <a:solidFill>
-                  <a:schemeClr val="tx2"/>
-                </a:solidFill>
-              </a:defRPr>
-            </a:lvl6pPr>
-            <a:lvl7pPr eaLnBrk="1" hangingPunct="1">
-              <a:defRPr>
-                <a:solidFill>
-                  <a:schemeClr val="tx2"/>
-                </a:solidFill>
-              </a:defRPr>
-            </a:lvl7pPr>
-            <a:lvl8pPr eaLnBrk="1" hangingPunct="1">
-              <a:defRPr>
-                <a:solidFill>
-                  <a:schemeClr val="tx2"/>
-                </a:solidFill>
-              </a:defRPr>
-            </a:lvl8pPr>
-            <a:lvl9pPr eaLnBrk="1" hangingPunct="1">
-              <a:defRPr>
-                <a:solidFill>
-                  <a:schemeClr val="tx2"/>
-                </a:solidFill>
-              </a:defRPr>
-            </a:lvl9pPr>
-          </a:lstStyle>
-          <a:p>
-            <a:br>
-              <a:rPr lang="en-US" sz="4400" dirty="0"/>
-            </a:br>
-            <a:endParaRPr lang="en-ZA" dirty="0"/>
-          </a:p>
-        </p:txBody>
-      </p:sp>
-      <p:sp>
-        <p:nvSpPr>
-          <p:cNvPr id="10" name="Rectangle 9">
-            <a:extLst>
-              <a:ext uri="{FF2B5EF4-FFF2-40B4-BE49-F238E27FC236}">
-                <a16:creationId xmlns:a16="http://schemas.microsoft.com/office/drawing/2014/main" id="{A2BDEDF0-0882-4270-9257-49E9BB5ACA8E}"/>
-              </a:ext>
-            </a:extLst>
-          </p:cNvPr>
-          <p:cNvSpPr/>
-          <p:nvPr/>
-        </p:nvSpPr>
-        <p:spPr>
-          <a:xfrm>
-            <a:off x="8441356" y="2889212"/>
-            <a:ext cx="3643862" cy="1754326"/>
-          </a:xfrm>
-          <a:prstGeom prst="rect">
-            <a:avLst/>
-          </a:prstGeom>
-        </p:spPr>
-        <p:txBody>
-          <a:bodyPr wrap="square">
-            <a:spAutoFit/>
-          </a:bodyPr>
-          <a:lstStyle/>
-          <a:p>
-            <a:r>
-              <a:rPr lang="en-ZA" dirty="0"/>
-              <a:t>The data is pretty much balanced except mandarin</a:t>
-            </a:r>
-          </a:p>
-          <a:p>
-            <a:endParaRPr lang="en-ZA" dirty="0"/>
-          </a:p>
-          <a:p>
-            <a:r>
-              <a:rPr lang="en-ZA" dirty="0"/>
-              <a:t>To also improve the model performance. The target variable must be balanced</a:t>
-            </a:r>
-          </a:p>
-        </p:txBody>
-      </p:sp>
-    </p:spTree>
-    <p:extLst>
-      <p:ext uri="{BB962C8B-B14F-4D97-AF65-F5344CB8AC3E}">
-        <p14:creationId xmlns:p14="http://schemas.microsoft.com/office/powerpoint/2010/main" val="2506122477"/>
       </p:ext>
     </p:extLst>
   </p:cSld>
@@ -12105,7 +11923,7 @@
           <a:p>
             <a:r>
               <a:rPr lang="en-US" sz="2400" dirty="0"/>
-              <a:t>Feature distribution</a:t>
+              <a:t>Balance or Imbalance dataset</a:t>
             </a:r>
             <a:br>
               <a:rPr lang="en-US" sz="4400" dirty="0"/>
@@ -12116,10 +11934,10 @@
       </p:sp>
       <p:pic>
         <p:nvPicPr>
-          <p:cNvPr id="8" name="Content Placeholder 7" descr="Chart&#10;&#10;Description automatically generated">
+          <p:cNvPr id="8" name="Content Placeholder 7" descr="Chart, pie chart&#10;&#10;Description automatically generated">
             <a:extLst>
               <a:ext uri="{FF2B5EF4-FFF2-40B4-BE49-F238E27FC236}">
-                <a16:creationId xmlns:a16="http://schemas.microsoft.com/office/drawing/2014/main" id="{C1DC3252-A328-45E5-B61C-3F81B93B4BE6}"/>
+                <a16:creationId xmlns:a16="http://schemas.microsoft.com/office/drawing/2014/main" id="{2B939374-5EBA-4323-8A04-8D351B8C5B2D}"/>
               </a:ext>
             </a:extLst>
           </p:cNvPr>
@@ -12144,17 +11962,124 @@
         </p:blipFill>
         <p:spPr>
           <a:xfrm>
-            <a:off x="95726" y="1945594"/>
-            <a:ext cx="6538753" cy="4627926"/>
+            <a:off x="288758" y="2052638"/>
+            <a:ext cx="7806089" cy="4195762"/>
           </a:xfrm>
         </p:spPr>
       </p:pic>
       <p:sp>
         <p:nvSpPr>
-          <p:cNvPr id="12" name="Rectangle: Rounded Corners 11">
+          <p:cNvPr id="9" name="Title 1">
             <a:extLst>
               <a:ext uri="{FF2B5EF4-FFF2-40B4-BE49-F238E27FC236}">
-                <a16:creationId xmlns:a16="http://schemas.microsoft.com/office/drawing/2014/main" id="{3E88DA4E-BA97-4812-B59D-212ADF078B05}"/>
+                <a16:creationId xmlns:a16="http://schemas.microsoft.com/office/drawing/2014/main" id="{F05F1C7F-30A2-4F8A-90FD-D4C317E29A56}"/>
+              </a:ext>
+            </a:extLst>
+          </p:cNvPr>
+          <p:cNvSpPr txBox="1">
+            <a:spLocks/>
+          </p:cNvSpPr>
+          <p:nvPr/>
+        </p:nvSpPr>
+        <p:spPr>
+          <a:xfrm>
+            <a:off x="8296976" y="2941816"/>
+            <a:ext cx="3166711" cy="979842"/>
+          </a:xfrm>
+          <a:prstGeom prst="rect">
+            <a:avLst/>
+          </a:prstGeom>
+        </p:spPr>
+        <p:txBody>
+          <a:bodyPr vert="horz" lIns="91440" tIns="45720" rIns="91440" bIns="45720" rtlCol="0" anchor="t">
+            <a:noAutofit/>
+          </a:bodyPr>
+          <a:lstStyle>
+            <a:lvl1pPr algn="l" defTabSz="457200" rtl="0" eaLnBrk="1" latinLnBrk="0" hangingPunct="1">
+              <a:spcBef>
+                <a:spcPct val="0"/>
+              </a:spcBef>
+              <a:buNone/>
+              <a:defRPr sz="4200" b="0" i="0" kern="1200">
+                <a:solidFill>
+                  <a:schemeClr val="tx2"/>
+                </a:solidFill>
+                <a:latin typeface="+mj-lt"/>
+                <a:ea typeface="+mj-ea"/>
+                <a:cs typeface="+mj-cs"/>
+              </a:defRPr>
+            </a:lvl1pPr>
+            <a:lvl2pPr eaLnBrk="1" hangingPunct="1">
+              <a:defRPr>
+                <a:solidFill>
+                  <a:schemeClr val="tx2"/>
+                </a:solidFill>
+              </a:defRPr>
+            </a:lvl2pPr>
+            <a:lvl3pPr eaLnBrk="1" hangingPunct="1">
+              <a:defRPr>
+                <a:solidFill>
+                  <a:schemeClr val="tx2"/>
+                </a:solidFill>
+              </a:defRPr>
+            </a:lvl3pPr>
+            <a:lvl4pPr eaLnBrk="1" hangingPunct="1">
+              <a:defRPr>
+                <a:solidFill>
+                  <a:schemeClr val="tx2"/>
+                </a:solidFill>
+              </a:defRPr>
+            </a:lvl4pPr>
+            <a:lvl5pPr eaLnBrk="1" hangingPunct="1">
+              <a:defRPr>
+                <a:solidFill>
+                  <a:schemeClr val="tx2"/>
+                </a:solidFill>
+              </a:defRPr>
+            </a:lvl5pPr>
+            <a:lvl6pPr eaLnBrk="1" hangingPunct="1">
+              <a:defRPr>
+                <a:solidFill>
+                  <a:schemeClr val="tx2"/>
+                </a:solidFill>
+              </a:defRPr>
+            </a:lvl6pPr>
+            <a:lvl7pPr eaLnBrk="1" hangingPunct="1">
+              <a:defRPr>
+                <a:solidFill>
+                  <a:schemeClr val="tx2"/>
+                </a:solidFill>
+              </a:defRPr>
+            </a:lvl7pPr>
+            <a:lvl8pPr eaLnBrk="1" hangingPunct="1">
+              <a:defRPr>
+                <a:solidFill>
+                  <a:schemeClr val="tx2"/>
+                </a:solidFill>
+              </a:defRPr>
+            </a:lvl8pPr>
+            <a:lvl9pPr eaLnBrk="1" hangingPunct="1">
+              <a:defRPr>
+                <a:solidFill>
+                  <a:schemeClr val="tx2"/>
+                </a:solidFill>
+              </a:defRPr>
+            </a:lvl9pPr>
+          </a:lstStyle>
+          <a:p>
+            <a:br>
+              <a:rPr lang="en-US" sz="4400" dirty="0"/>
+            </a:br>
+            <a:endParaRPr lang="en-ZA" dirty="0"/>
+          </a:p>
+        </p:txBody>
+      </p:sp>
+      <p:sp>
+        <p:nvSpPr>
+          <p:cNvPr id="10" name="Rectangle 9">
+            <a:extLst>
+              <a:ext uri="{FF2B5EF4-FFF2-40B4-BE49-F238E27FC236}">
+                <a16:creationId xmlns:a16="http://schemas.microsoft.com/office/drawing/2014/main" id="{A2BDEDF0-0882-4270-9257-49E9BB5ACA8E}"/>
               </a:ext>
             </a:extLst>
           </p:cNvPr>
@@ -12163,37 +12088,22 @@
         </p:nvSpPr>
         <p:spPr>
           <a:xfrm>
-            <a:off x="7430703" y="2541447"/>
-            <a:ext cx="3686476" cy="3436219"/>
+            <a:off x="8441356" y="2889212"/>
+            <a:ext cx="3643862" cy="646331"/>
           </a:xfrm>
-          <a:prstGeom prst="roundRect">
+          <a:prstGeom prst="rect">
             <a:avLst/>
           </a:prstGeom>
         </p:spPr>
-        <p:style>
-          <a:lnRef idx="2">
-            <a:schemeClr val="accent1">
-              <a:shade val="50000"/>
-            </a:schemeClr>
-          </a:lnRef>
-          <a:fillRef idx="1">
-            <a:schemeClr val="accent1"/>
-          </a:fillRef>
-          <a:effectRef idx="0">
-            <a:schemeClr val="accent1"/>
-          </a:effectRef>
-          <a:fontRef idx="minor">
-            <a:schemeClr val="lt1"/>
-          </a:fontRef>
-        </p:style>
-        <p:txBody>
-          <a:bodyPr rtlCol="0" anchor="ctr"/>
+        <p:txBody>
+          <a:bodyPr wrap="square">
+            <a:spAutoFit/>
+          </a:bodyPr>
           <a:lstStyle/>
           <a:p>
-            <a:pPr algn="ctr"/>
             <a:r>
               <a:rPr lang="en-ZA" dirty="0"/>
-              <a:t>Some pairs of attributes are correlated (mass and width). This suggests a high correlation and a predictable relationship. Thus a presence of multicollinearity</a:t>
+              <a:t>The data is pretty much balanced except mandarin</a:t>
             </a:r>
           </a:p>
         </p:txBody>
@@ -12201,7 +12111,7 @@
     </p:spTree>
     <p:extLst>
       <p:ext uri="{BB962C8B-B14F-4D97-AF65-F5344CB8AC3E}">
-        <p14:creationId xmlns:p14="http://schemas.microsoft.com/office/powerpoint/2010/main" val="3682224507"/>
+        <p14:creationId xmlns:p14="http://schemas.microsoft.com/office/powerpoint/2010/main" val="2506122477"/>
       </p:ext>
     </p:extLst>
   </p:cSld>
@@ -12364,7 +12274,7 @@
           <a:p>
             <a:r>
               <a:rPr lang="en-US" sz="2400" dirty="0"/>
-              <a:t>Feature correlation</a:t>
+              <a:t>Numerical Feature distribution</a:t>
             </a:r>
             <a:br>
               <a:rPr lang="en-US" sz="4400" dirty="0"/>
@@ -12375,10 +12285,10 @@
       </p:sp>
       <p:pic>
         <p:nvPicPr>
-          <p:cNvPr id="7" name="Content Placeholder 6" descr="A picture containing chart&#10;&#10;Description automatically generated">
+          <p:cNvPr id="8" name="Content Placeholder 7" descr="Chart&#10;&#10;Description automatically generated">
             <a:extLst>
               <a:ext uri="{FF2B5EF4-FFF2-40B4-BE49-F238E27FC236}">
-                <a16:creationId xmlns:a16="http://schemas.microsoft.com/office/drawing/2014/main" id="{D1D9157C-FC9C-446B-A047-1D4F54662278}"/>
+                <a16:creationId xmlns:a16="http://schemas.microsoft.com/office/drawing/2014/main" id="{C1DC3252-A328-45E5-B61C-3F81B93B4BE6}"/>
               </a:ext>
             </a:extLst>
           </p:cNvPr>
@@ -12403,15 +12313,64 @@
         </p:blipFill>
         <p:spPr>
           <a:xfrm>
-            <a:off x="646113" y="2052638"/>
-            <a:ext cx="8360354" cy="4195762"/>
+            <a:off x="95726" y="1945594"/>
+            <a:ext cx="6538753" cy="4627926"/>
           </a:xfrm>
         </p:spPr>
       </p:pic>
+      <p:sp>
+        <p:nvSpPr>
+          <p:cNvPr id="12" name="Rectangle: Rounded Corners 11">
+            <a:extLst>
+              <a:ext uri="{FF2B5EF4-FFF2-40B4-BE49-F238E27FC236}">
+                <a16:creationId xmlns:a16="http://schemas.microsoft.com/office/drawing/2014/main" id="{3E88DA4E-BA97-4812-B59D-212ADF078B05}"/>
+              </a:ext>
+            </a:extLst>
+          </p:cNvPr>
+          <p:cNvSpPr/>
+          <p:nvPr/>
+        </p:nvSpPr>
+        <p:spPr>
+          <a:xfrm>
+            <a:off x="7430703" y="2541447"/>
+            <a:ext cx="3686476" cy="3436219"/>
+          </a:xfrm>
+          <a:prstGeom prst="roundRect">
+            <a:avLst/>
+          </a:prstGeom>
+        </p:spPr>
+        <p:style>
+          <a:lnRef idx="2">
+            <a:schemeClr val="accent1">
+              <a:shade val="50000"/>
+            </a:schemeClr>
+          </a:lnRef>
+          <a:fillRef idx="1">
+            <a:schemeClr val="accent1"/>
+          </a:fillRef>
+          <a:effectRef idx="0">
+            <a:schemeClr val="accent1"/>
+          </a:effectRef>
+          <a:fontRef idx="minor">
+            <a:schemeClr val="lt1"/>
+          </a:fontRef>
+        </p:style>
+        <p:txBody>
+          <a:bodyPr rtlCol="0" anchor="ctr"/>
+          <a:lstStyle/>
+          <a:p>
+            <a:pPr algn="ctr"/>
+            <a:r>
+              <a:rPr lang="en-ZA" dirty="0"/>
+              <a:t>Some pairs of attributes are correlated (mass and width). This suggests a high correlation and a predictable relationship. Thus a presence of multicollinearity</a:t>
+            </a:r>
+          </a:p>
+        </p:txBody>
+      </p:sp>
     </p:spTree>
     <p:extLst>
       <p:ext uri="{BB962C8B-B14F-4D97-AF65-F5344CB8AC3E}">
-        <p14:creationId xmlns:p14="http://schemas.microsoft.com/office/powerpoint/2010/main" val="3082913842"/>
+        <p14:creationId xmlns:p14="http://schemas.microsoft.com/office/powerpoint/2010/main" val="3682224507"/>
       </p:ext>
     </p:extLst>
   </p:cSld>
@@ -12688,6 +12647,11 @@
 </file>
 
 <file path=customXml/item1.xml><?xml version="1.0" encoding="utf-8"?>
+<?mso-contentType ?>
+<SharedContentType xmlns="Microsoft.SharePoint.Taxonomy.ContentTypeSync" SourceId="f436eb5e-c63d-4189-9248-e6e0fddb7cf9" ContentTypeId="0x0101" PreviousValue="false"/>
+</file>
+
+<file path=customXml/item2.xml><?xml version="1.0" encoding="utf-8"?>
 <ct:contentTypeSchema xmlns:ct="http://schemas.microsoft.com/office/2006/metadata/contentType" xmlns:ma="http://schemas.microsoft.com/office/2006/metadata/properties/metaAttributes" ct:_="" ma:_="" ma:contentTypeName="Document" ma:contentTypeID="0x010100C1F7132FCD0A8640AC937EF95A0E1EF0" ma:contentTypeVersion="19" ma:contentTypeDescription="Create a new document." ma:contentTypeScope="" ma:versionID="5db7e6edc41eeee542b03b048508ef5f">
   <xsd:schema xmlns:xsd="http://www.w3.org/2001/XMLSchema" xmlns:xs="http://www.w3.org/2001/XMLSchema" xmlns:p="http://schemas.microsoft.com/office/2006/metadata/properties" xmlns:ns1="http://schemas.microsoft.com/sharepoint/v3" xmlns:ns3="95757e98-2b43-486c-8ee7-8b03e7fccc8c" xmlns:ns4="c71cef04-48ba-45f0-a9e8-5e42bcb757c3" xmlns:ns5="9e360ddd-0f2b-4b59-8042-8e3711d37447" targetNamespace="http://schemas.microsoft.com/office/2006/metadata/properties" ma:root="true" ma:fieldsID="3ef21bde4eb58b668ce714c6addd6ddc" ns1:_="" ns3:_="" ns4:_="" ns5:_="">
     <xsd:import namespace="http://schemas.microsoft.com/sharepoint/v3"/>
@@ -12950,21 +12914,7 @@
 </ct:contentTypeSchema>
 </file>
 
-<file path=customXml/item2.xml><?xml version="1.0" encoding="utf-8"?>
-<?mso-contentType ?>
-<SharedContentType xmlns="Microsoft.SharePoint.Taxonomy.ContentTypeSync" SourceId="f436eb5e-c63d-4189-9248-e6e0fddb7cf9" ContentTypeId="0x0101" PreviousValue="false"/>
-</file>
-
 <file path=customXml/item3.xml><?xml version="1.0" encoding="utf-8"?>
-<?mso-contentType ?>
-<FormTemplates xmlns="http://schemas.microsoft.com/sharepoint/v3/contenttype/forms">
-  <Display>DocumentLibraryForm</Display>
-  <Edit>DocumentLibraryForm</Edit>
-  <New>DocumentLibraryForm</New>
-</FormTemplates>
-</file>
-
-<file path=customXml/item4.xml><?xml version="1.0" encoding="utf-8"?>
 <p:properties xmlns:p="http://schemas.microsoft.com/office/2006/metadata/properties" xmlns:xsi="http://www.w3.org/2001/XMLSchema-instance" xmlns:pc="http://schemas.microsoft.com/office/infopath/2007/PartnerControls">
   <documentManagement>
     <_ip_UnifiedCompliancePolicyUIAction xmlns="http://schemas.microsoft.com/sharepoint/v3" xsi:nil="true"/>
@@ -12974,7 +12924,24 @@
 </p:properties>
 </file>
 
+<file path=customXml/item4.xml><?xml version="1.0" encoding="utf-8"?>
+<?mso-contentType ?>
+<FormTemplates xmlns="http://schemas.microsoft.com/sharepoint/v3/contenttype/forms">
+  <Display>DocumentLibraryForm</Display>
+  <Edit>DocumentLibraryForm</Edit>
+  <New>DocumentLibraryForm</New>
+</FormTemplates>
+</file>
+
 <file path=customXml/itemProps1.xml><?xml version="1.0" encoding="utf-8"?>
+<ds:datastoreItem xmlns:ds="http://schemas.openxmlformats.org/officeDocument/2006/customXml" ds:itemID="{AE3923C4-2DF9-4F78-BC47-9DCA0D2FC88E}">
+  <ds:schemaRefs>
+    <ds:schemaRef ds:uri="Microsoft.SharePoint.Taxonomy.ContentTypeSync"/>
+  </ds:schemaRefs>
+</ds:datastoreItem>
+</file>
+
+<file path=customXml/itemProps2.xml><?xml version="1.0" encoding="utf-8"?>
 <ds:datastoreItem xmlns:ds="http://schemas.openxmlformats.org/officeDocument/2006/customXml" ds:itemID="{4D736E2B-AD99-4587-8F99-C117A0714C82}">
   <ds:schemaRefs>
     <ds:schemaRef ds:uri="http://schemas.microsoft.com/office/2006/metadata/contentType"/>
@@ -12995,23 +12962,7 @@
 </ds:datastoreItem>
 </file>
 
-<file path=customXml/itemProps2.xml><?xml version="1.0" encoding="utf-8"?>
-<ds:datastoreItem xmlns:ds="http://schemas.openxmlformats.org/officeDocument/2006/customXml" ds:itemID="{AE3923C4-2DF9-4F78-BC47-9DCA0D2FC88E}">
-  <ds:schemaRefs>
-    <ds:schemaRef ds:uri="Microsoft.SharePoint.Taxonomy.ContentTypeSync"/>
-  </ds:schemaRefs>
-</ds:datastoreItem>
-</file>
-
 <file path=customXml/itemProps3.xml><?xml version="1.0" encoding="utf-8"?>
-<ds:datastoreItem xmlns:ds="http://schemas.openxmlformats.org/officeDocument/2006/customXml" ds:itemID="{944521D0-ABC1-40BD-822E-0029EB4D0304}">
-  <ds:schemaRefs>
-    <ds:schemaRef ds:uri="http://schemas.microsoft.com/sharepoint/v3/contenttype/forms"/>
-  </ds:schemaRefs>
-</ds:datastoreItem>
-</file>
-
-<file path=customXml/itemProps4.xml><?xml version="1.0" encoding="utf-8"?>
 <ds:datastoreItem xmlns:ds="http://schemas.openxmlformats.org/officeDocument/2006/customXml" ds:itemID="{08A191FB-2C5C-44CF-865C-5421307B0D79}">
   <ds:schemaRefs>
     <ds:schemaRef ds:uri="http://schemas.microsoft.com/office/infopath/2007/PartnerControls"/>
@@ -13028,4 +12979,12 @@
     <ds:schemaRef ds:uri="http://purl.org/dc/dcmitype/"/>
   </ds:schemaRefs>
 </ds:datastoreItem>
+</file>
+
+<file path=customXml/itemProps4.xml><?xml version="1.0" encoding="utf-8"?>
+<ds:datastoreItem xmlns:ds="http://schemas.openxmlformats.org/officeDocument/2006/customXml" ds:itemID="{944521D0-ABC1-40BD-822E-0029EB4D0304}">
+  <ds:schemaRefs>
+    <ds:schemaRef ds:uri="http://schemas.microsoft.com/sharepoint/v3/contenttype/forms"/>
+  </ds:schemaRefs>
+</ds:datastoreItem>
 </file>
--- a/Presentation.pptx
+++ b/Presentation.pptx
@@ -9,21 +9,20 @@
     <p:sldId id="257" r:id="rId7"/>
     <p:sldId id="258" r:id="rId8"/>
     <p:sldId id="261" r:id="rId9"/>
-    <p:sldId id="275" r:id="rId10"/>
-    <p:sldId id="260" r:id="rId11"/>
-    <p:sldId id="262" r:id="rId12"/>
-    <p:sldId id="265" r:id="rId13"/>
-    <p:sldId id="264" r:id="rId14"/>
-    <p:sldId id="267" r:id="rId15"/>
-    <p:sldId id="276" r:id="rId16"/>
-    <p:sldId id="268" r:id="rId17"/>
-    <p:sldId id="269" r:id="rId18"/>
-    <p:sldId id="271" r:id="rId19"/>
-    <p:sldId id="272" r:id="rId20"/>
-    <p:sldId id="270" r:id="rId21"/>
-    <p:sldId id="278" r:id="rId22"/>
-    <p:sldId id="277" r:id="rId23"/>
-    <p:sldId id="274" r:id="rId24"/>
+    <p:sldId id="260" r:id="rId10"/>
+    <p:sldId id="262" r:id="rId11"/>
+    <p:sldId id="265" r:id="rId12"/>
+    <p:sldId id="264" r:id="rId13"/>
+    <p:sldId id="267" r:id="rId14"/>
+    <p:sldId id="276" r:id="rId15"/>
+    <p:sldId id="268" r:id="rId16"/>
+    <p:sldId id="269" r:id="rId17"/>
+    <p:sldId id="271" r:id="rId18"/>
+    <p:sldId id="272" r:id="rId19"/>
+    <p:sldId id="270" r:id="rId20"/>
+    <p:sldId id="278" r:id="rId21"/>
+    <p:sldId id="277" r:id="rId22"/>
+    <p:sldId id="274" r:id="rId23"/>
   </p:sldIdLst>
   <p:sldSz cx="12192000" cy="6858000"/>
   <p:notesSz cx="6858000" cy="9144000"/>
@@ -136,6 +135,27 @@
     <p1510:client id="{2A3EAB80-F475-4064-93D3-496F20655F2D}" v="339" dt="2021-03-10T09:56:23.445"/>
   </p1510:revLst>
 </p1510:revInfo>
+</file>
+
+<file path=ppt/changesInfos/changesInfo1.xml><?xml version="1.0" encoding="utf-8"?>
+<pc:chgInfo xmlns:a="http://schemas.openxmlformats.org/drawingml/2006/main" xmlns:r="http://schemas.openxmlformats.org/officeDocument/2006/relationships" xmlns:ac="http://schemas.microsoft.com/office/drawing/2013/main/command" xmlns:pc="http://schemas.microsoft.com/office/powerpoint/2013/main/command">
+  <pc:docChgLst>
+    <pc:chgData name="Makgoba, Tshepo ST" userId="31841954-244f-4529-890b-fd3206311c61" providerId="ADAL" clId="{BF34A6D0-C5F2-4216-813E-1B1F590208CA}"/>
+    <pc:docChg chg="delSld">
+      <pc:chgData name="Makgoba, Tshepo ST" userId="31841954-244f-4529-890b-fd3206311c61" providerId="ADAL" clId="{BF34A6D0-C5F2-4216-813E-1B1F590208CA}" dt="2021-03-10T21:47:57.609" v="0" actId="2696"/>
+      <pc:docMkLst>
+        <pc:docMk/>
+      </pc:docMkLst>
+      <pc:sldChg chg="del">
+        <pc:chgData name="Makgoba, Tshepo ST" userId="31841954-244f-4529-890b-fd3206311c61" providerId="ADAL" clId="{BF34A6D0-C5F2-4216-813E-1B1F590208CA}" dt="2021-03-10T21:47:57.609" v="0" actId="2696"/>
+        <pc:sldMkLst>
+          <pc:docMk/>
+          <pc:sldMk cId="3773742378" sldId="275"/>
+        </pc:sldMkLst>
+      </pc:sldChg>
+    </pc:docChg>
+  </pc:docChgLst>
+</pc:chgInfo>
 </file>
 
 <file path=ppt/slideLayouts/slideLayout1.xml><?xml version="1.0" encoding="utf-8"?>
@@ -6264,10 +6284,10 @@
       </p:grpSpPr>
       <p:sp>
         <p:nvSpPr>
-          <p:cNvPr id="4" name="Title 1">
+          <p:cNvPr id="2" name="Title 1">
             <a:extLst>
               <a:ext uri="{FF2B5EF4-FFF2-40B4-BE49-F238E27FC236}">
-                <a16:creationId xmlns:a16="http://schemas.microsoft.com/office/drawing/2014/main" id="{7FF5BD98-F94E-4E14-8BB6-CA9825419188}"/>
+                <a16:creationId xmlns:a16="http://schemas.microsoft.com/office/drawing/2014/main" id="{953C3C68-A4C9-44E2-AAE3-A52419D546BE}"/>
               </a:ext>
             </a:extLst>
           </p:cNvPr>
@@ -6278,174 +6298,94 @@
             <p:ph type="title"/>
           </p:nvPr>
         </p:nvSpPr>
-        <p:spPr>
-          <a:xfrm>
-            <a:off x="646113" y="452438"/>
-            <a:ext cx="9404350" cy="1400175"/>
-          </a:xfrm>
-        </p:spPr>
+        <p:spPr/>
         <p:txBody>
           <a:bodyPr/>
           <a:lstStyle/>
           <a:p>
             <a:r>
-              <a:rPr lang="en-US" sz="4000" dirty="0"/>
+              <a:rPr lang="en-US" sz="4400" dirty="0"/>
               <a:t>Exploratory Data Analysis</a:t>
             </a:r>
+            <a:br>
+              <a:rPr lang="en-US" dirty="0"/>
+            </a:br>
+            <a:r>
+              <a:rPr lang="en-US" dirty="0"/>
+              <a:t>Pre processing</a:t>
+            </a:r>
             <a:endParaRPr lang="en-ZA" dirty="0"/>
           </a:p>
         </p:txBody>
       </p:sp>
       <p:sp>
         <p:nvSpPr>
-          <p:cNvPr id="5" name="Title 1">
+          <p:cNvPr id="3" name="Content Placeholder 2">
             <a:extLst>
               <a:ext uri="{FF2B5EF4-FFF2-40B4-BE49-F238E27FC236}">
-                <a16:creationId xmlns:a16="http://schemas.microsoft.com/office/drawing/2014/main" id="{543ECB04-8506-41C8-87FC-6FA78A242129}"/>
+                <a16:creationId xmlns:a16="http://schemas.microsoft.com/office/drawing/2014/main" id="{D9043EDB-E989-45E0-9862-1850496C2C6A}"/>
               </a:ext>
             </a:extLst>
           </p:cNvPr>
-          <p:cNvSpPr txBox="1">
-            <a:spLocks/>
-          </p:cNvSpPr>
-          <p:nvPr/>
-        </p:nvSpPr>
-        <p:spPr>
-          <a:xfrm>
-            <a:off x="798511" y="1489038"/>
-            <a:ext cx="9404723" cy="979842"/>
-          </a:xfrm>
-          <a:prstGeom prst="rect">
-            <a:avLst/>
-          </a:prstGeom>
-        </p:spPr>
-        <p:txBody>
-          <a:bodyPr vert="horz" lIns="91440" tIns="45720" rIns="91440" bIns="45720" rtlCol="0" anchor="t">
-            <a:noAutofit/>
-          </a:bodyPr>
-          <a:lstStyle>
-            <a:lvl1pPr algn="l" defTabSz="457200" rtl="0" eaLnBrk="1" latinLnBrk="0" hangingPunct="1">
-              <a:spcBef>
-                <a:spcPct val="0"/>
-              </a:spcBef>
-              <a:buNone/>
-              <a:defRPr sz="4200" b="0" i="0" kern="1200">
-                <a:solidFill>
-                  <a:schemeClr val="tx2"/>
-                </a:solidFill>
-                <a:latin typeface="+mj-lt"/>
-                <a:ea typeface="+mj-ea"/>
-                <a:cs typeface="+mj-cs"/>
-              </a:defRPr>
-            </a:lvl1pPr>
-            <a:lvl2pPr eaLnBrk="1" hangingPunct="1">
-              <a:defRPr>
-                <a:solidFill>
-                  <a:schemeClr val="tx2"/>
-                </a:solidFill>
-              </a:defRPr>
-            </a:lvl2pPr>
-            <a:lvl3pPr eaLnBrk="1" hangingPunct="1">
-              <a:defRPr>
-                <a:solidFill>
-                  <a:schemeClr val="tx2"/>
-                </a:solidFill>
-              </a:defRPr>
-            </a:lvl3pPr>
-            <a:lvl4pPr eaLnBrk="1" hangingPunct="1">
-              <a:defRPr>
-                <a:solidFill>
-                  <a:schemeClr val="tx2"/>
-                </a:solidFill>
-              </a:defRPr>
-            </a:lvl4pPr>
-            <a:lvl5pPr eaLnBrk="1" hangingPunct="1">
-              <a:defRPr>
-                <a:solidFill>
-                  <a:schemeClr val="tx2"/>
-                </a:solidFill>
-              </a:defRPr>
-            </a:lvl5pPr>
-            <a:lvl6pPr eaLnBrk="1" hangingPunct="1">
-              <a:defRPr>
-                <a:solidFill>
-                  <a:schemeClr val="tx2"/>
-                </a:solidFill>
-              </a:defRPr>
-            </a:lvl6pPr>
-            <a:lvl7pPr eaLnBrk="1" hangingPunct="1">
-              <a:defRPr>
-                <a:solidFill>
-                  <a:schemeClr val="tx2"/>
-                </a:solidFill>
-              </a:defRPr>
-            </a:lvl7pPr>
-            <a:lvl8pPr eaLnBrk="1" hangingPunct="1">
-              <a:defRPr>
-                <a:solidFill>
-                  <a:schemeClr val="tx2"/>
-                </a:solidFill>
-              </a:defRPr>
-            </a:lvl8pPr>
-            <a:lvl9pPr eaLnBrk="1" hangingPunct="1">
-              <a:defRPr>
-                <a:solidFill>
-                  <a:schemeClr val="tx2"/>
-                </a:solidFill>
-              </a:defRPr>
-            </a:lvl9pPr>
-          </a:lstStyle>
-          <a:p>
-            <a:r>
-              <a:rPr lang="en-US" sz="2400" dirty="0"/>
-              <a:t>Feature correlation</a:t>
-            </a:r>
-            <a:br>
-              <a:rPr lang="en-US" sz="4400" dirty="0"/>
-            </a:br>
-            <a:endParaRPr lang="en-ZA" dirty="0"/>
-          </a:p>
-        </p:txBody>
-      </p:sp>
-      <p:pic>
-        <p:nvPicPr>
-          <p:cNvPr id="7" name="Content Placeholder 6" descr="A picture containing chart&#10;&#10;Description automatically generated">
-            <a:extLst>
-              <a:ext uri="{FF2B5EF4-FFF2-40B4-BE49-F238E27FC236}">
-                <a16:creationId xmlns:a16="http://schemas.microsoft.com/office/drawing/2014/main" id="{D1D9157C-FC9C-446B-A047-1D4F54662278}"/>
-              </a:ext>
-            </a:extLst>
-          </p:cNvPr>
-          <p:cNvPicPr>
-            <a:picLocks noGrp="1" noChangeAspect="1"/>
-          </p:cNvPicPr>
+          <p:cNvSpPr>
+            <a:spLocks noGrp="1"/>
+          </p:cNvSpPr>
           <p:nvPr>
             <p:ph idx="1"/>
           </p:nvPr>
-        </p:nvPicPr>
-        <p:blipFill>
-          <a:blip r:embed="rId2">
-            <a:extLst>
-              <a:ext uri="{28A0092B-C50C-407E-A947-70E740481C1C}">
-                <a14:useLocalDpi xmlns:a14="http://schemas.microsoft.com/office/drawing/2010/main" val="0"/>
-              </a:ext>
-            </a:extLst>
-          </a:blip>
-          <a:stretch>
-            <a:fillRect/>
-          </a:stretch>
-        </p:blipFill>
-        <p:spPr>
-          <a:xfrm>
-            <a:off x="646113" y="2052638"/>
-            <a:ext cx="10747376" cy="4805362"/>
-          </a:xfrm>
-        </p:spPr>
-      </p:pic>
+        </p:nvSpPr>
+        <p:spPr/>
+        <p:txBody>
+          <a:bodyPr/>
+          <a:lstStyle/>
+          <a:p>
+            <a:pPr>
+              <a:buFont typeface="Wingdings" panose="05000000000000000000" pitchFamily="2" charset="2"/>
+              <a:buChar char="q"/>
+            </a:pPr>
+            <a:r>
+              <a:rPr lang="en-US" b="1" dirty="0"/>
+              <a:t>One hot encoder to convert categorical variables so I can model with full variables for my baseline model</a:t>
+            </a:r>
+          </a:p>
+          <a:p>
+            <a:pPr marL="0" indent="0">
+              <a:buNone/>
+            </a:pPr>
+            <a:r>
+              <a:rPr lang="en-US" b="1" dirty="0"/>
+              <a:t>	</a:t>
+            </a:r>
+            <a:r>
+              <a:rPr lang="en-ZA" dirty="0"/>
+              <a:t>Data is not that large</a:t>
+            </a:r>
+          </a:p>
+          <a:p>
+            <a:pPr marL="0" indent="0">
+              <a:buNone/>
+            </a:pPr>
+            <a:r>
+              <a:rPr lang="en-ZA" dirty="0"/>
+              <a:t>	Only two categorical variables</a:t>
+            </a:r>
+          </a:p>
+          <a:p>
+            <a:pPr>
+              <a:buFont typeface="Wingdings" panose="05000000000000000000" pitchFamily="2" charset="2"/>
+              <a:buChar char="q"/>
+            </a:pPr>
+            <a:r>
+              <a:rPr lang="en-ZA" b="1" dirty="0"/>
+              <a:t>Scaling</a:t>
+            </a:r>
+          </a:p>
+        </p:txBody>
+      </p:sp>
     </p:spTree>
     <p:extLst>
       <p:ext uri="{BB962C8B-B14F-4D97-AF65-F5344CB8AC3E}">
-        <p14:creationId xmlns:p14="http://schemas.microsoft.com/office/powerpoint/2010/main" val="3082913842"/>
+        <p14:creationId xmlns:p14="http://schemas.microsoft.com/office/powerpoint/2010/main" val="674954951"/>
       </p:ext>
     </p:extLst>
   </p:cSld>
@@ -6474,10 +6414,10 @@
       </p:grpSpPr>
       <p:sp>
         <p:nvSpPr>
-          <p:cNvPr id="2" name="Title 1">
+          <p:cNvPr id="4" name="Title 1">
             <a:extLst>
               <a:ext uri="{FF2B5EF4-FFF2-40B4-BE49-F238E27FC236}">
-                <a16:creationId xmlns:a16="http://schemas.microsoft.com/office/drawing/2014/main" id="{953C3C68-A4C9-44E2-AAE3-A52419D546BE}"/>
+                <a16:creationId xmlns:a16="http://schemas.microsoft.com/office/drawing/2014/main" id="{7FF5BD98-F94E-4E14-8BB6-CA9825419188}"/>
               </a:ext>
             </a:extLst>
           </p:cNvPr>
@@ -6488,21 +6428,19 @@
             <p:ph type="title"/>
           </p:nvPr>
         </p:nvSpPr>
-        <p:spPr/>
+        <p:spPr>
+          <a:xfrm>
+            <a:off x="646113" y="452438"/>
+            <a:ext cx="9404350" cy="1400175"/>
+          </a:xfrm>
+        </p:spPr>
         <p:txBody>
           <a:bodyPr/>
           <a:lstStyle/>
           <a:p>
             <a:r>
-              <a:rPr lang="en-US" sz="4400" dirty="0"/>
-              <a:t>Exploratory Data Analysis</a:t>
-            </a:r>
-            <a:br>
-              <a:rPr lang="en-US" dirty="0"/>
-            </a:br>
-            <a:r>
-              <a:rPr lang="en-US" dirty="0"/>
-              <a:t>Pre processing</a:t>
+              <a:rPr lang="en-US" sz="4000" dirty="0"/>
+              <a:t>Modeling</a:t>
             </a:r>
             <a:endParaRPr lang="en-ZA" dirty="0"/>
           </a:p>
@@ -6510,64 +6448,195 @@
       </p:sp>
       <p:sp>
         <p:nvSpPr>
-          <p:cNvPr id="3" name="Content Placeholder 2">
+          <p:cNvPr id="5" name="Title 1">
             <a:extLst>
               <a:ext uri="{FF2B5EF4-FFF2-40B4-BE49-F238E27FC236}">
-                <a16:creationId xmlns:a16="http://schemas.microsoft.com/office/drawing/2014/main" id="{D9043EDB-E989-45E0-9862-1850496C2C6A}"/>
+                <a16:creationId xmlns:a16="http://schemas.microsoft.com/office/drawing/2014/main" id="{543ECB04-8506-41C8-87FC-6FA78A242129}"/>
               </a:ext>
             </a:extLst>
           </p:cNvPr>
-          <p:cNvSpPr>
-            <a:spLocks noGrp="1"/>
-          </p:cNvSpPr>
+          <p:cNvSpPr txBox="1">
+            <a:spLocks/>
+          </p:cNvSpPr>
+          <p:nvPr/>
+        </p:nvSpPr>
+        <p:spPr>
+          <a:xfrm>
+            <a:off x="798511" y="1489038"/>
+            <a:ext cx="9404723" cy="979842"/>
+          </a:xfrm>
+          <a:prstGeom prst="rect">
+            <a:avLst/>
+          </a:prstGeom>
+        </p:spPr>
+        <p:txBody>
+          <a:bodyPr vert="horz" lIns="91440" tIns="45720" rIns="91440" bIns="45720" rtlCol="0" anchor="t">
+            <a:noAutofit/>
+          </a:bodyPr>
+          <a:lstStyle>
+            <a:lvl1pPr algn="l" defTabSz="457200" rtl="0" eaLnBrk="1" latinLnBrk="0" hangingPunct="1">
+              <a:spcBef>
+                <a:spcPct val="0"/>
+              </a:spcBef>
+              <a:buNone/>
+              <a:defRPr sz="4200" b="0" i="0" kern="1200">
+                <a:solidFill>
+                  <a:schemeClr val="tx2"/>
+                </a:solidFill>
+                <a:latin typeface="+mj-lt"/>
+                <a:ea typeface="+mj-ea"/>
+                <a:cs typeface="+mj-cs"/>
+              </a:defRPr>
+            </a:lvl1pPr>
+            <a:lvl2pPr eaLnBrk="1" hangingPunct="1">
+              <a:defRPr>
+                <a:solidFill>
+                  <a:schemeClr val="tx2"/>
+                </a:solidFill>
+              </a:defRPr>
+            </a:lvl2pPr>
+            <a:lvl3pPr eaLnBrk="1" hangingPunct="1">
+              <a:defRPr>
+                <a:solidFill>
+                  <a:schemeClr val="tx2"/>
+                </a:solidFill>
+              </a:defRPr>
+            </a:lvl3pPr>
+            <a:lvl4pPr eaLnBrk="1" hangingPunct="1">
+              <a:defRPr>
+                <a:solidFill>
+                  <a:schemeClr val="tx2"/>
+                </a:solidFill>
+              </a:defRPr>
+            </a:lvl4pPr>
+            <a:lvl5pPr eaLnBrk="1" hangingPunct="1">
+              <a:defRPr>
+                <a:solidFill>
+                  <a:schemeClr val="tx2"/>
+                </a:solidFill>
+              </a:defRPr>
+            </a:lvl5pPr>
+            <a:lvl6pPr eaLnBrk="1" hangingPunct="1">
+              <a:defRPr>
+                <a:solidFill>
+                  <a:schemeClr val="tx2"/>
+                </a:solidFill>
+              </a:defRPr>
+            </a:lvl6pPr>
+            <a:lvl7pPr eaLnBrk="1" hangingPunct="1">
+              <a:defRPr>
+                <a:solidFill>
+                  <a:schemeClr val="tx2"/>
+                </a:solidFill>
+              </a:defRPr>
+            </a:lvl7pPr>
+            <a:lvl8pPr eaLnBrk="1" hangingPunct="1">
+              <a:defRPr>
+                <a:solidFill>
+                  <a:schemeClr val="tx2"/>
+                </a:solidFill>
+              </a:defRPr>
+            </a:lvl8pPr>
+            <a:lvl9pPr eaLnBrk="1" hangingPunct="1">
+              <a:defRPr>
+                <a:solidFill>
+                  <a:schemeClr val="tx2"/>
+                </a:solidFill>
+              </a:defRPr>
+            </a:lvl9pPr>
+          </a:lstStyle>
+          <a:p>
+            <a:r>
+              <a:rPr lang="en-US" sz="2400" dirty="0"/>
+              <a:t>Feature importance</a:t>
+            </a:r>
+            <a:br>
+              <a:rPr lang="en-US" sz="4400" dirty="0"/>
+            </a:br>
+            <a:endParaRPr lang="en-ZA" dirty="0"/>
+          </a:p>
+        </p:txBody>
+      </p:sp>
+      <p:pic>
+        <p:nvPicPr>
+          <p:cNvPr id="7" name="Content Placeholder 6" descr="Chart, bar chart&#10;&#10;Description automatically generated">
+            <a:extLst>
+              <a:ext uri="{FF2B5EF4-FFF2-40B4-BE49-F238E27FC236}">
+                <a16:creationId xmlns:a16="http://schemas.microsoft.com/office/drawing/2014/main" id="{5816FFE9-55D2-4C55-8BDC-D28125428099}"/>
+              </a:ext>
+            </a:extLst>
+          </p:cNvPr>
+          <p:cNvPicPr>
+            <a:picLocks noGrp="1" noChangeAspect="1"/>
+          </p:cNvPicPr>
           <p:nvPr>
             <p:ph idx="1"/>
           </p:nvPr>
-        </p:nvSpPr>
-        <p:spPr/>
-        <p:txBody>
-          <a:bodyPr/>
+        </p:nvPicPr>
+        <p:blipFill>
+          <a:blip r:embed="rId2">
+            <a:extLst>
+              <a:ext uri="{28A0092B-C50C-407E-A947-70E740481C1C}">
+                <a14:useLocalDpi xmlns:a14="http://schemas.microsoft.com/office/drawing/2010/main" val="0"/>
+              </a:ext>
+            </a:extLst>
+          </a:blip>
+          <a:stretch>
+            <a:fillRect/>
+          </a:stretch>
+        </p:blipFill>
+        <p:spPr>
+          <a:xfrm>
+            <a:off x="721360" y="2321302"/>
+            <a:ext cx="6410961" cy="4160778"/>
+          </a:xfrm>
+        </p:spPr>
+      </p:pic>
+      <p:sp>
+        <p:nvSpPr>
+          <p:cNvPr id="2" name="Rectangle: Rounded Corners 1">
+            <a:extLst>
+              <a:ext uri="{FF2B5EF4-FFF2-40B4-BE49-F238E27FC236}">
+                <a16:creationId xmlns:a16="http://schemas.microsoft.com/office/drawing/2014/main" id="{B265AE88-4FA9-4397-9648-0537A4A9848A}"/>
+              </a:ext>
+            </a:extLst>
+          </p:cNvPr>
+          <p:cNvSpPr/>
+          <p:nvPr/>
+        </p:nvSpPr>
+        <p:spPr>
+          <a:xfrm>
+            <a:off x="7985760" y="2072640"/>
+            <a:ext cx="3484880" cy="3698240"/>
+          </a:xfrm>
+          <a:prstGeom prst="roundRect">
+            <a:avLst/>
+          </a:prstGeom>
+        </p:spPr>
+        <p:style>
+          <a:lnRef idx="2">
+            <a:schemeClr val="accent1">
+              <a:shade val="50000"/>
+            </a:schemeClr>
+          </a:lnRef>
+          <a:fillRef idx="1">
+            <a:schemeClr val="accent1"/>
+          </a:fillRef>
+          <a:effectRef idx="0">
+            <a:schemeClr val="accent1"/>
+          </a:effectRef>
+          <a:fontRef idx="minor">
+            <a:schemeClr val="lt1"/>
+          </a:fontRef>
+        </p:style>
+        <p:txBody>
+          <a:bodyPr rtlCol="0" anchor="ctr"/>
           <a:lstStyle/>
           <a:p>
-            <a:pPr>
-              <a:buFont typeface="Wingdings" panose="05000000000000000000" pitchFamily="2" charset="2"/>
-              <a:buChar char="q"/>
-            </a:pPr>
-            <a:r>
-              <a:rPr lang="en-US" b="1" dirty="0"/>
-              <a:t>One hot encoder to convert categorical variables so I can model with full variables for my baseline model</a:t>
-            </a:r>
-          </a:p>
-          <a:p>
-            <a:pPr marL="0" indent="0">
-              <a:buNone/>
-            </a:pPr>
-            <a:r>
-              <a:rPr lang="en-US" b="1" dirty="0"/>
-              <a:t>	</a:t>
-            </a:r>
+            <a:pPr algn="ctr"/>
             <a:r>
               <a:rPr lang="en-ZA" dirty="0"/>
-              <a:t>Data is not that large</a:t>
-            </a:r>
-          </a:p>
-          <a:p>
-            <a:pPr marL="0" indent="0">
-              <a:buNone/>
-            </a:pPr>
-            <a:r>
-              <a:rPr lang="en-ZA" dirty="0"/>
-              <a:t>	Only two categorical variables</a:t>
-            </a:r>
-          </a:p>
-          <a:p>
-            <a:pPr>
-              <a:buFont typeface="Wingdings" panose="05000000000000000000" pitchFamily="2" charset="2"/>
-              <a:buChar char="q"/>
-            </a:pPr>
-            <a:r>
-              <a:rPr lang="en-ZA" b="1" dirty="0"/>
-              <a:t>Scaling</a:t>
+              <a:t>Mass, Width and Height were the relevant features to be selected to use in the model to obtain more accurate results.</a:t>
             </a:r>
           </a:p>
         </p:txBody>
@@ -6575,7 +6644,7 @@
     </p:spTree>
     <p:extLst>
       <p:ext uri="{BB962C8B-B14F-4D97-AF65-F5344CB8AC3E}">
-        <p14:creationId xmlns:p14="http://schemas.microsoft.com/office/powerpoint/2010/main" val="674954951"/>
+        <p14:creationId xmlns:p14="http://schemas.microsoft.com/office/powerpoint/2010/main" val="4263933389"/>
       </p:ext>
     </p:extLst>
   </p:cSld>
@@ -6632,7 +6701,6 @@
               <a:rPr lang="en-US" sz="4000" dirty="0"/>
               <a:t>Modeling</a:t>
             </a:r>
-            <a:endParaRPr lang="en-ZA" dirty="0"/>
           </a:p>
         </p:txBody>
       </p:sp>
@@ -6736,9 +6804,113 @@
             </a:lvl9pPr>
           </a:lstStyle>
           <a:p>
+            <a:endParaRPr lang="en-ZA" dirty="0"/>
+          </a:p>
+        </p:txBody>
+      </p:sp>
+      <p:sp>
+        <p:nvSpPr>
+          <p:cNvPr id="9" name="Title 1">
+            <a:extLst>
+              <a:ext uri="{FF2B5EF4-FFF2-40B4-BE49-F238E27FC236}">
+                <a16:creationId xmlns:a16="http://schemas.microsoft.com/office/drawing/2014/main" id="{733ECC51-7D3B-494F-981B-F6AE2BF450B6}"/>
+              </a:ext>
+            </a:extLst>
+          </p:cNvPr>
+          <p:cNvSpPr txBox="1">
+            <a:spLocks/>
+          </p:cNvSpPr>
+          <p:nvPr/>
+        </p:nvSpPr>
+        <p:spPr>
+          <a:xfrm>
+            <a:off x="493342" y="1489038"/>
+            <a:ext cx="9404723" cy="979842"/>
+          </a:xfrm>
+          <a:prstGeom prst="rect">
+            <a:avLst/>
+          </a:prstGeom>
+        </p:spPr>
+        <p:txBody>
+          <a:bodyPr vert="horz" lIns="91440" tIns="45720" rIns="91440" bIns="45720" rtlCol="0" anchor="t">
+            <a:noAutofit/>
+          </a:bodyPr>
+          <a:lstStyle>
+            <a:lvl1pPr algn="l" defTabSz="457200" rtl="0" eaLnBrk="1" latinLnBrk="0" hangingPunct="1">
+              <a:spcBef>
+                <a:spcPct val="0"/>
+              </a:spcBef>
+              <a:buNone/>
+              <a:defRPr sz="4200" b="0" i="0" kern="1200">
+                <a:solidFill>
+                  <a:schemeClr val="tx2"/>
+                </a:solidFill>
+                <a:latin typeface="+mj-lt"/>
+                <a:ea typeface="+mj-ea"/>
+                <a:cs typeface="+mj-cs"/>
+              </a:defRPr>
+            </a:lvl1pPr>
+            <a:lvl2pPr eaLnBrk="1" hangingPunct="1">
+              <a:defRPr>
+                <a:solidFill>
+                  <a:schemeClr val="tx2"/>
+                </a:solidFill>
+              </a:defRPr>
+            </a:lvl2pPr>
+            <a:lvl3pPr eaLnBrk="1" hangingPunct="1">
+              <a:defRPr>
+                <a:solidFill>
+                  <a:schemeClr val="tx2"/>
+                </a:solidFill>
+              </a:defRPr>
+            </a:lvl3pPr>
+            <a:lvl4pPr eaLnBrk="1" hangingPunct="1">
+              <a:defRPr>
+                <a:solidFill>
+                  <a:schemeClr val="tx2"/>
+                </a:solidFill>
+              </a:defRPr>
+            </a:lvl4pPr>
+            <a:lvl5pPr eaLnBrk="1" hangingPunct="1">
+              <a:defRPr>
+                <a:solidFill>
+                  <a:schemeClr val="tx2"/>
+                </a:solidFill>
+              </a:defRPr>
+            </a:lvl5pPr>
+            <a:lvl6pPr eaLnBrk="1" hangingPunct="1">
+              <a:defRPr>
+                <a:solidFill>
+                  <a:schemeClr val="tx2"/>
+                </a:solidFill>
+              </a:defRPr>
+            </a:lvl6pPr>
+            <a:lvl7pPr eaLnBrk="1" hangingPunct="1">
+              <a:defRPr>
+                <a:solidFill>
+                  <a:schemeClr val="tx2"/>
+                </a:solidFill>
+              </a:defRPr>
+            </a:lvl7pPr>
+            <a:lvl8pPr eaLnBrk="1" hangingPunct="1">
+              <a:defRPr>
+                <a:solidFill>
+                  <a:schemeClr val="tx2"/>
+                </a:solidFill>
+              </a:defRPr>
+            </a:lvl8pPr>
+            <a:lvl9pPr eaLnBrk="1" hangingPunct="1">
+              <a:defRPr>
+                <a:solidFill>
+                  <a:schemeClr val="tx2"/>
+                </a:solidFill>
+              </a:defRPr>
+            </a:lvl9pPr>
+          </a:lstStyle>
+          <a:p>
             <a:r>
               <a:rPr lang="en-US" sz="2400" dirty="0"/>
-              <a:t>Feature importance</a:t>
+              <a:t>Baseline Classifier </a:t>
             </a:r>
             <a:br>
               <a:rPr lang="en-US" sz="4400" dirty="0"/>
@@ -6749,10 +6921,10 @@
       </p:sp>
       <p:pic>
         <p:nvPicPr>
-          <p:cNvPr id="7" name="Content Placeholder 6" descr="Chart, bar chart&#10;&#10;Description automatically generated">
+          <p:cNvPr id="13" name="Content Placeholder 12" descr="A picture containing text, receipt, screenshot&#10;&#10;Description automatically generated">
             <a:extLst>
               <a:ext uri="{FF2B5EF4-FFF2-40B4-BE49-F238E27FC236}">
-                <a16:creationId xmlns:a16="http://schemas.microsoft.com/office/drawing/2014/main" id="{5816FFE9-55D2-4C55-8BDC-D28125428099}"/>
+                <a16:creationId xmlns:a16="http://schemas.microsoft.com/office/drawing/2014/main" id="{770C142C-F6E7-4617-B657-9859BA5BD14C}"/>
               </a:ext>
             </a:extLst>
           </p:cNvPr>
@@ -6777,17 +6949,17 @@
         </p:blipFill>
         <p:spPr>
           <a:xfrm>
-            <a:off x="721360" y="2321302"/>
-            <a:ext cx="6410961" cy="4160778"/>
+            <a:off x="188173" y="2214880"/>
+            <a:ext cx="7452571" cy="4190681"/>
           </a:xfrm>
         </p:spPr>
       </p:pic>
       <p:sp>
         <p:nvSpPr>
-          <p:cNvPr id="2" name="Rectangle: Rounded Corners 1">
+          <p:cNvPr id="14" name="Rectangle: Rounded Corners 13">
             <a:extLst>
               <a:ext uri="{FF2B5EF4-FFF2-40B4-BE49-F238E27FC236}">
-                <a16:creationId xmlns:a16="http://schemas.microsoft.com/office/drawing/2014/main" id="{B265AE88-4FA9-4397-9648-0537A4A9848A}"/>
+                <a16:creationId xmlns:a16="http://schemas.microsoft.com/office/drawing/2014/main" id="{9D2EB3CA-D4CA-419C-BC3D-64AA18AF75EF}"/>
               </a:ext>
             </a:extLst>
           </p:cNvPr>
@@ -6796,8 +6968,8 @@
         </p:nvSpPr>
         <p:spPr>
           <a:xfrm>
-            <a:off x="7985760" y="2072640"/>
-            <a:ext cx="3484880" cy="3698240"/>
+            <a:off x="8335478" y="2011680"/>
+            <a:ext cx="3363180" cy="3099335"/>
           </a:xfrm>
           <a:prstGeom prst="roundRect">
             <a:avLst/>
@@ -6825,16 +6997,17 @@
           <a:p>
             <a:pPr algn="ctr"/>
             <a:r>
-              <a:rPr lang="en-ZA" dirty="0"/>
-              <a:t>Mass, Width and Height were the relevant features to be selected to use in the model to obtain more accurate results.</a:t>
-            </a:r>
+              <a:rPr lang="en-US" dirty="0"/>
+              <a:t>The baseline model accuracy is 60%. Which will act as a baseline to all models</a:t>
+            </a:r>
+            <a:endParaRPr lang="en-ZA" dirty="0"/>
           </a:p>
         </p:txBody>
       </p:sp>
     </p:spTree>
     <p:extLst>
       <p:ext uri="{BB962C8B-B14F-4D97-AF65-F5344CB8AC3E}">
-        <p14:creationId xmlns:p14="http://schemas.microsoft.com/office/powerpoint/2010/main" val="4263933389"/>
+        <p14:creationId xmlns:p14="http://schemas.microsoft.com/office/powerpoint/2010/main" val="543410780"/>
       </p:ext>
     </p:extLst>
   </p:cSld>
@@ -6998,123 +7171,12 @@
           </a:p>
         </p:txBody>
       </p:sp>
-      <p:sp>
-        <p:nvSpPr>
-          <p:cNvPr id="9" name="Title 1">
+      <p:pic>
+        <p:nvPicPr>
+          <p:cNvPr id="7" name="Content Placeholder 6" descr="Table&#10;&#10;Description automatically generated">
             <a:extLst>
               <a:ext uri="{FF2B5EF4-FFF2-40B4-BE49-F238E27FC236}">
-                <a16:creationId xmlns:a16="http://schemas.microsoft.com/office/drawing/2014/main" id="{733ECC51-7D3B-494F-981B-F6AE2BF450B6}"/>
-              </a:ext>
-            </a:extLst>
-          </p:cNvPr>
-          <p:cNvSpPr txBox="1">
-            <a:spLocks/>
-          </p:cNvSpPr>
-          <p:nvPr/>
-        </p:nvSpPr>
-        <p:spPr>
-          <a:xfrm>
-            <a:off x="493342" y="1489038"/>
-            <a:ext cx="9404723" cy="979842"/>
-          </a:xfrm>
-          <a:prstGeom prst="rect">
-            <a:avLst/>
-          </a:prstGeom>
-        </p:spPr>
-        <p:txBody>
-          <a:bodyPr vert="horz" lIns="91440" tIns="45720" rIns="91440" bIns="45720" rtlCol="0" anchor="t">
-            <a:noAutofit/>
-          </a:bodyPr>
-          <a:lstStyle>
-            <a:lvl1pPr algn="l" defTabSz="457200" rtl="0" eaLnBrk="1" latinLnBrk="0" hangingPunct="1">
-              <a:spcBef>
-                <a:spcPct val="0"/>
-              </a:spcBef>
-              <a:buNone/>
-              <a:defRPr sz="4200" b="0" i="0" kern="1200">
-                <a:solidFill>
-                  <a:schemeClr val="tx2"/>
-                </a:solidFill>
-                <a:latin typeface="+mj-lt"/>
-                <a:ea typeface="+mj-ea"/>
-                <a:cs typeface="+mj-cs"/>
-              </a:defRPr>
-            </a:lvl1pPr>
-            <a:lvl2pPr eaLnBrk="1" hangingPunct="1">
-              <a:defRPr>
-                <a:solidFill>
-                  <a:schemeClr val="tx2"/>
-                </a:solidFill>
-              </a:defRPr>
-            </a:lvl2pPr>
-            <a:lvl3pPr eaLnBrk="1" hangingPunct="1">
-              <a:defRPr>
-                <a:solidFill>
-                  <a:schemeClr val="tx2"/>
-                </a:solidFill>
-              </a:defRPr>
-            </a:lvl3pPr>
-            <a:lvl4pPr eaLnBrk="1" hangingPunct="1">
-              <a:defRPr>
-                <a:solidFill>
-                  <a:schemeClr val="tx2"/>
-                </a:solidFill>
-              </a:defRPr>
-            </a:lvl4pPr>
-            <a:lvl5pPr eaLnBrk="1" hangingPunct="1">
-              <a:defRPr>
-                <a:solidFill>
-                  <a:schemeClr val="tx2"/>
-                </a:solidFill>
-              </a:defRPr>
-            </a:lvl5pPr>
-            <a:lvl6pPr eaLnBrk="1" hangingPunct="1">
-              <a:defRPr>
-                <a:solidFill>
-                  <a:schemeClr val="tx2"/>
-                </a:solidFill>
-              </a:defRPr>
-            </a:lvl6pPr>
-            <a:lvl7pPr eaLnBrk="1" hangingPunct="1">
-              <a:defRPr>
-                <a:solidFill>
-                  <a:schemeClr val="tx2"/>
-                </a:solidFill>
-              </a:defRPr>
-            </a:lvl7pPr>
-            <a:lvl8pPr eaLnBrk="1" hangingPunct="1">
-              <a:defRPr>
-                <a:solidFill>
-                  <a:schemeClr val="tx2"/>
-                </a:solidFill>
-              </a:defRPr>
-            </a:lvl8pPr>
-            <a:lvl9pPr eaLnBrk="1" hangingPunct="1">
-              <a:defRPr>
-                <a:solidFill>
-                  <a:schemeClr val="tx2"/>
-                </a:solidFill>
-              </a:defRPr>
-            </a:lvl9pPr>
-          </a:lstStyle>
-          <a:p>
-            <a:r>
-              <a:rPr lang="en-US" sz="2400" dirty="0"/>
-              <a:t>Baseline Classifier </a:t>
-            </a:r>
-            <a:br>
-              <a:rPr lang="en-US" sz="4400" dirty="0"/>
-            </a:br>
-            <a:endParaRPr lang="en-ZA" dirty="0"/>
-          </a:p>
-        </p:txBody>
-      </p:sp>
-      <p:pic>
-        <p:nvPicPr>
-          <p:cNvPr id="13" name="Content Placeholder 12" descr="A picture containing text, receipt, screenshot&#10;&#10;Description automatically generated">
-            <a:extLst>
-              <a:ext uri="{FF2B5EF4-FFF2-40B4-BE49-F238E27FC236}">
-                <a16:creationId xmlns:a16="http://schemas.microsoft.com/office/drawing/2014/main" id="{770C142C-F6E7-4617-B657-9859BA5BD14C}"/>
+                <a16:creationId xmlns:a16="http://schemas.microsoft.com/office/drawing/2014/main" id="{42E4B424-EAAC-498F-B3FA-0EABBA664AB6}"/>
               </a:ext>
             </a:extLst>
           </p:cNvPr>
@@ -7139,17 +7201,128 @@
         </p:blipFill>
         <p:spPr>
           <a:xfrm>
-            <a:off x="188173" y="2214880"/>
-            <a:ext cx="7452571" cy="4190681"/>
+            <a:off x="436880" y="1981201"/>
+            <a:ext cx="8310880" cy="4511040"/>
           </a:xfrm>
         </p:spPr>
       </p:pic>
       <p:sp>
         <p:nvSpPr>
-          <p:cNvPr id="14" name="Rectangle: Rounded Corners 13">
+          <p:cNvPr id="9" name="Title 1">
             <a:extLst>
               <a:ext uri="{FF2B5EF4-FFF2-40B4-BE49-F238E27FC236}">
-                <a16:creationId xmlns:a16="http://schemas.microsoft.com/office/drawing/2014/main" id="{9D2EB3CA-D4CA-419C-BC3D-64AA18AF75EF}"/>
+                <a16:creationId xmlns:a16="http://schemas.microsoft.com/office/drawing/2014/main" id="{733ECC51-7D3B-494F-981B-F6AE2BF450B6}"/>
+              </a:ext>
+            </a:extLst>
+          </p:cNvPr>
+          <p:cNvSpPr txBox="1">
+            <a:spLocks/>
+          </p:cNvSpPr>
+          <p:nvPr/>
+        </p:nvSpPr>
+        <p:spPr>
+          <a:xfrm>
+            <a:off x="493342" y="1489038"/>
+            <a:ext cx="9404723" cy="979842"/>
+          </a:xfrm>
+          <a:prstGeom prst="rect">
+            <a:avLst/>
+          </a:prstGeom>
+        </p:spPr>
+        <p:txBody>
+          <a:bodyPr vert="horz" lIns="91440" tIns="45720" rIns="91440" bIns="45720" rtlCol="0" anchor="t">
+            <a:noAutofit/>
+          </a:bodyPr>
+          <a:lstStyle>
+            <a:lvl1pPr algn="l" defTabSz="457200" rtl="0" eaLnBrk="1" latinLnBrk="0" hangingPunct="1">
+              <a:spcBef>
+                <a:spcPct val="0"/>
+              </a:spcBef>
+              <a:buNone/>
+              <a:defRPr sz="4200" b="0" i="0" kern="1200">
+                <a:solidFill>
+                  <a:schemeClr val="tx2"/>
+                </a:solidFill>
+                <a:latin typeface="+mj-lt"/>
+                <a:ea typeface="+mj-ea"/>
+                <a:cs typeface="+mj-cs"/>
+              </a:defRPr>
+            </a:lvl1pPr>
+            <a:lvl2pPr eaLnBrk="1" hangingPunct="1">
+              <a:defRPr>
+                <a:solidFill>
+                  <a:schemeClr val="tx2"/>
+                </a:solidFill>
+              </a:defRPr>
+            </a:lvl2pPr>
+            <a:lvl3pPr eaLnBrk="1" hangingPunct="1">
+              <a:defRPr>
+                <a:solidFill>
+                  <a:schemeClr val="tx2"/>
+                </a:solidFill>
+              </a:defRPr>
+            </a:lvl3pPr>
+            <a:lvl4pPr eaLnBrk="1" hangingPunct="1">
+              <a:defRPr>
+                <a:solidFill>
+                  <a:schemeClr val="tx2"/>
+                </a:solidFill>
+              </a:defRPr>
+            </a:lvl4pPr>
+            <a:lvl5pPr eaLnBrk="1" hangingPunct="1">
+              <a:defRPr>
+                <a:solidFill>
+                  <a:schemeClr val="tx2"/>
+                </a:solidFill>
+              </a:defRPr>
+            </a:lvl5pPr>
+            <a:lvl6pPr eaLnBrk="1" hangingPunct="1">
+              <a:defRPr>
+                <a:solidFill>
+                  <a:schemeClr val="tx2"/>
+                </a:solidFill>
+              </a:defRPr>
+            </a:lvl6pPr>
+            <a:lvl7pPr eaLnBrk="1" hangingPunct="1">
+              <a:defRPr>
+                <a:solidFill>
+                  <a:schemeClr val="tx2"/>
+                </a:solidFill>
+              </a:defRPr>
+            </a:lvl7pPr>
+            <a:lvl8pPr eaLnBrk="1" hangingPunct="1">
+              <a:defRPr>
+                <a:solidFill>
+                  <a:schemeClr val="tx2"/>
+                </a:solidFill>
+              </a:defRPr>
+            </a:lvl8pPr>
+            <a:lvl9pPr eaLnBrk="1" hangingPunct="1">
+              <a:defRPr>
+                <a:solidFill>
+                  <a:schemeClr val="tx2"/>
+                </a:solidFill>
+              </a:defRPr>
+            </a:lvl9pPr>
+          </a:lstStyle>
+          <a:p>
+            <a:r>
+              <a:rPr lang="en-US" sz="2400" dirty="0"/>
+              <a:t>Classifiers </a:t>
+            </a:r>
+            <a:br>
+              <a:rPr lang="en-US" sz="4400" dirty="0"/>
+            </a:br>
+            <a:endParaRPr lang="en-ZA" dirty="0"/>
+          </a:p>
+        </p:txBody>
+      </p:sp>
+      <p:sp>
+        <p:nvSpPr>
+          <p:cNvPr id="2" name="Rectangle: Rounded Corners 1">
+            <a:extLst>
+              <a:ext uri="{FF2B5EF4-FFF2-40B4-BE49-F238E27FC236}">
+                <a16:creationId xmlns:a16="http://schemas.microsoft.com/office/drawing/2014/main" id="{404E6332-CB27-4BE8-8A49-8E604B5C5362}"/>
               </a:ext>
             </a:extLst>
           </p:cNvPr>
@@ -7158,8 +7331,8 @@
         </p:nvSpPr>
         <p:spPr>
           <a:xfrm>
-            <a:off x="8335478" y="2011680"/>
-            <a:ext cx="3363180" cy="3099335"/>
+            <a:off x="9153625" y="1981201"/>
+            <a:ext cx="2601495" cy="4159717"/>
           </a:xfrm>
           <a:prstGeom prst="roundRect">
             <a:avLst/>
@@ -7188,7 +7361,11 @@
             <a:pPr algn="ctr"/>
             <a:r>
               <a:rPr lang="en-US" dirty="0"/>
-              <a:t>The baseline model accuracy is 60%. Which will act as a baseline to all models</a:t>
+              <a:t>Performance report indicates that Random Forest out perform all the selected classifier models by scoring 80% before parameter </a:t>
+            </a:r>
+            <a:r>
+              <a:rPr lang="en-US" dirty="0" err="1"/>
+              <a:t>tunning</a:t>
             </a:r>
             <a:endParaRPr lang="en-ZA" dirty="0"/>
           </a:p>
@@ -7197,7 +7374,7 @@
     </p:spTree>
     <p:extLst>
       <p:ext uri="{BB962C8B-B14F-4D97-AF65-F5344CB8AC3E}">
-        <p14:creationId xmlns:p14="http://schemas.microsoft.com/office/powerpoint/2010/main" val="543410780"/>
+        <p14:creationId xmlns:p14="http://schemas.microsoft.com/office/powerpoint/2010/main" val="2656329611"/>
       </p:ext>
     </p:extLst>
   </p:cSld>
@@ -7361,12 +7538,123 @@
           </a:p>
         </p:txBody>
       </p:sp>
+      <p:sp>
+        <p:nvSpPr>
+          <p:cNvPr id="9" name="Title 1">
+            <a:extLst>
+              <a:ext uri="{FF2B5EF4-FFF2-40B4-BE49-F238E27FC236}">
+                <a16:creationId xmlns:a16="http://schemas.microsoft.com/office/drawing/2014/main" id="{733ECC51-7D3B-494F-981B-F6AE2BF450B6}"/>
+              </a:ext>
+            </a:extLst>
+          </p:cNvPr>
+          <p:cNvSpPr txBox="1">
+            <a:spLocks/>
+          </p:cNvSpPr>
+          <p:nvPr/>
+        </p:nvSpPr>
+        <p:spPr>
+          <a:xfrm>
+            <a:off x="493342" y="1489038"/>
+            <a:ext cx="9404723" cy="979842"/>
+          </a:xfrm>
+          <a:prstGeom prst="rect">
+            <a:avLst/>
+          </a:prstGeom>
+        </p:spPr>
+        <p:txBody>
+          <a:bodyPr vert="horz" lIns="91440" tIns="45720" rIns="91440" bIns="45720" rtlCol="0" anchor="t">
+            <a:noAutofit/>
+          </a:bodyPr>
+          <a:lstStyle>
+            <a:lvl1pPr algn="l" defTabSz="457200" rtl="0" eaLnBrk="1" latinLnBrk="0" hangingPunct="1">
+              <a:spcBef>
+                <a:spcPct val="0"/>
+              </a:spcBef>
+              <a:buNone/>
+              <a:defRPr sz="4200" b="0" i="0" kern="1200">
+                <a:solidFill>
+                  <a:schemeClr val="tx2"/>
+                </a:solidFill>
+                <a:latin typeface="+mj-lt"/>
+                <a:ea typeface="+mj-ea"/>
+                <a:cs typeface="+mj-cs"/>
+              </a:defRPr>
+            </a:lvl1pPr>
+            <a:lvl2pPr eaLnBrk="1" hangingPunct="1">
+              <a:defRPr>
+                <a:solidFill>
+                  <a:schemeClr val="tx2"/>
+                </a:solidFill>
+              </a:defRPr>
+            </a:lvl2pPr>
+            <a:lvl3pPr eaLnBrk="1" hangingPunct="1">
+              <a:defRPr>
+                <a:solidFill>
+                  <a:schemeClr val="tx2"/>
+                </a:solidFill>
+              </a:defRPr>
+            </a:lvl3pPr>
+            <a:lvl4pPr eaLnBrk="1" hangingPunct="1">
+              <a:defRPr>
+                <a:solidFill>
+                  <a:schemeClr val="tx2"/>
+                </a:solidFill>
+              </a:defRPr>
+            </a:lvl4pPr>
+            <a:lvl5pPr eaLnBrk="1" hangingPunct="1">
+              <a:defRPr>
+                <a:solidFill>
+                  <a:schemeClr val="tx2"/>
+                </a:solidFill>
+              </a:defRPr>
+            </a:lvl5pPr>
+            <a:lvl6pPr eaLnBrk="1" hangingPunct="1">
+              <a:defRPr>
+                <a:solidFill>
+                  <a:schemeClr val="tx2"/>
+                </a:solidFill>
+              </a:defRPr>
+            </a:lvl6pPr>
+            <a:lvl7pPr eaLnBrk="1" hangingPunct="1">
+              <a:defRPr>
+                <a:solidFill>
+                  <a:schemeClr val="tx2"/>
+                </a:solidFill>
+              </a:defRPr>
+            </a:lvl7pPr>
+            <a:lvl8pPr eaLnBrk="1" hangingPunct="1">
+              <a:defRPr>
+                <a:solidFill>
+                  <a:schemeClr val="tx2"/>
+                </a:solidFill>
+              </a:defRPr>
+            </a:lvl8pPr>
+            <a:lvl9pPr eaLnBrk="1" hangingPunct="1">
+              <a:defRPr>
+                <a:solidFill>
+                  <a:schemeClr val="tx2"/>
+                </a:solidFill>
+              </a:defRPr>
+            </a:lvl9pPr>
+          </a:lstStyle>
+          <a:p>
+            <a:r>
+              <a:rPr lang="en-US" sz="2400" dirty="0"/>
+              <a:t>Best performing Classifier </a:t>
+            </a:r>
+            <a:br>
+              <a:rPr lang="en-US" sz="4400" dirty="0"/>
+            </a:br>
+            <a:endParaRPr lang="en-ZA" dirty="0"/>
+          </a:p>
+        </p:txBody>
+      </p:sp>
       <p:pic>
         <p:nvPicPr>
-          <p:cNvPr id="7" name="Content Placeholder 6" descr="Table&#10;&#10;Description automatically generated">
+          <p:cNvPr id="8" name="Content Placeholder 7" descr="A picture containing text, receipt, screenshot&#10;&#10;Description automatically generated">
             <a:extLst>
               <a:ext uri="{FF2B5EF4-FFF2-40B4-BE49-F238E27FC236}">
-                <a16:creationId xmlns:a16="http://schemas.microsoft.com/office/drawing/2014/main" id="{42E4B424-EAAC-498F-B3FA-0EABBA664AB6}"/>
+                <a16:creationId xmlns:a16="http://schemas.microsoft.com/office/drawing/2014/main" id="{467D50B0-04A2-40BE-8BE5-52FB136EDE16}"/>
               </a:ext>
             </a:extLst>
           </p:cNvPr>
@@ -7391,128 +7679,17 @@
         </p:blipFill>
         <p:spPr>
           <a:xfrm>
-            <a:off x="436880" y="1981201"/>
-            <a:ext cx="8310880" cy="4511040"/>
+            <a:off x="493342" y="2331336"/>
+            <a:ext cx="6991456" cy="3835066"/>
           </a:xfrm>
         </p:spPr>
       </p:pic>
       <p:sp>
         <p:nvSpPr>
-          <p:cNvPr id="9" name="Title 1">
+          <p:cNvPr id="10" name="Rectangle: Rounded Corners 9">
             <a:extLst>
               <a:ext uri="{FF2B5EF4-FFF2-40B4-BE49-F238E27FC236}">
-                <a16:creationId xmlns:a16="http://schemas.microsoft.com/office/drawing/2014/main" id="{733ECC51-7D3B-494F-981B-F6AE2BF450B6}"/>
-              </a:ext>
-            </a:extLst>
-          </p:cNvPr>
-          <p:cNvSpPr txBox="1">
-            <a:spLocks/>
-          </p:cNvSpPr>
-          <p:nvPr/>
-        </p:nvSpPr>
-        <p:spPr>
-          <a:xfrm>
-            <a:off x="493342" y="1489038"/>
-            <a:ext cx="9404723" cy="979842"/>
-          </a:xfrm>
-          <a:prstGeom prst="rect">
-            <a:avLst/>
-          </a:prstGeom>
-        </p:spPr>
-        <p:txBody>
-          <a:bodyPr vert="horz" lIns="91440" tIns="45720" rIns="91440" bIns="45720" rtlCol="0" anchor="t">
-            <a:noAutofit/>
-          </a:bodyPr>
-          <a:lstStyle>
-            <a:lvl1pPr algn="l" defTabSz="457200" rtl="0" eaLnBrk="1" latinLnBrk="0" hangingPunct="1">
-              <a:spcBef>
-                <a:spcPct val="0"/>
-              </a:spcBef>
-              <a:buNone/>
-              <a:defRPr sz="4200" b="0" i="0" kern="1200">
-                <a:solidFill>
-                  <a:schemeClr val="tx2"/>
-                </a:solidFill>
-                <a:latin typeface="+mj-lt"/>
-                <a:ea typeface="+mj-ea"/>
-                <a:cs typeface="+mj-cs"/>
-              </a:defRPr>
-            </a:lvl1pPr>
-            <a:lvl2pPr eaLnBrk="1" hangingPunct="1">
-              <a:defRPr>
-                <a:solidFill>
-                  <a:schemeClr val="tx2"/>
-                </a:solidFill>
-              </a:defRPr>
-            </a:lvl2pPr>
-            <a:lvl3pPr eaLnBrk="1" hangingPunct="1">
-              <a:defRPr>
-                <a:solidFill>
-                  <a:schemeClr val="tx2"/>
-                </a:solidFill>
-              </a:defRPr>
-            </a:lvl3pPr>
-            <a:lvl4pPr eaLnBrk="1" hangingPunct="1">
-              <a:defRPr>
-                <a:solidFill>
-                  <a:schemeClr val="tx2"/>
-                </a:solidFill>
-              </a:defRPr>
-            </a:lvl4pPr>
-            <a:lvl5pPr eaLnBrk="1" hangingPunct="1">
-              <a:defRPr>
-                <a:solidFill>
-                  <a:schemeClr val="tx2"/>
-                </a:solidFill>
-              </a:defRPr>
-            </a:lvl5pPr>
-            <a:lvl6pPr eaLnBrk="1" hangingPunct="1">
-              <a:defRPr>
-                <a:solidFill>
-                  <a:schemeClr val="tx2"/>
-                </a:solidFill>
-              </a:defRPr>
-            </a:lvl6pPr>
-            <a:lvl7pPr eaLnBrk="1" hangingPunct="1">
-              <a:defRPr>
-                <a:solidFill>
-                  <a:schemeClr val="tx2"/>
-                </a:solidFill>
-              </a:defRPr>
-            </a:lvl7pPr>
-            <a:lvl8pPr eaLnBrk="1" hangingPunct="1">
-              <a:defRPr>
-                <a:solidFill>
-                  <a:schemeClr val="tx2"/>
-                </a:solidFill>
-              </a:defRPr>
-            </a:lvl8pPr>
-            <a:lvl9pPr eaLnBrk="1" hangingPunct="1">
-              <a:defRPr>
-                <a:solidFill>
-                  <a:schemeClr val="tx2"/>
-                </a:solidFill>
-              </a:defRPr>
-            </a:lvl9pPr>
-          </a:lstStyle>
-          <a:p>
-            <a:r>
-              <a:rPr lang="en-US" sz="2400" dirty="0"/>
-              <a:t>Classifiers </a:t>
-            </a:r>
-            <a:br>
-              <a:rPr lang="en-US" sz="4400" dirty="0"/>
-            </a:br>
-            <a:endParaRPr lang="en-ZA" dirty="0"/>
-          </a:p>
-        </p:txBody>
-      </p:sp>
-      <p:sp>
-        <p:nvSpPr>
-          <p:cNvPr id="2" name="Rectangle: Rounded Corners 1">
-            <a:extLst>
-              <a:ext uri="{FF2B5EF4-FFF2-40B4-BE49-F238E27FC236}">
-                <a16:creationId xmlns:a16="http://schemas.microsoft.com/office/drawing/2014/main" id="{404E6332-CB27-4BE8-8A49-8E604B5C5362}"/>
+                <a16:creationId xmlns:a16="http://schemas.microsoft.com/office/drawing/2014/main" id="{76462F92-C525-42CF-938E-14BD42B7B1BA}"/>
               </a:ext>
             </a:extLst>
           </p:cNvPr>
@@ -7521,8 +7698,8 @@
         </p:nvSpPr>
         <p:spPr>
           <a:xfrm>
-            <a:off x="9153625" y="1981201"/>
-            <a:ext cx="2601495" cy="4159717"/>
+            <a:off x="8518358" y="1852613"/>
+            <a:ext cx="3027529" cy="4182427"/>
           </a:xfrm>
           <a:prstGeom prst="roundRect">
             <a:avLst/>
@@ -7551,11 +7728,21 @@
             <a:pPr algn="ctr"/>
             <a:r>
               <a:rPr lang="en-US" dirty="0"/>
-              <a:t>Performance report indicates that Random Forest out perform all the selected classifier models by scoring 80% before parameter </a:t>
-            </a:r>
-            <a:r>
-              <a:rPr lang="en-US" dirty="0" err="1"/>
-              <a:t>tunning</a:t>
+              <a:t>The best performing model after parameter tuning. The accuracy is still 80%</a:t>
+            </a:r>
+          </a:p>
+          <a:p>
+            <a:pPr algn="ctr"/>
+            <a:r>
+              <a:rPr lang="en-US" dirty="0"/>
+              <a:t>And can still be improved.</a:t>
+            </a:r>
+          </a:p>
+          <a:p>
+            <a:pPr algn="ctr"/>
+            <a:r>
+              <a:rPr lang="en-US" dirty="0"/>
+              <a:t>It was obtained through grid search </a:t>
             </a:r>
             <a:endParaRPr lang="en-ZA" dirty="0"/>
           </a:p>
@@ -7564,7 +7751,7 @@
     </p:spTree>
     <p:extLst>
       <p:ext uri="{BB962C8B-B14F-4D97-AF65-F5344CB8AC3E}">
-        <p14:creationId xmlns:p14="http://schemas.microsoft.com/office/powerpoint/2010/main" val="2656329611"/>
+        <p14:creationId xmlns:p14="http://schemas.microsoft.com/office/powerpoint/2010/main" val="142362038"/>
       </p:ext>
     </p:extLst>
   </p:cSld>
@@ -7619,383 +7806,6 @@
           <a:p>
             <a:r>
               <a:rPr lang="en-US" sz="4000" dirty="0"/>
-              <a:t>Modeling</a:t>
-            </a:r>
-          </a:p>
-        </p:txBody>
-      </p:sp>
-      <p:sp>
-        <p:nvSpPr>
-          <p:cNvPr id="5" name="Title 1">
-            <a:extLst>
-              <a:ext uri="{FF2B5EF4-FFF2-40B4-BE49-F238E27FC236}">
-                <a16:creationId xmlns:a16="http://schemas.microsoft.com/office/drawing/2014/main" id="{543ECB04-8506-41C8-87FC-6FA78A242129}"/>
-              </a:ext>
-            </a:extLst>
-          </p:cNvPr>
-          <p:cNvSpPr txBox="1">
-            <a:spLocks/>
-          </p:cNvSpPr>
-          <p:nvPr/>
-        </p:nvSpPr>
-        <p:spPr>
-          <a:xfrm>
-            <a:off x="798511" y="1489038"/>
-            <a:ext cx="9404723" cy="979842"/>
-          </a:xfrm>
-          <a:prstGeom prst="rect">
-            <a:avLst/>
-          </a:prstGeom>
-        </p:spPr>
-        <p:txBody>
-          <a:bodyPr vert="horz" lIns="91440" tIns="45720" rIns="91440" bIns="45720" rtlCol="0" anchor="t">
-            <a:noAutofit/>
-          </a:bodyPr>
-          <a:lstStyle>
-            <a:lvl1pPr algn="l" defTabSz="457200" rtl="0" eaLnBrk="1" latinLnBrk="0" hangingPunct="1">
-              <a:spcBef>
-                <a:spcPct val="0"/>
-              </a:spcBef>
-              <a:buNone/>
-              <a:defRPr sz="4200" b="0" i="0" kern="1200">
-                <a:solidFill>
-                  <a:schemeClr val="tx2"/>
-                </a:solidFill>
-                <a:latin typeface="+mj-lt"/>
-                <a:ea typeface="+mj-ea"/>
-                <a:cs typeface="+mj-cs"/>
-              </a:defRPr>
-            </a:lvl1pPr>
-            <a:lvl2pPr eaLnBrk="1" hangingPunct="1">
-              <a:defRPr>
-                <a:solidFill>
-                  <a:schemeClr val="tx2"/>
-                </a:solidFill>
-              </a:defRPr>
-            </a:lvl2pPr>
-            <a:lvl3pPr eaLnBrk="1" hangingPunct="1">
-              <a:defRPr>
-                <a:solidFill>
-                  <a:schemeClr val="tx2"/>
-                </a:solidFill>
-              </a:defRPr>
-            </a:lvl3pPr>
-            <a:lvl4pPr eaLnBrk="1" hangingPunct="1">
-              <a:defRPr>
-                <a:solidFill>
-                  <a:schemeClr val="tx2"/>
-                </a:solidFill>
-              </a:defRPr>
-            </a:lvl4pPr>
-            <a:lvl5pPr eaLnBrk="1" hangingPunct="1">
-              <a:defRPr>
-                <a:solidFill>
-                  <a:schemeClr val="tx2"/>
-                </a:solidFill>
-              </a:defRPr>
-            </a:lvl5pPr>
-            <a:lvl6pPr eaLnBrk="1" hangingPunct="1">
-              <a:defRPr>
-                <a:solidFill>
-                  <a:schemeClr val="tx2"/>
-                </a:solidFill>
-              </a:defRPr>
-            </a:lvl6pPr>
-            <a:lvl7pPr eaLnBrk="1" hangingPunct="1">
-              <a:defRPr>
-                <a:solidFill>
-                  <a:schemeClr val="tx2"/>
-                </a:solidFill>
-              </a:defRPr>
-            </a:lvl7pPr>
-            <a:lvl8pPr eaLnBrk="1" hangingPunct="1">
-              <a:defRPr>
-                <a:solidFill>
-                  <a:schemeClr val="tx2"/>
-                </a:solidFill>
-              </a:defRPr>
-            </a:lvl8pPr>
-            <a:lvl9pPr eaLnBrk="1" hangingPunct="1">
-              <a:defRPr>
-                <a:solidFill>
-                  <a:schemeClr val="tx2"/>
-                </a:solidFill>
-              </a:defRPr>
-            </a:lvl9pPr>
-          </a:lstStyle>
-          <a:p>
-            <a:endParaRPr lang="en-ZA" dirty="0"/>
-          </a:p>
-        </p:txBody>
-      </p:sp>
-      <p:sp>
-        <p:nvSpPr>
-          <p:cNvPr id="9" name="Title 1">
-            <a:extLst>
-              <a:ext uri="{FF2B5EF4-FFF2-40B4-BE49-F238E27FC236}">
-                <a16:creationId xmlns:a16="http://schemas.microsoft.com/office/drawing/2014/main" id="{733ECC51-7D3B-494F-981B-F6AE2BF450B6}"/>
-              </a:ext>
-            </a:extLst>
-          </p:cNvPr>
-          <p:cNvSpPr txBox="1">
-            <a:spLocks/>
-          </p:cNvSpPr>
-          <p:nvPr/>
-        </p:nvSpPr>
-        <p:spPr>
-          <a:xfrm>
-            <a:off x="493342" y="1489038"/>
-            <a:ext cx="9404723" cy="979842"/>
-          </a:xfrm>
-          <a:prstGeom prst="rect">
-            <a:avLst/>
-          </a:prstGeom>
-        </p:spPr>
-        <p:txBody>
-          <a:bodyPr vert="horz" lIns="91440" tIns="45720" rIns="91440" bIns="45720" rtlCol="0" anchor="t">
-            <a:noAutofit/>
-          </a:bodyPr>
-          <a:lstStyle>
-            <a:lvl1pPr algn="l" defTabSz="457200" rtl="0" eaLnBrk="1" latinLnBrk="0" hangingPunct="1">
-              <a:spcBef>
-                <a:spcPct val="0"/>
-              </a:spcBef>
-              <a:buNone/>
-              <a:defRPr sz="4200" b="0" i="0" kern="1200">
-                <a:solidFill>
-                  <a:schemeClr val="tx2"/>
-                </a:solidFill>
-                <a:latin typeface="+mj-lt"/>
-                <a:ea typeface="+mj-ea"/>
-                <a:cs typeface="+mj-cs"/>
-              </a:defRPr>
-            </a:lvl1pPr>
-            <a:lvl2pPr eaLnBrk="1" hangingPunct="1">
-              <a:defRPr>
-                <a:solidFill>
-                  <a:schemeClr val="tx2"/>
-                </a:solidFill>
-              </a:defRPr>
-            </a:lvl2pPr>
-            <a:lvl3pPr eaLnBrk="1" hangingPunct="1">
-              <a:defRPr>
-                <a:solidFill>
-                  <a:schemeClr val="tx2"/>
-                </a:solidFill>
-              </a:defRPr>
-            </a:lvl3pPr>
-            <a:lvl4pPr eaLnBrk="1" hangingPunct="1">
-              <a:defRPr>
-                <a:solidFill>
-                  <a:schemeClr val="tx2"/>
-                </a:solidFill>
-              </a:defRPr>
-            </a:lvl4pPr>
-            <a:lvl5pPr eaLnBrk="1" hangingPunct="1">
-              <a:defRPr>
-                <a:solidFill>
-                  <a:schemeClr val="tx2"/>
-                </a:solidFill>
-              </a:defRPr>
-            </a:lvl5pPr>
-            <a:lvl6pPr eaLnBrk="1" hangingPunct="1">
-              <a:defRPr>
-                <a:solidFill>
-                  <a:schemeClr val="tx2"/>
-                </a:solidFill>
-              </a:defRPr>
-            </a:lvl6pPr>
-            <a:lvl7pPr eaLnBrk="1" hangingPunct="1">
-              <a:defRPr>
-                <a:solidFill>
-                  <a:schemeClr val="tx2"/>
-                </a:solidFill>
-              </a:defRPr>
-            </a:lvl7pPr>
-            <a:lvl8pPr eaLnBrk="1" hangingPunct="1">
-              <a:defRPr>
-                <a:solidFill>
-                  <a:schemeClr val="tx2"/>
-                </a:solidFill>
-              </a:defRPr>
-            </a:lvl8pPr>
-            <a:lvl9pPr eaLnBrk="1" hangingPunct="1">
-              <a:defRPr>
-                <a:solidFill>
-                  <a:schemeClr val="tx2"/>
-                </a:solidFill>
-              </a:defRPr>
-            </a:lvl9pPr>
-          </a:lstStyle>
-          <a:p>
-            <a:r>
-              <a:rPr lang="en-US" sz="2400" dirty="0"/>
-              <a:t>Best performing Classifier </a:t>
-            </a:r>
-            <a:br>
-              <a:rPr lang="en-US" sz="4400" dirty="0"/>
-            </a:br>
-            <a:endParaRPr lang="en-ZA" dirty="0"/>
-          </a:p>
-        </p:txBody>
-      </p:sp>
-      <p:pic>
-        <p:nvPicPr>
-          <p:cNvPr id="8" name="Content Placeholder 7" descr="A picture containing text, receipt, screenshot&#10;&#10;Description automatically generated">
-            <a:extLst>
-              <a:ext uri="{FF2B5EF4-FFF2-40B4-BE49-F238E27FC236}">
-                <a16:creationId xmlns:a16="http://schemas.microsoft.com/office/drawing/2014/main" id="{467D50B0-04A2-40BE-8BE5-52FB136EDE16}"/>
-              </a:ext>
-            </a:extLst>
-          </p:cNvPr>
-          <p:cNvPicPr>
-            <a:picLocks noGrp="1" noChangeAspect="1"/>
-          </p:cNvPicPr>
-          <p:nvPr>
-            <p:ph idx="1"/>
-          </p:nvPr>
-        </p:nvPicPr>
-        <p:blipFill>
-          <a:blip r:embed="rId2">
-            <a:extLst>
-              <a:ext uri="{28A0092B-C50C-407E-A947-70E740481C1C}">
-                <a14:useLocalDpi xmlns:a14="http://schemas.microsoft.com/office/drawing/2010/main" val="0"/>
-              </a:ext>
-            </a:extLst>
-          </a:blip>
-          <a:stretch>
-            <a:fillRect/>
-          </a:stretch>
-        </p:blipFill>
-        <p:spPr>
-          <a:xfrm>
-            <a:off x="493342" y="2331336"/>
-            <a:ext cx="6991456" cy="3835066"/>
-          </a:xfrm>
-        </p:spPr>
-      </p:pic>
-      <p:sp>
-        <p:nvSpPr>
-          <p:cNvPr id="10" name="Rectangle: Rounded Corners 9">
-            <a:extLst>
-              <a:ext uri="{FF2B5EF4-FFF2-40B4-BE49-F238E27FC236}">
-                <a16:creationId xmlns:a16="http://schemas.microsoft.com/office/drawing/2014/main" id="{76462F92-C525-42CF-938E-14BD42B7B1BA}"/>
-              </a:ext>
-            </a:extLst>
-          </p:cNvPr>
-          <p:cNvSpPr/>
-          <p:nvPr/>
-        </p:nvSpPr>
-        <p:spPr>
-          <a:xfrm>
-            <a:off x="8518358" y="1852613"/>
-            <a:ext cx="3027529" cy="4182427"/>
-          </a:xfrm>
-          <a:prstGeom prst="roundRect">
-            <a:avLst/>
-          </a:prstGeom>
-        </p:spPr>
-        <p:style>
-          <a:lnRef idx="2">
-            <a:schemeClr val="accent1">
-              <a:shade val="50000"/>
-            </a:schemeClr>
-          </a:lnRef>
-          <a:fillRef idx="1">
-            <a:schemeClr val="accent1"/>
-          </a:fillRef>
-          <a:effectRef idx="0">
-            <a:schemeClr val="accent1"/>
-          </a:effectRef>
-          <a:fontRef idx="minor">
-            <a:schemeClr val="lt1"/>
-          </a:fontRef>
-        </p:style>
-        <p:txBody>
-          <a:bodyPr rtlCol="0" anchor="ctr"/>
-          <a:lstStyle/>
-          <a:p>
-            <a:pPr algn="ctr"/>
-            <a:r>
-              <a:rPr lang="en-US" dirty="0"/>
-              <a:t>The best performing model after parameter tuning. The accuracy is still 80%</a:t>
-            </a:r>
-          </a:p>
-          <a:p>
-            <a:pPr algn="ctr"/>
-            <a:r>
-              <a:rPr lang="en-US" dirty="0"/>
-              <a:t>And can still be improved.</a:t>
-            </a:r>
-          </a:p>
-          <a:p>
-            <a:pPr algn="ctr"/>
-            <a:r>
-              <a:rPr lang="en-US" dirty="0"/>
-              <a:t>It was obtained through grid search </a:t>
-            </a:r>
-            <a:endParaRPr lang="en-ZA" dirty="0"/>
-          </a:p>
-        </p:txBody>
-      </p:sp>
-    </p:spTree>
-    <p:extLst>
-      <p:ext uri="{BB962C8B-B14F-4D97-AF65-F5344CB8AC3E}">
-        <p14:creationId xmlns:p14="http://schemas.microsoft.com/office/powerpoint/2010/main" val="142362038"/>
-      </p:ext>
-    </p:extLst>
-  </p:cSld>
-  <p:clrMapOvr>
-    <a:masterClrMapping/>
-  </p:clrMapOvr>
-</p:sld>
-</file>
-
-<file path=ppt/slides/slide16.xml><?xml version="1.0" encoding="utf-8"?>
-<p:sld xmlns:a="http://schemas.openxmlformats.org/drawingml/2006/main" xmlns:r="http://schemas.openxmlformats.org/officeDocument/2006/relationships" xmlns:p="http://schemas.openxmlformats.org/presentationml/2006/main">
-  <p:cSld>
-    <p:spTree>
-      <p:nvGrpSpPr>
-        <p:cNvPr id="1" name=""/>
-        <p:cNvGrpSpPr/>
-        <p:nvPr/>
-      </p:nvGrpSpPr>
-      <p:grpSpPr>
-        <a:xfrm>
-          <a:off x="0" y="0"/>
-          <a:ext cx="0" cy="0"/>
-          <a:chOff x="0" y="0"/>
-          <a:chExt cx="0" cy="0"/>
-        </a:xfrm>
-      </p:grpSpPr>
-      <p:sp>
-        <p:nvSpPr>
-          <p:cNvPr id="4" name="Title 1">
-            <a:extLst>
-              <a:ext uri="{FF2B5EF4-FFF2-40B4-BE49-F238E27FC236}">
-                <a16:creationId xmlns:a16="http://schemas.microsoft.com/office/drawing/2014/main" id="{7FF5BD98-F94E-4E14-8BB6-CA9825419188}"/>
-              </a:ext>
-            </a:extLst>
-          </p:cNvPr>
-          <p:cNvSpPr>
-            <a:spLocks noGrp="1"/>
-          </p:cNvSpPr>
-          <p:nvPr>
-            <p:ph type="title"/>
-          </p:nvPr>
-        </p:nvSpPr>
-        <p:spPr>
-          <a:xfrm>
-            <a:off x="646113" y="452438"/>
-            <a:ext cx="9404350" cy="1400175"/>
-          </a:xfrm>
-        </p:spPr>
-        <p:txBody>
-          <a:bodyPr/>
-          <a:lstStyle/>
-          <a:p>
-            <a:r>
-              <a:rPr lang="en-US" sz="4000" dirty="0"/>
               <a:t>More Exploration to consider </a:t>
             </a:r>
           </a:p>
@@ -8315,7 +8125,7 @@
 </p:sld>
 </file>
 
-<file path=ppt/slides/slide17.xml><?xml version="1.0" encoding="utf-8"?>
+<file path=ppt/slides/slide16.xml><?xml version="1.0" encoding="utf-8"?>
 <p:sld xmlns:a="http://schemas.openxmlformats.org/drawingml/2006/main" xmlns:r="http://schemas.openxmlformats.org/officeDocument/2006/relationships" xmlns:p="http://schemas.openxmlformats.org/presentationml/2006/main">
   <p:cSld>
     <p:spTree>
@@ -9404,7 +9214,7 @@
 </p:sld>
 </file>
 
-<file path=ppt/slides/slide18.xml><?xml version="1.0" encoding="utf-8"?>
+<file path=ppt/slides/slide17.xml><?xml version="1.0" encoding="utf-8"?>
 <p:sld xmlns:a="http://schemas.openxmlformats.org/drawingml/2006/main" xmlns:r="http://schemas.openxmlformats.org/officeDocument/2006/relationships" xmlns:p="http://schemas.openxmlformats.org/presentationml/2006/main">
   <p:cSld>
     <p:spTree>
@@ -9526,7 +9336,7 @@
 </p:sld>
 </file>
 
-<file path=ppt/slides/slide19.xml><?xml version="1.0" encoding="utf-8"?>
+<file path=ppt/slides/slide18.xml><?xml version="1.0" encoding="utf-8"?>
 <p:sld xmlns:a="http://schemas.openxmlformats.org/drawingml/2006/main" xmlns:r="http://schemas.openxmlformats.org/officeDocument/2006/relationships" xmlns:p="http://schemas.openxmlformats.org/presentationml/2006/main">
   <p:cSld>
     <p:spTree>
@@ -10990,96 +10800,6 @@
           <p:cNvPr id="2" name="Title 1">
             <a:extLst>
               <a:ext uri="{FF2B5EF4-FFF2-40B4-BE49-F238E27FC236}">
-                <a16:creationId xmlns:a16="http://schemas.microsoft.com/office/drawing/2014/main" id="{DE12E43E-9598-454A-B5E1-E3B77315CD91}"/>
-              </a:ext>
-            </a:extLst>
-          </p:cNvPr>
-          <p:cNvSpPr>
-            <a:spLocks noGrp="1"/>
-          </p:cNvSpPr>
-          <p:nvPr>
-            <p:ph type="title"/>
-          </p:nvPr>
-        </p:nvSpPr>
-        <p:spPr/>
-        <p:txBody>
-          <a:bodyPr/>
-          <a:lstStyle/>
-          <a:p>
-            <a:r>
-              <a:rPr lang="en-US" dirty="0"/>
-              <a:t>Background &amp; Problem statement</a:t>
-            </a:r>
-            <a:endParaRPr lang="en-ZA" dirty="0"/>
-          </a:p>
-        </p:txBody>
-      </p:sp>
-      <p:sp>
-        <p:nvSpPr>
-          <p:cNvPr id="3" name="Content Placeholder 2">
-            <a:extLst>
-              <a:ext uri="{FF2B5EF4-FFF2-40B4-BE49-F238E27FC236}">
-                <a16:creationId xmlns:a16="http://schemas.microsoft.com/office/drawing/2014/main" id="{4C78FAA1-9142-4A56-929F-743EE7BA621F}"/>
-              </a:ext>
-            </a:extLst>
-          </p:cNvPr>
-          <p:cNvSpPr>
-            <a:spLocks noGrp="1"/>
-          </p:cNvSpPr>
-          <p:nvPr>
-            <p:ph idx="1"/>
-          </p:nvPr>
-        </p:nvSpPr>
-        <p:spPr/>
-        <p:txBody>
-          <a:bodyPr/>
-          <a:lstStyle/>
-          <a:p>
-            <a:endParaRPr lang="en-US" dirty="0"/>
-          </a:p>
-          <a:p>
-            <a:r>
-              <a:rPr lang="en-US" dirty="0"/>
-              <a:t>Try to show a scatter plot for fruits classification</a:t>
-            </a:r>
-          </a:p>
-        </p:txBody>
-      </p:sp>
-    </p:spTree>
-    <p:extLst>
-      <p:ext uri="{BB962C8B-B14F-4D97-AF65-F5344CB8AC3E}">
-        <p14:creationId xmlns:p14="http://schemas.microsoft.com/office/powerpoint/2010/main" val="3773742378"/>
-      </p:ext>
-    </p:extLst>
-  </p:cSld>
-  <p:clrMapOvr>
-    <a:masterClrMapping/>
-  </p:clrMapOvr>
-</p:sld>
-</file>
-
-<file path=ppt/slides/slide6.xml><?xml version="1.0" encoding="utf-8"?>
-<p:sld xmlns:a="http://schemas.openxmlformats.org/drawingml/2006/main" xmlns:r="http://schemas.openxmlformats.org/officeDocument/2006/relationships" xmlns:p="http://schemas.openxmlformats.org/presentationml/2006/main">
-  <p:cSld>
-    <p:spTree>
-      <p:nvGrpSpPr>
-        <p:cNvPr id="1" name=""/>
-        <p:cNvGrpSpPr/>
-        <p:nvPr/>
-      </p:nvGrpSpPr>
-      <p:grpSpPr>
-        <a:xfrm>
-          <a:off x="0" y="0"/>
-          <a:ext cx="0" cy="0"/>
-          <a:chOff x="0" y="0"/>
-          <a:chExt cx="0" cy="0"/>
-        </a:xfrm>
-      </p:grpSpPr>
-      <p:sp>
-        <p:nvSpPr>
-          <p:cNvPr id="2" name="Title 1">
-            <a:extLst>
-              <a:ext uri="{FF2B5EF4-FFF2-40B4-BE49-F238E27FC236}">
                 <a16:creationId xmlns:a16="http://schemas.microsoft.com/office/drawing/2014/main" id="{CF006D6D-367D-48E2-AB87-25FABA523C12}"/>
               </a:ext>
             </a:extLst>
@@ -11453,7 +11173,7 @@
 </p:sld>
 </file>
 
-<file path=ppt/slides/slide7.xml><?xml version="1.0" encoding="utf-8"?>
+<file path=ppt/slides/slide6.xml><?xml version="1.0" encoding="utf-8"?>
 <p:sld xmlns:a="http://schemas.openxmlformats.org/drawingml/2006/main" xmlns:r="http://schemas.openxmlformats.org/officeDocument/2006/relationships" xmlns:p="http://schemas.openxmlformats.org/presentationml/2006/main">
   <p:cSld>
     <p:spTree>
@@ -11770,7 +11490,7 @@
 </p:sld>
 </file>
 
-<file path=ppt/slides/slide8.xml><?xml version="1.0" encoding="utf-8"?>
+<file path=ppt/slides/slide7.xml><?xml version="1.0" encoding="utf-8"?>
 <p:sld xmlns:a="http://schemas.openxmlformats.org/drawingml/2006/main" xmlns:r="http://schemas.openxmlformats.org/officeDocument/2006/relationships" xmlns:p="http://schemas.openxmlformats.org/presentationml/2006/main">
   <p:cSld>
     <p:spTree>
@@ -12112,6 +11832,265 @@
     <p:extLst>
       <p:ext uri="{BB962C8B-B14F-4D97-AF65-F5344CB8AC3E}">
         <p14:creationId xmlns:p14="http://schemas.microsoft.com/office/powerpoint/2010/main" val="2506122477"/>
+      </p:ext>
+    </p:extLst>
+  </p:cSld>
+  <p:clrMapOvr>
+    <a:masterClrMapping/>
+  </p:clrMapOvr>
+</p:sld>
+</file>
+
+<file path=ppt/slides/slide8.xml><?xml version="1.0" encoding="utf-8"?>
+<p:sld xmlns:a="http://schemas.openxmlformats.org/drawingml/2006/main" xmlns:r="http://schemas.openxmlformats.org/officeDocument/2006/relationships" xmlns:p="http://schemas.openxmlformats.org/presentationml/2006/main">
+  <p:cSld>
+    <p:spTree>
+      <p:nvGrpSpPr>
+        <p:cNvPr id="1" name=""/>
+        <p:cNvGrpSpPr/>
+        <p:nvPr/>
+      </p:nvGrpSpPr>
+      <p:grpSpPr>
+        <a:xfrm>
+          <a:off x="0" y="0"/>
+          <a:ext cx="0" cy="0"/>
+          <a:chOff x="0" y="0"/>
+          <a:chExt cx="0" cy="0"/>
+        </a:xfrm>
+      </p:grpSpPr>
+      <p:sp>
+        <p:nvSpPr>
+          <p:cNvPr id="4" name="Title 1">
+            <a:extLst>
+              <a:ext uri="{FF2B5EF4-FFF2-40B4-BE49-F238E27FC236}">
+                <a16:creationId xmlns:a16="http://schemas.microsoft.com/office/drawing/2014/main" id="{7FF5BD98-F94E-4E14-8BB6-CA9825419188}"/>
+              </a:ext>
+            </a:extLst>
+          </p:cNvPr>
+          <p:cNvSpPr>
+            <a:spLocks noGrp="1"/>
+          </p:cNvSpPr>
+          <p:nvPr>
+            <p:ph type="title"/>
+          </p:nvPr>
+        </p:nvSpPr>
+        <p:spPr>
+          <a:xfrm>
+            <a:off x="646113" y="452438"/>
+            <a:ext cx="9404350" cy="1400175"/>
+          </a:xfrm>
+        </p:spPr>
+        <p:txBody>
+          <a:bodyPr/>
+          <a:lstStyle/>
+          <a:p>
+            <a:r>
+              <a:rPr lang="en-US" sz="4000" dirty="0"/>
+              <a:t>Exploratory Data Analysis</a:t>
+            </a:r>
+            <a:endParaRPr lang="en-ZA" dirty="0"/>
+          </a:p>
+        </p:txBody>
+      </p:sp>
+      <p:sp>
+        <p:nvSpPr>
+          <p:cNvPr id="5" name="Title 1">
+            <a:extLst>
+              <a:ext uri="{FF2B5EF4-FFF2-40B4-BE49-F238E27FC236}">
+                <a16:creationId xmlns:a16="http://schemas.microsoft.com/office/drawing/2014/main" id="{543ECB04-8506-41C8-87FC-6FA78A242129}"/>
+              </a:ext>
+            </a:extLst>
+          </p:cNvPr>
+          <p:cNvSpPr txBox="1">
+            <a:spLocks/>
+          </p:cNvSpPr>
+          <p:nvPr/>
+        </p:nvSpPr>
+        <p:spPr>
+          <a:xfrm>
+            <a:off x="798511" y="1489038"/>
+            <a:ext cx="9404723" cy="979842"/>
+          </a:xfrm>
+          <a:prstGeom prst="rect">
+            <a:avLst/>
+          </a:prstGeom>
+        </p:spPr>
+        <p:txBody>
+          <a:bodyPr vert="horz" lIns="91440" tIns="45720" rIns="91440" bIns="45720" rtlCol="0" anchor="t">
+            <a:noAutofit/>
+          </a:bodyPr>
+          <a:lstStyle>
+            <a:lvl1pPr algn="l" defTabSz="457200" rtl="0" eaLnBrk="1" latinLnBrk="0" hangingPunct="1">
+              <a:spcBef>
+                <a:spcPct val="0"/>
+              </a:spcBef>
+              <a:buNone/>
+              <a:defRPr sz="4200" b="0" i="0" kern="1200">
+                <a:solidFill>
+                  <a:schemeClr val="tx2"/>
+                </a:solidFill>
+                <a:latin typeface="+mj-lt"/>
+                <a:ea typeface="+mj-ea"/>
+                <a:cs typeface="+mj-cs"/>
+              </a:defRPr>
+            </a:lvl1pPr>
+            <a:lvl2pPr eaLnBrk="1" hangingPunct="1">
+              <a:defRPr>
+                <a:solidFill>
+                  <a:schemeClr val="tx2"/>
+                </a:solidFill>
+              </a:defRPr>
+            </a:lvl2pPr>
+            <a:lvl3pPr eaLnBrk="1" hangingPunct="1">
+              <a:defRPr>
+                <a:solidFill>
+                  <a:schemeClr val="tx2"/>
+                </a:solidFill>
+              </a:defRPr>
+            </a:lvl3pPr>
+            <a:lvl4pPr eaLnBrk="1" hangingPunct="1">
+              <a:defRPr>
+                <a:solidFill>
+                  <a:schemeClr val="tx2"/>
+                </a:solidFill>
+              </a:defRPr>
+            </a:lvl4pPr>
+            <a:lvl5pPr eaLnBrk="1" hangingPunct="1">
+              <a:defRPr>
+                <a:solidFill>
+                  <a:schemeClr val="tx2"/>
+                </a:solidFill>
+              </a:defRPr>
+            </a:lvl5pPr>
+            <a:lvl6pPr eaLnBrk="1" hangingPunct="1">
+              <a:defRPr>
+                <a:solidFill>
+                  <a:schemeClr val="tx2"/>
+                </a:solidFill>
+              </a:defRPr>
+            </a:lvl6pPr>
+            <a:lvl7pPr eaLnBrk="1" hangingPunct="1">
+              <a:defRPr>
+                <a:solidFill>
+                  <a:schemeClr val="tx2"/>
+                </a:solidFill>
+              </a:defRPr>
+            </a:lvl7pPr>
+            <a:lvl8pPr eaLnBrk="1" hangingPunct="1">
+              <a:defRPr>
+                <a:solidFill>
+                  <a:schemeClr val="tx2"/>
+                </a:solidFill>
+              </a:defRPr>
+            </a:lvl8pPr>
+            <a:lvl9pPr eaLnBrk="1" hangingPunct="1">
+              <a:defRPr>
+                <a:solidFill>
+                  <a:schemeClr val="tx2"/>
+                </a:solidFill>
+              </a:defRPr>
+            </a:lvl9pPr>
+          </a:lstStyle>
+          <a:p>
+            <a:r>
+              <a:rPr lang="en-US" sz="2400" dirty="0"/>
+              <a:t>Numerical Feature distribution</a:t>
+            </a:r>
+            <a:br>
+              <a:rPr lang="en-US" sz="4400" dirty="0"/>
+            </a:br>
+            <a:endParaRPr lang="en-ZA" dirty="0"/>
+          </a:p>
+        </p:txBody>
+      </p:sp>
+      <p:pic>
+        <p:nvPicPr>
+          <p:cNvPr id="8" name="Content Placeholder 7" descr="Chart&#10;&#10;Description automatically generated">
+            <a:extLst>
+              <a:ext uri="{FF2B5EF4-FFF2-40B4-BE49-F238E27FC236}">
+                <a16:creationId xmlns:a16="http://schemas.microsoft.com/office/drawing/2014/main" id="{C1DC3252-A328-45E5-B61C-3F81B93B4BE6}"/>
+              </a:ext>
+            </a:extLst>
+          </p:cNvPr>
+          <p:cNvPicPr>
+            <a:picLocks noGrp="1" noChangeAspect="1"/>
+          </p:cNvPicPr>
+          <p:nvPr>
+            <p:ph idx="1"/>
+          </p:nvPr>
+        </p:nvPicPr>
+        <p:blipFill>
+          <a:blip r:embed="rId2">
+            <a:extLst>
+              <a:ext uri="{28A0092B-C50C-407E-A947-70E740481C1C}">
+                <a14:useLocalDpi xmlns:a14="http://schemas.microsoft.com/office/drawing/2010/main" val="0"/>
+              </a:ext>
+            </a:extLst>
+          </a:blip>
+          <a:stretch>
+            <a:fillRect/>
+          </a:stretch>
+        </p:blipFill>
+        <p:spPr>
+          <a:xfrm>
+            <a:off x="95726" y="1945594"/>
+            <a:ext cx="6538753" cy="4627926"/>
+          </a:xfrm>
+        </p:spPr>
+      </p:pic>
+      <p:sp>
+        <p:nvSpPr>
+          <p:cNvPr id="12" name="Rectangle: Rounded Corners 11">
+            <a:extLst>
+              <a:ext uri="{FF2B5EF4-FFF2-40B4-BE49-F238E27FC236}">
+                <a16:creationId xmlns:a16="http://schemas.microsoft.com/office/drawing/2014/main" id="{3E88DA4E-BA97-4812-B59D-212ADF078B05}"/>
+              </a:ext>
+            </a:extLst>
+          </p:cNvPr>
+          <p:cNvSpPr/>
+          <p:nvPr/>
+        </p:nvSpPr>
+        <p:spPr>
+          <a:xfrm>
+            <a:off x="7430703" y="2541447"/>
+            <a:ext cx="3686476" cy="3436219"/>
+          </a:xfrm>
+          <a:prstGeom prst="roundRect">
+            <a:avLst/>
+          </a:prstGeom>
+        </p:spPr>
+        <p:style>
+          <a:lnRef idx="2">
+            <a:schemeClr val="accent1">
+              <a:shade val="50000"/>
+            </a:schemeClr>
+          </a:lnRef>
+          <a:fillRef idx="1">
+            <a:schemeClr val="accent1"/>
+          </a:fillRef>
+          <a:effectRef idx="0">
+            <a:schemeClr val="accent1"/>
+          </a:effectRef>
+          <a:fontRef idx="minor">
+            <a:schemeClr val="lt1"/>
+          </a:fontRef>
+        </p:style>
+        <p:txBody>
+          <a:bodyPr rtlCol="0" anchor="ctr"/>
+          <a:lstStyle/>
+          <a:p>
+            <a:pPr algn="ctr"/>
+            <a:r>
+              <a:rPr lang="en-ZA" dirty="0"/>
+              <a:t>Some pairs of attributes are correlated (mass and width). This suggests a high correlation and a predictable relationship. Thus a presence of multicollinearity</a:t>
+            </a:r>
+          </a:p>
+        </p:txBody>
+      </p:sp>
+    </p:spTree>
+    <p:extLst>
+      <p:ext uri="{BB962C8B-B14F-4D97-AF65-F5344CB8AC3E}">
+        <p14:creationId xmlns:p14="http://schemas.microsoft.com/office/powerpoint/2010/main" val="3682224507"/>
       </p:ext>
     </p:extLst>
   </p:cSld>
@@ -12274,7 +12253,7 @@
           <a:p>
             <a:r>
               <a:rPr lang="en-US" sz="2400" dirty="0"/>
-              <a:t>Numerical Feature distribution</a:t>
+              <a:t>Feature correlation</a:t>
             </a:r>
             <a:br>
               <a:rPr lang="en-US" sz="4400" dirty="0"/>
@@ -12285,10 +12264,10 @@
       </p:sp>
       <p:pic>
         <p:nvPicPr>
-          <p:cNvPr id="8" name="Content Placeholder 7" descr="Chart&#10;&#10;Description automatically generated">
+          <p:cNvPr id="7" name="Content Placeholder 6" descr="A picture containing chart&#10;&#10;Description automatically generated">
             <a:extLst>
               <a:ext uri="{FF2B5EF4-FFF2-40B4-BE49-F238E27FC236}">
-                <a16:creationId xmlns:a16="http://schemas.microsoft.com/office/drawing/2014/main" id="{C1DC3252-A328-45E5-B61C-3F81B93B4BE6}"/>
+                <a16:creationId xmlns:a16="http://schemas.microsoft.com/office/drawing/2014/main" id="{D1D9157C-FC9C-446B-A047-1D4F54662278}"/>
               </a:ext>
             </a:extLst>
           </p:cNvPr>
@@ -12313,64 +12292,15 @@
         </p:blipFill>
         <p:spPr>
           <a:xfrm>
-            <a:off x="95726" y="1945594"/>
-            <a:ext cx="6538753" cy="4627926"/>
+            <a:off x="646113" y="2052638"/>
+            <a:ext cx="10747376" cy="4805362"/>
           </a:xfrm>
         </p:spPr>
       </p:pic>
-      <p:sp>
-        <p:nvSpPr>
-          <p:cNvPr id="12" name="Rectangle: Rounded Corners 11">
-            <a:extLst>
-              <a:ext uri="{FF2B5EF4-FFF2-40B4-BE49-F238E27FC236}">
-                <a16:creationId xmlns:a16="http://schemas.microsoft.com/office/drawing/2014/main" id="{3E88DA4E-BA97-4812-B59D-212ADF078B05}"/>
-              </a:ext>
-            </a:extLst>
-          </p:cNvPr>
-          <p:cNvSpPr/>
-          <p:nvPr/>
-        </p:nvSpPr>
-        <p:spPr>
-          <a:xfrm>
-            <a:off x="7430703" y="2541447"/>
-            <a:ext cx="3686476" cy="3436219"/>
-          </a:xfrm>
-          <a:prstGeom prst="roundRect">
-            <a:avLst/>
-          </a:prstGeom>
-        </p:spPr>
-        <p:style>
-          <a:lnRef idx="2">
-            <a:schemeClr val="accent1">
-              <a:shade val="50000"/>
-            </a:schemeClr>
-          </a:lnRef>
-          <a:fillRef idx="1">
-            <a:schemeClr val="accent1"/>
-          </a:fillRef>
-          <a:effectRef idx="0">
-            <a:schemeClr val="accent1"/>
-          </a:effectRef>
-          <a:fontRef idx="minor">
-            <a:schemeClr val="lt1"/>
-          </a:fontRef>
-        </p:style>
-        <p:txBody>
-          <a:bodyPr rtlCol="0" anchor="ctr"/>
-          <a:lstStyle/>
-          <a:p>
-            <a:pPr algn="ctr"/>
-            <a:r>
-              <a:rPr lang="en-ZA" dirty="0"/>
-              <a:t>Some pairs of attributes are correlated (mass and width). This suggests a high correlation and a predictable relationship. Thus a presence of multicollinearity</a:t>
-            </a:r>
-          </a:p>
-        </p:txBody>
-      </p:sp>
     </p:spTree>
     <p:extLst>
       <p:ext uri="{BB962C8B-B14F-4D97-AF65-F5344CB8AC3E}">
-        <p14:creationId xmlns:p14="http://schemas.microsoft.com/office/powerpoint/2010/main" val="3682224507"/>
+        <p14:creationId xmlns:p14="http://schemas.microsoft.com/office/powerpoint/2010/main" val="3082913842"/>
       </p:ext>
     </p:extLst>
   </p:cSld>
@@ -12647,11 +12577,6 @@
 </file>
 
 <file path=customXml/item1.xml><?xml version="1.0" encoding="utf-8"?>
-<?mso-contentType ?>
-<SharedContentType xmlns="Microsoft.SharePoint.Taxonomy.ContentTypeSync" SourceId="f436eb5e-c63d-4189-9248-e6e0fddb7cf9" ContentTypeId="0x0101" PreviousValue="false"/>
-</file>
-
-<file path=customXml/item2.xml><?xml version="1.0" encoding="utf-8"?>
 <ct:contentTypeSchema xmlns:ct="http://schemas.microsoft.com/office/2006/metadata/contentType" xmlns:ma="http://schemas.microsoft.com/office/2006/metadata/properties/metaAttributes" ct:_="" ma:_="" ma:contentTypeName="Document" ma:contentTypeID="0x010100C1F7132FCD0A8640AC937EF95A0E1EF0" ma:contentTypeVersion="19" ma:contentTypeDescription="Create a new document." ma:contentTypeScope="" ma:versionID="5db7e6edc41eeee542b03b048508ef5f">
   <xsd:schema xmlns:xsd="http://www.w3.org/2001/XMLSchema" xmlns:xs="http://www.w3.org/2001/XMLSchema" xmlns:p="http://schemas.microsoft.com/office/2006/metadata/properties" xmlns:ns1="http://schemas.microsoft.com/sharepoint/v3" xmlns:ns3="95757e98-2b43-486c-8ee7-8b03e7fccc8c" xmlns:ns4="c71cef04-48ba-45f0-a9e8-5e42bcb757c3" xmlns:ns5="9e360ddd-0f2b-4b59-8042-8e3711d37447" targetNamespace="http://schemas.microsoft.com/office/2006/metadata/properties" ma:root="true" ma:fieldsID="3ef21bde4eb58b668ce714c6addd6ddc" ns1:_="" ns3:_="" ns4:_="" ns5:_="">
     <xsd:import namespace="http://schemas.microsoft.com/sharepoint/v3"/>
@@ -12914,7 +12839,21 @@
 </ct:contentTypeSchema>
 </file>
 
+<file path=customXml/item2.xml><?xml version="1.0" encoding="utf-8"?>
+<?mso-contentType ?>
+<SharedContentType xmlns="Microsoft.SharePoint.Taxonomy.ContentTypeSync" SourceId="f436eb5e-c63d-4189-9248-e6e0fddb7cf9" ContentTypeId="0x0101" PreviousValue="false"/>
+</file>
+
 <file path=customXml/item3.xml><?xml version="1.0" encoding="utf-8"?>
+<?mso-contentType ?>
+<FormTemplates xmlns="http://schemas.microsoft.com/sharepoint/v3/contenttype/forms">
+  <Display>DocumentLibraryForm</Display>
+  <Edit>DocumentLibraryForm</Edit>
+  <New>DocumentLibraryForm</New>
+</FormTemplates>
+</file>
+
+<file path=customXml/item4.xml><?xml version="1.0" encoding="utf-8"?>
 <p:properties xmlns:p="http://schemas.microsoft.com/office/2006/metadata/properties" xmlns:xsi="http://www.w3.org/2001/XMLSchema-instance" xmlns:pc="http://schemas.microsoft.com/office/infopath/2007/PartnerControls">
   <documentManagement>
     <_ip_UnifiedCompliancePolicyUIAction xmlns="http://schemas.microsoft.com/sharepoint/v3" xsi:nil="true"/>
@@ -12924,24 +12863,7 @@
 </p:properties>
 </file>
 
-<file path=customXml/item4.xml><?xml version="1.0" encoding="utf-8"?>
-<?mso-contentType ?>
-<FormTemplates xmlns="http://schemas.microsoft.com/sharepoint/v3/contenttype/forms">
-  <Display>DocumentLibraryForm</Display>
-  <Edit>DocumentLibraryForm</Edit>
-  <New>DocumentLibraryForm</New>
-</FormTemplates>
-</file>
-
 <file path=customXml/itemProps1.xml><?xml version="1.0" encoding="utf-8"?>
-<ds:datastoreItem xmlns:ds="http://schemas.openxmlformats.org/officeDocument/2006/customXml" ds:itemID="{AE3923C4-2DF9-4F78-BC47-9DCA0D2FC88E}">
-  <ds:schemaRefs>
-    <ds:schemaRef ds:uri="Microsoft.SharePoint.Taxonomy.ContentTypeSync"/>
-  </ds:schemaRefs>
-</ds:datastoreItem>
-</file>
-
-<file path=customXml/itemProps2.xml><?xml version="1.0" encoding="utf-8"?>
 <ds:datastoreItem xmlns:ds="http://schemas.openxmlformats.org/officeDocument/2006/customXml" ds:itemID="{4D736E2B-AD99-4587-8F99-C117A0714C82}">
   <ds:schemaRefs>
     <ds:schemaRef ds:uri="http://schemas.microsoft.com/office/2006/metadata/contentType"/>
@@ -12962,29 +12884,37 @@
 </ds:datastoreItem>
 </file>
 
+<file path=customXml/itemProps2.xml><?xml version="1.0" encoding="utf-8"?>
+<ds:datastoreItem xmlns:ds="http://schemas.openxmlformats.org/officeDocument/2006/customXml" ds:itemID="{AE3923C4-2DF9-4F78-BC47-9DCA0D2FC88E}">
+  <ds:schemaRefs>
+    <ds:schemaRef ds:uri="Microsoft.SharePoint.Taxonomy.ContentTypeSync"/>
+  </ds:schemaRefs>
+</ds:datastoreItem>
+</file>
+
 <file path=customXml/itemProps3.xml><?xml version="1.0" encoding="utf-8"?>
-<ds:datastoreItem xmlns:ds="http://schemas.openxmlformats.org/officeDocument/2006/customXml" ds:itemID="{08A191FB-2C5C-44CF-865C-5421307B0D79}">
+<ds:datastoreItem xmlns:ds="http://schemas.openxmlformats.org/officeDocument/2006/customXml" ds:itemID="{944521D0-ABC1-40BD-822E-0029EB4D0304}">
   <ds:schemaRefs>
-    <ds:schemaRef ds:uri="http://schemas.microsoft.com/office/infopath/2007/PartnerControls"/>
-    <ds:schemaRef ds:uri="http://schemas.microsoft.com/office/2006/documentManagement/types"/>
-    <ds:schemaRef ds:uri="http://purl.org/dc/elements/1.1/"/>
-    <ds:schemaRef ds:uri="http://purl.org/dc/terms/"/>
-    <ds:schemaRef ds:uri="http://schemas.microsoft.com/sharepoint/v3"/>
-    <ds:schemaRef ds:uri="http://schemas.openxmlformats.org/package/2006/metadata/core-properties"/>
-    <ds:schemaRef ds:uri="9e360ddd-0f2b-4b59-8042-8e3711d37447"/>
-    <ds:schemaRef ds:uri="c71cef04-48ba-45f0-a9e8-5e42bcb757c3"/>
-    <ds:schemaRef ds:uri="95757e98-2b43-486c-8ee7-8b03e7fccc8c"/>
-    <ds:schemaRef ds:uri="http://schemas.microsoft.com/office/2006/metadata/properties"/>
-    <ds:schemaRef ds:uri="http://www.w3.org/XML/1998/namespace"/>
-    <ds:schemaRef ds:uri="http://purl.org/dc/dcmitype/"/>
+    <ds:schemaRef ds:uri="http://schemas.microsoft.com/sharepoint/v3/contenttype/forms"/>
   </ds:schemaRefs>
 </ds:datastoreItem>
 </file>
 
 <file path=customXml/itemProps4.xml><?xml version="1.0" encoding="utf-8"?>
-<ds:datastoreItem xmlns:ds="http://schemas.openxmlformats.org/officeDocument/2006/customXml" ds:itemID="{944521D0-ABC1-40BD-822E-0029EB4D0304}">
+<ds:datastoreItem xmlns:ds="http://schemas.openxmlformats.org/officeDocument/2006/customXml" ds:itemID="{08A191FB-2C5C-44CF-865C-5421307B0D79}">
   <ds:schemaRefs>
-    <ds:schemaRef ds:uri="http://schemas.microsoft.com/sharepoint/v3/contenttype/forms"/>
+    <ds:schemaRef ds:uri="95757e98-2b43-486c-8ee7-8b03e7fccc8c"/>
+    <ds:schemaRef ds:uri="http://schemas.microsoft.com/office/2006/documentManagement/types"/>
+    <ds:schemaRef ds:uri="9e360ddd-0f2b-4b59-8042-8e3711d37447"/>
+    <ds:schemaRef ds:uri="c71cef04-48ba-45f0-a9e8-5e42bcb757c3"/>
+    <ds:schemaRef ds:uri="http://schemas.microsoft.com/office/2006/metadata/properties"/>
+    <ds:schemaRef ds:uri="http://purl.org/dc/elements/1.1/"/>
+    <ds:schemaRef ds:uri="http://purl.org/dc/dcmitype/"/>
+    <ds:schemaRef ds:uri="http://schemas.openxmlformats.org/package/2006/metadata/core-properties"/>
+    <ds:schemaRef ds:uri="http://purl.org/dc/terms/"/>
+    <ds:schemaRef ds:uri="http://schemas.microsoft.com/office/infopath/2007/PartnerControls"/>
+    <ds:schemaRef ds:uri="http://schemas.microsoft.com/sharepoint/v3"/>
+    <ds:schemaRef ds:uri="http://www.w3.org/XML/1998/namespace"/>
   </ds:schemaRefs>
 </ds:datastoreItem>
 </file>
--- a/Presentation.pptx
+++ b/Presentation.pptx
@@ -135,27 +135,6 @@
     <p1510:client id="{2A3EAB80-F475-4064-93D3-496F20655F2D}" v="339" dt="2021-03-10T09:56:23.445"/>
   </p1510:revLst>
 </p1510:revInfo>
-</file>
-
-<file path=ppt/changesInfos/changesInfo1.xml><?xml version="1.0" encoding="utf-8"?>
-<pc:chgInfo xmlns:a="http://schemas.openxmlformats.org/drawingml/2006/main" xmlns:r="http://schemas.openxmlformats.org/officeDocument/2006/relationships" xmlns:ac="http://schemas.microsoft.com/office/drawing/2013/main/command" xmlns:pc="http://schemas.microsoft.com/office/powerpoint/2013/main/command">
-  <pc:docChgLst>
-    <pc:chgData name="Makgoba, Tshepo ST" userId="31841954-244f-4529-890b-fd3206311c61" providerId="ADAL" clId="{BF34A6D0-C5F2-4216-813E-1B1F590208CA}"/>
-    <pc:docChg chg="delSld">
-      <pc:chgData name="Makgoba, Tshepo ST" userId="31841954-244f-4529-890b-fd3206311c61" providerId="ADAL" clId="{BF34A6D0-C5F2-4216-813E-1B1F590208CA}" dt="2021-03-10T21:47:57.609" v="0" actId="2696"/>
-      <pc:docMkLst>
-        <pc:docMk/>
-      </pc:docMkLst>
-      <pc:sldChg chg="del">
-        <pc:chgData name="Makgoba, Tshepo ST" userId="31841954-244f-4529-890b-fd3206311c61" providerId="ADAL" clId="{BF34A6D0-C5F2-4216-813E-1B1F590208CA}" dt="2021-03-10T21:47:57.609" v="0" actId="2696"/>
-        <pc:sldMkLst>
-          <pc:docMk/>
-          <pc:sldMk cId="3773742378" sldId="275"/>
-        </pc:sldMkLst>
-      </pc:sldChg>
-    </pc:docChg>
-  </pc:docChgLst>
-</pc:chgInfo>
 </file>
 
 <file path=ppt/slideLayouts/slideLayout1.xml><?xml version="1.0" encoding="utf-8"?>
@@ -12903,18 +12882,18 @@
 <file path=customXml/itemProps4.xml><?xml version="1.0" encoding="utf-8"?>
 <ds:datastoreItem xmlns:ds="http://schemas.openxmlformats.org/officeDocument/2006/customXml" ds:itemID="{08A191FB-2C5C-44CF-865C-5421307B0D79}">
   <ds:schemaRefs>
-    <ds:schemaRef ds:uri="95757e98-2b43-486c-8ee7-8b03e7fccc8c"/>
+    <ds:schemaRef ds:uri="http://schemas.microsoft.com/office/infopath/2007/PartnerControls"/>
     <ds:schemaRef ds:uri="http://schemas.microsoft.com/office/2006/documentManagement/types"/>
+    <ds:schemaRef ds:uri="http://purl.org/dc/elements/1.1/"/>
+    <ds:schemaRef ds:uri="http://purl.org/dc/terms/"/>
+    <ds:schemaRef ds:uri="http://schemas.microsoft.com/sharepoint/v3"/>
+    <ds:schemaRef ds:uri="http://schemas.openxmlformats.org/package/2006/metadata/core-properties"/>
     <ds:schemaRef ds:uri="9e360ddd-0f2b-4b59-8042-8e3711d37447"/>
     <ds:schemaRef ds:uri="c71cef04-48ba-45f0-a9e8-5e42bcb757c3"/>
+    <ds:schemaRef ds:uri="95757e98-2b43-486c-8ee7-8b03e7fccc8c"/>
     <ds:schemaRef ds:uri="http://schemas.microsoft.com/office/2006/metadata/properties"/>
-    <ds:schemaRef ds:uri="http://purl.org/dc/elements/1.1/"/>
+    <ds:schemaRef ds:uri="http://www.w3.org/XML/1998/namespace"/>
     <ds:schemaRef ds:uri="http://purl.org/dc/dcmitype/"/>
-    <ds:schemaRef ds:uri="http://schemas.openxmlformats.org/package/2006/metadata/core-properties"/>
-    <ds:schemaRef ds:uri="http://purl.org/dc/terms/"/>
-    <ds:schemaRef ds:uri="http://schemas.microsoft.com/office/infopath/2007/PartnerControls"/>
-    <ds:schemaRef ds:uri="http://schemas.microsoft.com/sharepoint/v3"/>
-    <ds:schemaRef ds:uri="http://www.w3.org/XML/1998/namespace"/>
   </ds:schemaRefs>
 </ds:datastoreItem>
 </file>